--- a/AGTA2014/EllisPatrick.pptx
+++ b/AGTA2014/EllisPatrick.pptx
@@ -5,7 +5,7 @@
     <p:sldMasterId id="2147483648" r:id="rId1"/>
   </p:sldMasterIdLst>
   <p:notesMasterIdLst>
-    <p:notesMasterId r:id="rId29"/>
+    <p:notesMasterId r:id="rId27"/>
   </p:notesMasterIdLst>
   <p:sldIdLst>
     <p:sldId id="271" r:id="rId2"/>
@@ -13,28 +13,26 @@
     <p:sldId id="272" r:id="rId4"/>
     <p:sldId id="273" r:id="rId5"/>
     <p:sldId id="274" r:id="rId6"/>
-    <p:sldId id="275" r:id="rId7"/>
-    <p:sldId id="276" r:id="rId8"/>
-    <p:sldId id="277" r:id="rId9"/>
-    <p:sldId id="278" r:id="rId10"/>
-    <p:sldId id="280" r:id="rId11"/>
-    <p:sldId id="281" r:id="rId12"/>
-    <p:sldId id="282" r:id="rId13"/>
-    <p:sldId id="257" r:id="rId14"/>
-    <p:sldId id="290" r:id="rId15"/>
-    <p:sldId id="259" r:id="rId16"/>
-    <p:sldId id="261" r:id="rId17"/>
-    <p:sldId id="285" r:id="rId18"/>
-    <p:sldId id="284" r:id="rId19"/>
-    <p:sldId id="289" r:id="rId20"/>
-    <p:sldId id="283" r:id="rId21"/>
-    <p:sldId id="267" r:id="rId22"/>
-    <p:sldId id="268" r:id="rId23"/>
-    <p:sldId id="287" r:id="rId24"/>
-    <p:sldId id="286" r:id="rId25"/>
-    <p:sldId id="269" r:id="rId26"/>
-    <p:sldId id="270" r:id="rId27"/>
-    <p:sldId id="288" r:id="rId28"/>
+    <p:sldId id="277" r:id="rId7"/>
+    <p:sldId id="278" r:id="rId8"/>
+    <p:sldId id="280" r:id="rId9"/>
+    <p:sldId id="281" r:id="rId10"/>
+    <p:sldId id="282" r:id="rId11"/>
+    <p:sldId id="257" r:id="rId12"/>
+    <p:sldId id="290" r:id="rId13"/>
+    <p:sldId id="259" r:id="rId14"/>
+    <p:sldId id="261" r:id="rId15"/>
+    <p:sldId id="285" r:id="rId16"/>
+    <p:sldId id="284" r:id="rId17"/>
+    <p:sldId id="289" r:id="rId18"/>
+    <p:sldId id="283" r:id="rId19"/>
+    <p:sldId id="267" r:id="rId20"/>
+    <p:sldId id="268" r:id="rId21"/>
+    <p:sldId id="287" r:id="rId22"/>
+    <p:sldId id="286" r:id="rId23"/>
+    <p:sldId id="269" r:id="rId24"/>
+    <p:sldId id="270" r:id="rId25"/>
+    <p:sldId id="288" r:id="rId26"/>
   </p:sldIdLst>
   <p:sldSz cx="9144000" cy="5143500" type="screen16x9"/>
   <p:notesSz cx="6858000" cy="9144000"/>
@@ -218,7 +216,7 @@
           <a:p>
             <a:fld id="{AFAF24B8-E6A7-41AE-B0A3-DBCD15A215B3}" type="datetimeFigureOut">
               <a:rPr lang="en-AU" smtClean="0"/>
-              <a:t>13/10/2014</a:t>
+              <a:t>14/10/2014</a:t>
             </a:fld>
             <a:endParaRPr lang="en-AU"/>
           </a:p>
@@ -619,10 +617,12 @@
         </p:nvSpPr>
         <p:spPr/>
         <p:txBody>
-          <a:bodyPr/>
+          <a:bodyPr>
+            <a:normAutofit/>
+          </a:bodyPr>
           <a:lstStyle/>
           <a:p>
-            <a:endParaRPr kumimoji="1" lang="zh-TW" altLang="en-US" dirty="0"/>
+            <a:endParaRPr lang="en-AU" dirty="0"/>
           </a:p>
         </p:txBody>
       </p:sp>
@@ -644,99 +644,7 @@
             <a:fld id="{6ED87BB1-BFB1-42D8-8273-22209E937433}" type="slidenum">
               <a:rPr lang="en-AU" smtClean="0"/>
               <a:pPr/>
-              <a:t>15</a:t>
-            </a:fld>
-            <a:endParaRPr lang="en-AU"/>
-          </a:p>
-        </p:txBody>
-      </p:sp>
-    </p:spTree>
-    <p:extLst>
-      <p:ext uri="{BB962C8B-B14F-4D97-AF65-F5344CB8AC3E}">
-        <p14:creationId xmlns:p14="http://schemas.microsoft.com/office/powerpoint/2010/main" val="2785644757"/>
-      </p:ext>
-    </p:extLst>
-  </p:cSld>
-  <p:clrMapOvr>
-    <a:masterClrMapping/>
-  </p:clrMapOvr>
-</p:notes>
-</file>
-
-<file path=ppt/notesSlides/notesSlide11.xml><?xml version="1.0" encoding="utf-8"?>
-<p:notes xmlns:a="http://schemas.openxmlformats.org/drawingml/2006/main" xmlns:r="http://schemas.openxmlformats.org/officeDocument/2006/relationships" xmlns:p="http://schemas.openxmlformats.org/presentationml/2006/main">
-  <p:cSld>
-    <p:spTree>
-      <p:nvGrpSpPr>
-        <p:cNvPr id="1" name=""/>
-        <p:cNvGrpSpPr/>
-        <p:nvPr/>
-      </p:nvGrpSpPr>
-      <p:grpSpPr>
-        <a:xfrm>
-          <a:off x="0" y="0"/>
-          <a:ext cx="0" cy="0"/>
-          <a:chOff x="0" y="0"/>
-          <a:chExt cx="0" cy="0"/>
-        </a:xfrm>
-      </p:grpSpPr>
-      <p:sp>
-        <p:nvSpPr>
-          <p:cNvPr id="2" name="Slide Image Placeholder 1"/>
-          <p:cNvSpPr>
-            <a:spLocks noGrp="1" noRot="1" noChangeAspect="1"/>
-          </p:cNvSpPr>
-          <p:nvPr>
-            <p:ph type="sldImg"/>
-          </p:nvPr>
-        </p:nvSpPr>
-        <p:spPr>
-          <a:xfrm>
-            <a:off x="381000" y="685800"/>
-            <a:ext cx="6096000" cy="3429000"/>
-          </a:xfrm>
-        </p:spPr>
-      </p:sp>
-      <p:sp>
-        <p:nvSpPr>
-          <p:cNvPr id="3" name="Notes Placeholder 2"/>
-          <p:cNvSpPr>
-            <a:spLocks noGrp="1"/>
-          </p:cNvSpPr>
-          <p:nvPr>
-            <p:ph type="body" idx="1"/>
-          </p:nvPr>
-        </p:nvSpPr>
-        <p:spPr/>
-        <p:txBody>
-          <a:bodyPr>
-            <a:normAutofit/>
-          </a:bodyPr>
-          <a:lstStyle/>
-          <a:p>
-            <a:endParaRPr lang="en-AU" dirty="0"/>
-          </a:p>
-        </p:txBody>
-      </p:sp>
-      <p:sp>
-        <p:nvSpPr>
-          <p:cNvPr id="4" name="Slide Number Placeholder 3"/>
-          <p:cNvSpPr>
-            <a:spLocks noGrp="1"/>
-          </p:cNvSpPr>
-          <p:nvPr>
-            <p:ph type="sldNum" sz="quarter" idx="10"/>
-          </p:nvPr>
-        </p:nvSpPr>
-        <p:spPr/>
-        <p:txBody>
-          <a:bodyPr/>
-          <a:lstStyle/>
-          <a:p>
-            <a:fld id="{6ED87BB1-BFB1-42D8-8273-22209E937433}" type="slidenum">
-              <a:rPr lang="en-AU" smtClean="0"/>
-              <a:pPr/>
-              <a:t>16</a:t>
+              <a:t>14</a:t>
             </a:fld>
             <a:endParaRPr lang="en-AU"/>
           </a:p>
@@ -750,7 +658,7 @@
 </p:notes>
 </file>
 
-<file path=ppt/notesSlides/notesSlide12.xml><?xml version="1.0" encoding="utf-8"?>
+<file path=ppt/notesSlides/notesSlide11.xml><?xml version="1.0" encoding="utf-8"?>
 <p:notes xmlns:a="http://schemas.openxmlformats.org/drawingml/2006/main" xmlns:r="http://schemas.openxmlformats.org/officeDocument/2006/relationships" xmlns:p="http://schemas.openxmlformats.org/presentationml/2006/main">
   <p:cSld>
     <p:spTree>
@@ -932,7 +840,7 @@
             <a:fld id="{5A2469CE-7208-4ACD-8399-B810A252E02D}" type="datetime1">
               <a:rPr lang="en-AU" smtClean="0"/>
               <a:pPr/>
-              <a:t>13/10/2014</a:t>
+              <a:t>14/10/2014</a:t>
             </a:fld>
             <a:endParaRPr lang="en-AU" smtClean="0"/>
           </a:p>
@@ -1194,7 +1102,7 @@
             <a:fld id="{A54806A4-BF88-4035-9250-EB8AB394ABA3}" type="slidenum">
               <a:rPr lang="en-AU" smtClean="0"/>
               <a:pPr/>
-              <a:t>26</a:t>
+              <a:t>24</a:t>
             </a:fld>
             <a:endParaRPr lang="en-AU" smtClean="0"/>
           </a:p>
@@ -1820,7 +1728,7 @@
             <a:fld id="{6ED87BB1-BFB1-42D8-8273-22209E937433}" type="slidenum">
               <a:rPr lang="en-AU" smtClean="0"/>
               <a:pPr/>
-              <a:t>12</a:t>
+              <a:t>11</a:t>
             </a:fld>
             <a:endParaRPr lang="en-AU"/>
           </a:p>
@@ -1880,12 +1788,10 @@
         </p:nvSpPr>
         <p:spPr/>
         <p:txBody>
-          <a:bodyPr>
-            <a:normAutofit/>
-          </a:bodyPr>
+          <a:bodyPr/>
           <a:lstStyle/>
           <a:p>
-            <a:endParaRPr lang="en-AU" dirty="0"/>
+            <a:endParaRPr kumimoji="1" lang="zh-TW" altLang="en-US" dirty="0"/>
           </a:p>
         </p:txBody>
       </p:sp>
@@ -1914,6 +1820,11 @@
         </p:txBody>
       </p:sp>
     </p:spTree>
+    <p:extLst>
+      <p:ext uri="{BB962C8B-B14F-4D97-AF65-F5344CB8AC3E}">
+        <p14:creationId xmlns:p14="http://schemas.microsoft.com/office/powerpoint/2010/main" val="2785644757"/>
+      </p:ext>
+    </p:extLst>
   </p:cSld>
   <p:clrMapOvr>
     <a:masterClrMapping/>
@@ -2103,7 +2014,7 @@
             <a:fld id="{1D8BD707-D9CF-40AE-B4C6-C98DA3205C09}" type="datetimeFigureOut">
               <a:rPr lang="en-US" smtClean="0"/>
               <a:pPr/>
-              <a:t>10/13/2014</a:t>
+              <a:t>10/14/2014</a:t>
             </a:fld>
             <a:endParaRPr lang="en-US"/>
           </a:p>
@@ -2270,7 +2181,7 @@
             <a:fld id="{1D8BD707-D9CF-40AE-B4C6-C98DA3205C09}" type="datetimeFigureOut">
               <a:rPr lang="en-US" smtClean="0"/>
               <a:pPr/>
-              <a:t>10/13/2014</a:t>
+              <a:t>10/14/2014</a:t>
             </a:fld>
             <a:endParaRPr lang="en-US"/>
           </a:p>
@@ -2447,7 +2358,7 @@
             <a:fld id="{1D8BD707-D9CF-40AE-B4C6-C98DA3205C09}" type="datetimeFigureOut">
               <a:rPr lang="en-US" smtClean="0"/>
               <a:pPr/>
-              <a:t>10/13/2014</a:t>
+              <a:t>10/14/2014</a:t>
             </a:fld>
             <a:endParaRPr lang="en-US"/>
           </a:p>
@@ -2928,7 +2839,7 @@
             <a:fld id="{1D8BD707-D9CF-40AE-B4C6-C98DA3205C09}" type="datetimeFigureOut">
               <a:rPr lang="en-US" smtClean="0"/>
               <a:pPr/>
-              <a:t>10/13/2014</a:t>
+              <a:t>10/14/2014</a:t>
             </a:fld>
             <a:endParaRPr lang="en-US"/>
           </a:p>
@@ -3171,7 +3082,7 @@
             <a:fld id="{1D8BD707-D9CF-40AE-B4C6-C98DA3205C09}" type="datetimeFigureOut">
               <a:rPr lang="en-US" smtClean="0"/>
               <a:pPr/>
-              <a:t>10/13/2014</a:t>
+              <a:t>10/14/2014</a:t>
             </a:fld>
             <a:endParaRPr lang="en-US"/>
           </a:p>
@@ -3456,7 +3367,7 @@
             <a:fld id="{1D8BD707-D9CF-40AE-B4C6-C98DA3205C09}" type="datetimeFigureOut">
               <a:rPr lang="en-US" smtClean="0"/>
               <a:pPr/>
-              <a:t>10/13/2014</a:t>
+              <a:t>10/14/2014</a:t>
             </a:fld>
             <a:endParaRPr lang="en-US"/>
           </a:p>
@@ -3875,7 +3786,7 @@
             <a:fld id="{1D8BD707-D9CF-40AE-B4C6-C98DA3205C09}" type="datetimeFigureOut">
               <a:rPr lang="en-US" smtClean="0"/>
               <a:pPr/>
-              <a:t>10/13/2014</a:t>
+              <a:t>10/14/2014</a:t>
             </a:fld>
             <a:endParaRPr lang="en-US"/>
           </a:p>
@@ -3990,7 +3901,7 @@
             <a:fld id="{1D8BD707-D9CF-40AE-B4C6-C98DA3205C09}" type="datetimeFigureOut">
               <a:rPr lang="en-US" smtClean="0"/>
               <a:pPr/>
-              <a:t>10/13/2014</a:t>
+              <a:t>10/14/2014</a:t>
             </a:fld>
             <a:endParaRPr lang="en-US"/>
           </a:p>
@@ -4082,7 +3993,7 @@
             <a:fld id="{1D8BD707-D9CF-40AE-B4C6-C98DA3205C09}" type="datetimeFigureOut">
               <a:rPr lang="en-US" smtClean="0"/>
               <a:pPr/>
-              <a:t>10/13/2014</a:t>
+              <a:t>10/14/2014</a:t>
             </a:fld>
             <a:endParaRPr lang="en-US"/>
           </a:p>
@@ -4356,7 +4267,7 @@
             <a:fld id="{1D8BD707-D9CF-40AE-B4C6-C98DA3205C09}" type="datetimeFigureOut">
               <a:rPr lang="en-US" smtClean="0"/>
               <a:pPr/>
-              <a:t>10/13/2014</a:t>
+              <a:t>10/14/2014</a:t>
             </a:fld>
             <a:endParaRPr lang="en-US"/>
           </a:p>
@@ -4606,7 +4517,7 @@
             <a:fld id="{1D8BD707-D9CF-40AE-B4C6-C98DA3205C09}" type="datetimeFigureOut">
               <a:rPr lang="en-US" smtClean="0"/>
               <a:pPr/>
-              <a:t>10/13/2014</a:t>
+              <a:t>10/14/2014</a:t>
             </a:fld>
             <a:endParaRPr lang="en-US"/>
           </a:p>
@@ -4816,7 +4727,7 @@
             <a:fld id="{1D8BD707-D9CF-40AE-B4C6-C98DA3205C09}" type="datetimeFigureOut">
               <a:rPr lang="en-US" smtClean="0"/>
               <a:pPr/>
-              <a:t>10/13/2014</a:t>
+              <a:t>10/14/2014</a:t>
             </a:fld>
             <a:endParaRPr lang="en-US"/>
           </a:p>
@@ -5420,15 +5331,7 @@
           <a:p>
             <a:r>
               <a:rPr lang="en-AU" dirty="0" smtClean="0"/>
-              <a:t>Ellis Patrick, Michael Buckley, Samuel </a:t>
-            </a:r>
-            <a:r>
-              <a:rPr lang="en-AU" dirty="0" smtClean="0"/>
-              <a:t>Mueller, </a:t>
-            </a:r>
-            <a:r>
-              <a:rPr lang="en-AU" dirty="0" smtClean="0"/>
-              <a:t>Dave M. Lin and Jean Yang</a:t>
+              <a:t>Ellis Patrick, Michael Buckley, Samuel Mueller, Dave M. Lin and Jean Yang</a:t>
             </a:r>
             <a:br>
               <a:rPr lang="en-AU" dirty="0" smtClean="0"/>
@@ -5778,2144 +5681,6 @@
 </file>
 
 <file path=ppt/slides/slide10.xml><?xml version="1.0" encoding="utf-8"?>
-<p:sld xmlns:a="http://schemas.openxmlformats.org/drawingml/2006/main" xmlns:r="http://schemas.openxmlformats.org/officeDocument/2006/relationships" xmlns:p="http://schemas.openxmlformats.org/presentationml/2006/main">
-  <p:cSld>
-    <p:spTree>
-      <p:nvGrpSpPr>
-        <p:cNvPr id="1" name=""/>
-        <p:cNvGrpSpPr/>
-        <p:nvPr/>
-      </p:nvGrpSpPr>
-      <p:grpSpPr>
-        <a:xfrm>
-          <a:off x="0" y="0"/>
-          <a:ext cx="0" cy="0"/>
-          <a:chOff x="0" y="0"/>
-          <a:chExt cx="0" cy="0"/>
-        </a:xfrm>
-      </p:grpSpPr>
-      <p:cxnSp>
-        <p:nvCxnSpPr>
-          <p:cNvPr id="45" name="Straight Arrow Connector 44"/>
-          <p:cNvCxnSpPr/>
-          <p:nvPr/>
-        </p:nvCxnSpPr>
-        <p:spPr>
-          <a:xfrm flipV="1">
-            <a:off x="3886201" y="3771900"/>
-            <a:ext cx="3276600" cy="514350"/>
-          </a:xfrm>
-          <a:prstGeom prst="straightConnector1">
-            <a:avLst/>
-          </a:prstGeom>
-          <a:ln w="25400">
-            <a:solidFill>
-              <a:srgbClr val="419F31"/>
-            </a:solidFill>
-            <a:tailEnd type="arrow"/>
-          </a:ln>
-        </p:spPr>
-        <p:style>
-          <a:lnRef idx="1">
-            <a:schemeClr val="accent1"/>
-          </a:lnRef>
-          <a:fillRef idx="0">
-            <a:schemeClr val="accent1"/>
-          </a:fillRef>
-          <a:effectRef idx="0">
-            <a:schemeClr val="accent1"/>
-          </a:effectRef>
-          <a:fontRef idx="minor">
-            <a:schemeClr val="tx1"/>
-          </a:fontRef>
-        </p:style>
-      </p:cxnSp>
-      <p:sp>
-        <p:nvSpPr>
-          <p:cNvPr id="3" name="Content Placeholder 2"/>
-          <p:cNvSpPr>
-            <a:spLocks noGrp="1"/>
-          </p:cNvSpPr>
-          <p:nvPr>
-            <p:ph idx="1"/>
-          </p:nvPr>
-        </p:nvSpPr>
-        <p:spPr>
-          <a:xfrm>
-            <a:off x="304206" y="212834"/>
-            <a:ext cx="8534400" cy="3028950"/>
-          </a:xfrm>
-        </p:spPr>
-        <p:txBody>
-          <a:bodyPr>
-            <a:normAutofit lnSpcReduction="10000"/>
-          </a:bodyPr>
-          <a:lstStyle/>
-          <a:p>
-            <a:pPr>
-              <a:buNone/>
-            </a:pPr>
-            <a:r>
-              <a:rPr lang="en-AU" dirty="0" smtClean="0"/>
-              <a:t>We would like to…</a:t>
-            </a:r>
-          </a:p>
-          <a:p>
-            <a:pPr algn="ctr">
-              <a:buNone/>
-            </a:pPr>
-            <a:r>
-              <a:rPr lang="en-AU" dirty="0" smtClean="0"/>
-              <a:t>Identify </a:t>
-            </a:r>
-            <a:r>
-              <a:rPr lang="en-AU" dirty="0" smtClean="0">
-                <a:solidFill>
-                  <a:schemeClr val="accent1">
-                    <a:lumMod val="75000"/>
-                  </a:schemeClr>
-                </a:solidFill>
-              </a:rPr>
-              <a:t>groups of genes </a:t>
-            </a:r>
-          </a:p>
-          <a:p>
-            <a:pPr algn="ctr">
-              <a:buNone/>
-            </a:pPr>
-            <a:r>
-              <a:rPr lang="en-AU" dirty="0" smtClean="0"/>
-              <a:t>that are </a:t>
-            </a:r>
-          </a:p>
-          <a:p>
-            <a:pPr algn="ctr">
-              <a:buNone/>
-            </a:pPr>
-            <a:r>
-              <a:rPr lang="en-AU" dirty="0" smtClean="0"/>
-              <a:t>being </a:t>
-            </a:r>
-            <a:r>
-              <a:rPr lang="en-AU" dirty="0" smtClean="0">
-                <a:solidFill>
-                  <a:schemeClr val="accent2">
-                    <a:lumMod val="75000"/>
-                  </a:schemeClr>
-                </a:solidFill>
-              </a:rPr>
-              <a:t>regulated by a </a:t>
-            </a:r>
-            <a:r>
-              <a:rPr lang="en-AU" dirty="0" err="1" smtClean="0">
-                <a:solidFill>
-                  <a:schemeClr val="accent2">
-                    <a:lumMod val="75000"/>
-                  </a:schemeClr>
-                </a:solidFill>
-              </a:rPr>
-              <a:t>miRNA</a:t>
-            </a:r>
-            <a:r>
-              <a:rPr lang="en-AU" dirty="0" smtClean="0">
-                <a:solidFill>
-                  <a:schemeClr val="accent2">
-                    <a:lumMod val="75000"/>
-                  </a:schemeClr>
-                </a:solidFill>
-              </a:rPr>
-              <a:t> </a:t>
-            </a:r>
-          </a:p>
-          <a:p>
-            <a:pPr algn="ctr">
-              <a:buNone/>
-            </a:pPr>
-            <a:r>
-              <a:rPr lang="en-AU" dirty="0" smtClean="0"/>
-              <a:t>and </a:t>
-            </a:r>
-          </a:p>
-          <a:p>
-            <a:pPr algn="ctr">
-              <a:buNone/>
-            </a:pPr>
-            <a:r>
-              <a:rPr lang="en-AU" dirty="0" smtClean="0"/>
-              <a:t>	share some </a:t>
-            </a:r>
-            <a:r>
-              <a:rPr lang="en-AU" dirty="0" smtClean="0">
-                <a:solidFill>
-                  <a:schemeClr val="accent6">
-                    <a:lumMod val="75000"/>
-                  </a:schemeClr>
-                </a:solidFill>
-              </a:rPr>
-              <a:t>common biological</a:t>
-            </a:r>
-          </a:p>
-          <a:p>
-            <a:pPr algn="ctr">
-              <a:buNone/>
-            </a:pPr>
-            <a:r>
-              <a:rPr lang="en-AU" dirty="0" smtClean="0">
-                <a:solidFill>
-                  <a:schemeClr val="accent6">
-                    <a:lumMod val="75000"/>
-                  </a:schemeClr>
-                </a:solidFill>
-              </a:rPr>
-              <a:t>function</a:t>
-            </a:r>
-            <a:r>
-              <a:rPr lang="en-AU" dirty="0" smtClean="0"/>
-              <a:t>.</a:t>
-            </a:r>
-            <a:endParaRPr lang="en-AU" dirty="0"/>
-          </a:p>
-        </p:txBody>
-      </p:sp>
-      <p:sp>
-        <p:nvSpPr>
-          <p:cNvPr id="13" name="Oval 12"/>
-          <p:cNvSpPr/>
-          <p:nvPr/>
-        </p:nvSpPr>
-        <p:spPr>
-          <a:xfrm>
-            <a:off x="2743200" y="4114800"/>
-            <a:ext cx="1143000" cy="514350"/>
-          </a:xfrm>
-          <a:prstGeom prst="ellipse">
-            <a:avLst/>
-          </a:prstGeom>
-          <a:solidFill>
-            <a:schemeClr val="accent2"/>
-          </a:solidFill>
-          <a:ln>
-            <a:solidFill>
-              <a:schemeClr val="accent2">
-                <a:lumMod val="50000"/>
-              </a:schemeClr>
-            </a:solidFill>
-          </a:ln>
-        </p:spPr>
-        <p:style>
-          <a:lnRef idx="2">
-            <a:schemeClr val="accent1">
-              <a:shade val="50000"/>
-            </a:schemeClr>
-          </a:lnRef>
-          <a:fillRef idx="1">
-            <a:schemeClr val="accent1"/>
-          </a:fillRef>
-          <a:effectRef idx="0">
-            <a:schemeClr val="accent1"/>
-          </a:effectRef>
-          <a:fontRef idx="minor">
-            <a:schemeClr val="lt1"/>
-          </a:fontRef>
-        </p:style>
-        <p:txBody>
-          <a:bodyPr lIns="68573" tIns="34286" rIns="68573" bIns="34286" rtlCol="0" anchor="ctr"/>
-          <a:lstStyle/>
-          <a:p>
-            <a:pPr algn="ctr"/>
-            <a:r>
-              <a:rPr lang="en-AU" dirty="0" err="1"/>
-              <a:t>m</a:t>
-            </a:r>
-            <a:r>
-              <a:rPr lang="en-AU" dirty="0" err="1" smtClean="0"/>
-              <a:t>ir</a:t>
-            </a:r>
-            <a:r>
-              <a:rPr lang="en-AU" dirty="0" smtClean="0"/>
-              <a:t> 1</a:t>
-            </a:r>
-            <a:endParaRPr lang="en-AU" dirty="0"/>
-          </a:p>
-        </p:txBody>
-      </p:sp>
-      <p:cxnSp>
-        <p:nvCxnSpPr>
-          <p:cNvPr id="15" name="Straight Arrow Connector 14"/>
-          <p:cNvCxnSpPr/>
-          <p:nvPr/>
-        </p:nvCxnSpPr>
-        <p:spPr>
-          <a:xfrm flipV="1">
-            <a:off x="3962400" y="4286250"/>
-            <a:ext cx="1447800" cy="114300"/>
-          </a:xfrm>
-          <a:prstGeom prst="straightConnector1">
-            <a:avLst/>
-          </a:prstGeom>
-          <a:ln w="25400">
-            <a:solidFill>
-              <a:srgbClr val="419F31"/>
-            </a:solidFill>
-            <a:tailEnd type="arrow"/>
-          </a:ln>
-        </p:spPr>
-        <p:style>
-          <a:lnRef idx="1">
-            <a:schemeClr val="accent1"/>
-          </a:lnRef>
-          <a:fillRef idx="0">
-            <a:schemeClr val="accent1"/>
-          </a:fillRef>
-          <a:effectRef idx="0">
-            <a:schemeClr val="accent1"/>
-          </a:effectRef>
-          <a:fontRef idx="minor">
-            <a:schemeClr val="tx1"/>
-          </a:fontRef>
-        </p:style>
-      </p:cxnSp>
-      <p:sp>
-        <p:nvSpPr>
-          <p:cNvPr id="18" name="Oval 17"/>
-          <p:cNvSpPr/>
-          <p:nvPr/>
-        </p:nvSpPr>
-        <p:spPr>
-          <a:xfrm>
-            <a:off x="5867400" y="3486150"/>
-            <a:ext cx="762000" cy="400050"/>
-          </a:xfrm>
-          <a:prstGeom prst="ellipse">
-            <a:avLst/>
-          </a:prstGeom>
-          <a:solidFill>
-            <a:schemeClr val="accent1">
-              <a:lumMod val="40000"/>
-              <a:lumOff val="60000"/>
-            </a:schemeClr>
-          </a:solidFill>
-          <a:ln>
-            <a:solidFill>
-              <a:schemeClr val="accent1">
-                <a:lumMod val="60000"/>
-                <a:lumOff val="40000"/>
-              </a:schemeClr>
-            </a:solidFill>
-          </a:ln>
-        </p:spPr>
-        <p:style>
-          <a:lnRef idx="2">
-            <a:schemeClr val="accent1">
-              <a:shade val="50000"/>
-            </a:schemeClr>
-          </a:lnRef>
-          <a:fillRef idx="1">
-            <a:schemeClr val="accent1"/>
-          </a:fillRef>
-          <a:effectRef idx="0">
-            <a:schemeClr val="accent1"/>
-          </a:effectRef>
-          <a:fontRef idx="minor">
-            <a:schemeClr val="lt1"/>
-          </a:fontRef>
-        </p:style>
-        <p:txBody>
-          <a:bodyPr lIns="68573" tIns="34286" rIns="68573" bIns="34286" rtlCol="0" anchor="ctr"/>
-          <a:lstStyle/>
-          <a:p>
-            <a:pPr algn="ctr"/>
-            <a:r>
-              <a:rPr lang="en-AU" sz="900" dirty="0"/>
-              <a:t>gene 2 </a:t>
-            </a:r>
-          </a:p>
-        </p:txBody>
-      </p:sp>
-      <p:sp>
-        <p:nvSpPr>
-          <p:cNvPr id="20" name="Oval 19"/>
-          <p:cNvSpPr/>
-          <p:nvPr/>
-        </p:nvSpPr>
-        <p:spPr>
-          <a:xfrm>
-            <a:off x="5029200" y="3486150"/>
-            <a:ext cx="762000" cy="400050"/>
-          </a:xfrm>
-          <a:prstGeom prst="ellipse">
-            <a:avLst/>
-          </a:prstGeom>
-          <a:solidFill>
-            <a:schemeClr val="accent1">
-              <a:lumMod val="40000"/>
-              <a:lumOff val="60000"/>
-            </a:schemeClr>
-          </a:solidFill>
-          <a:ln>
-            <a:solidFill>
-              <a:schemeClr val="accent1">
-                <a:lumMod val="60000"/>
-                <a:lumOff val="40000"/>
-              </a:schemeClr>
-            </a:solidFill>
-          </a:ln>
-        </p:spPr>
-        <p:style>
-          <a:lnRef idx="2">
-            <a:schemeClr val="accent1">
-              <a:shade val="50000"/>
-            </a:schemeClr>
-          </a:lnRef>
-          <a:fillRef idx="1">
-            <a:schemeClr val="accent1"/>
-          </a:fillRef>
-          <a:effectRef idx="0">
-            <a:schemeClr val="accent1"/>
-          </a:effectRef>
-          <a:fontRef idx="minor">
-            <a:schemeClr val="lt1"/>
-          </a:fontRef>
-        </p:style>
-        <p:txBody>
-          <a:bodyPr lIns="68573" tIns="34286" rIns="68573" bIns="34286" rtlCol="0" anchor="ctr"/>
-          <a:lstStyle/>
-          <a:p>
-            <a:pPr algn="ctr"/>
-            <a:r>
-              <a:rPr lang="en-AU" sz="900" dirty="0"/>
-              <a:t>gene 1 </a:t>
-            </a:r>
-          </a:p>
-        </p:txBody>
-      </p:sp>
-      <p:sp>
-        <p:nvSpPr>
-          <p:cNvPr id="21" name="Oval 20"/>
-          <p:cNvSpPr/>
-          <p:nvPr/>
-        </p:nvSpPr>
-        <p:spPr>
-          <a:xfrm>
-            <a:off x="5486400" y="4057650"/>
-            <a:ext cx="762000" cy="400050"/>
-          </a:xfrm>
-          <a:prstGeom prst="ellipse">
-            <a:avLst/>
-          </a:prstGeom>
-          <a:ln/>
-        </p:spPr>
-        <p:style>
-          <a:lnRef idx="2">
-            <a:schemeClr val="accent1">
-              <a:shade val="50000"/>
-            </a:schemeClr>
-          </a:lnRef>
-          <a:fillRef idx="1">
-            <a:schemeClr val="accent1"/>
-          </a:fillRef>
-          <a:effectRef idx="0">
-            <a:schemeClr val="accent1"/>
-          </a:effectRef>
-          <a:fontRef idx="minor">
-            <a:schemeClr val="lt1"/>
-          </a:fontRef>
-        </p:style>
-        <p:txBody>
-          <a:bodyPr lIns="68573" tIns="34286" rIns="68573" bIns="34286" rtlCol="0" anchor="ctr"/>
-          <a:lstStyle/>
-          <a:p>
-            <a:pPr algn="ctr"/>
-            <a:r>
-              <a:rPr lang="en-AU" sz="900" dirty="0"/>
-              <a:t>gene 3 </a:t>
-            </a:r>
-          </a:p>
-        </p:txBody>
-      </p:sp>
-      <p:sp>
-        <p:nvSpPr>
-          <p:cNvPr id="22" name="Oval 21"/>
-          <p:cNvSpPr/>
-          <p:nvPr/>
-        </p:nvSpPr>
-        <p:spPr>
-          <a:xfrm>
-            <a:off x="7239000" y="2857500"/>
-            <a:ext cx="762000" cy="400050"/>
-          </a:xfrm>
-          <a:prstGeom prst="ellipse">
-            <a:avLst/>
-          </a:prstGeom>
-          <a:solidFill>
-            <a:schemeClr val="accent1">
-              <a:lumMod val="40000"/>
-              <a:lumOff val="60000"/>
-            </a:schemeClr>
-          </a:solidFill>
-          <a:ln>
-            <a:solidFill>
-              <a:schemeClr val="accent1">
-                <a:lumMod val="60000"/>
-                <a:lumOff val="40000"/>
-              </a:schemeClr>
-            </a:solidFill>
-          </a:ln>
-        </p:spPr>
-        <p:style>
-          <a:lnRef idx="2">
-            <a:schemeClr val="accent1">
-              <a:shade val="50000"/>
-            </a:schemeClr>
-          </a:lnRef>
-          <a:fillRef idx="1">
-            <a:schemeClr val="accent1"/>
-          </a:fillRef>
-          <a:effectRef idx="0">
-            <a:schemeClr val="accent1"/>
-          </a:effectRef>
-          <a:fontRef idx="minor">
-            <a:schemeClr val="lt1"/>
-          </a:fontRef>
-        </p:style>
-        <p:txBody>
-          <a:bodyPr lIns="68573" tIns="34286" rIns="68573" bIns="34286" rtlCol="0" anchor="ctr"/>
-          <a:lstStyle/>
-          <a:p>
-            <a:pPr algn="ctr"/>
-            <a:r>
-              <a:rPr lang="en-AU" sz="900" dirty="0"/>
-              <a:t>gene 7 </a:t>
-            </a:r>
-          </a:p>
-        </p:txBody>
-      </p:sp>
-      <p:sp>
-        <p:nvSpPr>
-          <p:cNvPr id="23" name="Oval 22"/>
-          <p:cNvSpPr/>
-          <p:nvPr/>
-        </p:nvSpPr>
-        <p:spPr>
-          <a:xfrm>
-            <a:off x="7239000" y="3486150"/>
-            <a:ext cx="762000" cy="400050"/>
-          </a:xfrm>
-          <a:prstGeom prst="ellipse">
-            <a:avLst/>
-          </a:prstGeom>
-          <a:ln/>
-        </p:spPr>
-        <p:style>
-          <a:lnRef idx="2">
-            <a:schemeClr val="accent1">
-              <a:shade val="50000"/>
-            </a:schemeClr>
-          </a:lnRef>
-          <a:fillRef idx="1">
-            <a:schemeClr val="accent1"/>
-          </a:fillRef>
-          <a:effectRef idx="0">
-            <a:schemeClr val="accent1"/>
-          </a:effectRef>
-          <a:fontRef idx="minor">
-            <a:schemeClr val="lt1"/>
-          </a:fontRef>
-        </p:style>
-        <p:txBody>
-          <a:bodyPr lIns="68573" tIns="34286" rIns="68573" bIns="34286" rtlCol="0" anchor="ctr"/>
-          <a:lstStyle/>
-          <a:p>
-            <a:pPr algn="ctr"/>
-            <a:r>
-              <a:rPr lang="en-AU" sz="900" dirty="0"/>
-              <a:t>gene 6 </a:t>
-            </a:r>
-          </a:p>
-        </p:txBody>
-      </p:sp>
-      <p:sp>
-        <p:nvSpPr>
-          <p:cNvPr id="24" name="Oval 23"/>
-          <p:cNvSpPr/>
-          <p:nvPr/>
-        </p:nvSpPr>
-        <p:spPr>
-          <a:xfrm>
-            <a:off x="7239000" y="4057650"/>
-            <a:ext cx="762000" cy="400050"/>
-          </a:xfrm>
-          <a:prstGeom prst="ellipse">
-            <a:avLst/>
-          </a:prstGeom>
-          <a:solidFill>
-            <a:schemeClr val="accent1">
-              <a:lumMod val="40000"/>
-              <a:lumOff val="60000"/>
-            </a:schemeClr>
-          </a:solidFill>
-          <a:ln>
-            <a:solidFill>
-              <a:schemeClr val="accent1">
-                <a:lumMod val="60000"/>
-                <a:lumOff val="40000"/>
-              </a:schemeClr>
-            </a:solidFill>
-          </a:ln>
-        </p:spPr>
-        <p:style>
-          <a:lnRef idx="2">
-            <a:schemeClr val="accent1">
-              <a:shade val="50000"/>
-            </a:schemeClr>
-          </a:lnRef>
-          <a:fillRef idx="1">
-            <a:schemeClr val="accent1"/>
-          </a:fillRef>
-          <a:effectRef idx="0">
-            <a:schemeClr val="accent1"/>
-          </a:effectRef>
-          <a:fontRef idx="minor">
-            <a:schemeClr val="lt1"/>
-          </a:fontRef>
-        </p:style>
-        <p:txBody>
-          <a:bodyPr lIns="68573" tIns="34286" rIns="68573" bIns="34286" rtlCol="0" anchor="ctr"/>
-          <a:lstStyle/>
-          <a:p>
-            <a:pPr algn="ctr"/>
-            <a:r>
-              <a:rPr lang="en-AU" sz="900" dirty="0"/>
-              <a:t>gene 5 </a:t>
-            </a:r>
-          </a:p>
-        </p:txBody>
-      </p:sp>
-      <p:sp>
-        <p:nvSpPr>
-          <p:cNvPr id="25" name="Oval 24"/>
-          <p:cNvSpPr/>
-          <p:nvPr/>
-        </p:nvSpPr>
-        <p:spPr>
-          <a:xfrm>
-            <a:off x="6477000" y="4629150"/>
-            <a:ext cx="762000" cy="400050"/>
-          </a:xfrm>
-          <a:prstGeom prst="ellipse">
-            <a:avLst/>
-          </a:prstGeom>
-          <a:solidFill>
-            <a:schemeClr val="accent1">
-              <a:lumMod val="40000"/>
-              <a:lumOff val="60000"/>
-            </a:schemeClr>
-          </a:solidFill>
-          <a:ln>
-            <a:solidFill>
-              <a:schemeClr val="accent1">
-                <a:lumMod val="60000"/>
-                <a:lumOff val="40000"/>
-              </a:schemeClr>
-            </a:solidFill>
-          </a:ln>
-        </p:spPr>
-        <p:style>
-          <a:lnRef idx="2">
-            <a:schemeClr val="accent1">
-              <a:shade val="50000"/>
-            </a:schemeClr>
-          </a:lnRef>
-          <a:fillRef idx="1">
-            <a:schemeClr val="accent1"/>
-          </a:fillRef>
-          <a:effectRef idx="0">
-            <a:schemeClr val="accent1"/>
-          </a:effectRef>
-          <a:fontRef idx="minor">
-            <a:schemeClr val="lt1"/>
-          </a:fontRef>
-        </p:style>
-        <p:txBody>
-          <a:bodyPr lIns="68573" tIns="34286" rIns="68573" bIns="34286" rtlCol="0" anchor="ctr"/>
-          <a:lstStyle/>
-          <a:p>
-            <a:pPr algn="ctr"/>
-            <a:r>
-              <a:rPr lang="en-AU" sz="900" dirty="0"/>
-              <a:t>gene 4 </a:t>
-            </a:r>
-          </a:p>
-        </p:txBody>
-      </p:sp>
-      <p:cxnSp>
-        <p:nvCxnSpPr>
-          <p:cNvPr id="27" name="Straight Arrow Connector 26"/>
-          <p:cNvCxnSpPr>
-            <a:stCxn id="20" idx="4"/>
-          </p:cNvCxnSpPr>
-          <p:nvPr/>
-        </p:nvCxnSpPr>
-        <p:spPr>
-          <a:xfrm>
-            <a:off x="5410200" y="3886200"/>
-            <a:ext cx="228600" cy="171450"/>
-          </a:xfrm>
-          <a:prstGeom prst="straightConnector1">
-            <a:avLst/>
-          </a:prstGeom>
-          <a:ln>
-            <a:tailEnd type="arrow"/>
-          </a:ln>
-        </p:spPr>
-        <p:style>
-          <a:lnRef idx="1">
-            <a:schemeClr val="accent6"/>
-          </a:lnRef>
-          <a:fillRef idx="0">
-            <a:schemeClr val="accent6"/>
-          </a:fillRef>
-          <a:effectRef idx="0">
-            <a:schemeClr val="accent6"/>
-          </a:effectRef>
-          <a:fontRef idx="minor">
-            <a:schemeClr val="tx1"/>
-          </a:fontRef>
-        </p:style>
-      </p:cxnSp>
-      <p:cxnSp>
-        <p:nvCxnSpPr>
-          <p:cNvPr id="31" name="Straight Arrow Connector 30"/>
-          <p:cNvCxnSpPr>
-            <a:stCxn id="18" idx="4"/>
-          </p:cNvCxnSpPr>
-          <p:nvPr/>
-        </p:nvCxnSpPr>
-        <p:spPr>
-          <a:xfrm flipH="1">
-            <a:off x="6096000" y="3886200"/>
-            <a:ext cx="152400" cy="171450"/>
-          </a:xfrm>
-          <a:prstGeom prst="straightConnector1">
-            <a:avLst/>
-          </a:prstGeom>
-          <a:ln>
-            <a:tailEnd type="arrow"/>
-          </a:ln>
-        </p:spPr>
-        <p:style>
-          <a:lnRef idx="1">
-            <a:schemeClr val="accent6"/>
-          </a:lnRef>
-          <a:fillRef idx="0">
-            <a:schemeClr val="accent6"/>
-          </a:fillRef>
-          <a:effectRef idx="0">
-            <a:schemeClr val="accent6"/>
-          </a:effectRef>
-          <a:fontRef idx="minor">
-            <a:schemeClr val="tx1"/>
-          </a:fontRef>
-        </p:style>
-      </p:cxnSp>
-      <p:cxnSp>
-        <p:nvCxnSpPr>
-          <p:cNvPr id="33" name="Straight Arrow Connector 32"/>
-          <p:cNvCxnSpPr>
-            <a:stCxn id="22" idx="4"/>
-          </p:cNvCxnSpPr>
-          <p:nvPr/>
-        </p:nvCxnSpPr>
-        <p:spPr>
-          <a:xfrm>
-            <a:off x="7620000" y="3257550"/>
-            <a:ext cx="0" cy="171450"/>
-          </a:xfrm>
-          <a:prstGeom prst="straightConnector1">
-            <a:avLst/>
-          </a:prstGeom>
-          <a:ln>
-            <a:tailEnd type="arrow"/>
-          </a:ln>
-        </p:spPr>
-        <p:style>
-          <a:lnRef idx="1">
-            <a:schemeClr val="accent6"/>
-          </a:lnRef>
-          <a:fillRef idx="0">
-            <a:schemeClr val="accent6"/>
-          </a:fillRef>
-          <a:effectRef idx="0">
-            <a:schemeClr val="accent6"/>
-          </a:effectRef>
-          <a:fontRef idx="minor">
-            <a:schemeClr val="tx1"/>
-          </a:fontRef>
-        </p:style>
-      </p:cxnSp>
-      <p:cxnSp>
-        <p:nvCxnSpPr>
-          <p:cNvPr id="35" name="Straight Arrow Connector 34"/>
-          <p:cNvCxnSpPr>
-            <a:stCxn id="23" idx="4"/>
-          </p:cNvCxnSpPr>
-          <p:nvPr/>
-        </p:nvCxnSpPr>
-        <p:spPr>
-          <a:xfrm>
-            <a:off x="7620000" y="3886200"/>
-            <a:ext cx="0" cy="114300"/>
-          </a:xfrm>
-          <a:prstGeom prst="straightConnector1">
-            <a:avLst/>
-          </a:prstGeom>
-          <a:ln>
-            <a:tailEnd type="arrow"/>
-          </a:ln>
-        </p:spPr>
-        <p:style>
-          <a:lnRef idx="1">
-            <a:schemeClr val="accent6"/>
-          </a:lnRef>
-          <a:fillRef idx="0">
-            <a:schemeClr val="accent6"/>
-          </a:fillRef>
-          <a:effectRef idx="0">
-            <a:schemeClr val="accent6"/>
-          </a:effectRef>
-          <a:fontRef idx="minor">
-            <a:schemeClr val="tx1"/>
-          </a:fontRef>
-        </p:style>
-      </p:cxnSp>
-      <p:cxnSp>
-        <p:nvCxnSpPr>
-          <p:cNvPr id="37" name="Straight Arrow Connector 36"/>
-          <p:cNvCxnSpPr>
-            <a:stCxn id="24" idx="4"/>
-          </p:cNvCxnSpPr>
-          <p:nvPr/>
-        </p:nvCxnSpPr>
-        <p:spPr>
-          <a:xfrm flipH="1">
-            <a:off x="7162801" y="4457700"/>
-            <a:ext cx="457200" cy="171450"/>
-          </a:xfrm>
-          <a:prstGeom prst="straightConnector1">
-            <a:avLst/>
-          </a:prstGeom>
-          <a:ln>
-            <a:tailEnd type="arrow"/>
-          </a:ln>
-        </p:spPr>
-        <p:style>
-          <a:lnRef idx="1">
-            <a:schemeClr val="accent6"/>
-          </a:lnRef>
-          <a:fillRef idx="0">
-            <a:schemeClr val="accent6"/>
-          </a:fillRef>
-          <a:effectRef idx="0">
-            <a:schemeClr val="accent6"/>
-          </a:effectRef>
-          <a:fontRef idx="minor">
-            <a:schemeClr val="tx1"/>
-          </a:fontRef>
-        </p:style>
-      </p:cxnSp>
-      <p:cxnSp>
-        <p:nvCxnSpPr>
-          <p:cNvPr id="39" name="Straight Arrow Connector 38"/>
-          <p:cNvCxnSpPr>
-            <a:stCxn id="21" idx="4"/>
-          </p:cNvCxnSpPr>
-          <p:nvPr/>
-        </p:nvCxnSpPr>
-        <p:spPr>
-          <a:xfrm>
-            <a:off x="5867400" y="4457700"/>
-            <a:ext cx="609600" cy="228600"/>
-          </a:xfrm>
-          <a:prstGeom prst="straightConnector1">
-            <a:avLst/>
-          </a:prstGeom>
-          <a:ln>
-            <a:tailEnd type="arrow"/>
-          </a:ln>
-        </p:spPr>
-        <p:style>
-          <a:lnRef idx="1">
-            <a:schemeClr val="accent6"/>
-          </a:lnRef>
-          <a:fillRef idx="0">
-            <a:schemeClr val="accent6"/>
-          </a:fillRef>
-          <a:effectRef idx="0">
-            <a:schemeClr val="accent6"/>
-          </a:effectRef>
-          <a:fontRef idx="minor">
-            <a:schemeClr val="tx1"/>
-          </a:fontRef>
-        </p:style>
-      </p:cxnSp>
-    </p:spTree>
-    <p:extLst>
-      <p:ext uri="{BB962C8B-B14F-4D97-AF65-F5344CB8AC3E}">
-        <p14:creationId xmlns:p14="http://schemas.microsoft.com/office/powerpoint/2010/main" val="2959701513"/>
-      </p:ext>
-    </p:extLst>
-  </p:cSld>
-  <p:clrMapOvr>
-    <a:masterClrMapping/>
-  </p:clrMapOvr>
-  <p:timing>
-    <p:tnLst>
-      <p:par>
-        <p:cTn id="1" dur="indefinite" restart="never" nodeType="tmRoot">
-          <p:childTnLst>
-            <p:seq concurrent="1" nextAc="seek">
-              <p:cTn id="2" dur="indefinite" nodeType="mainSeq">
-                <p:childTnLst>
-                  <p:par>
-                    <p:cTn id="3" fill="hold">
-                      <p:stCondLst>
-                        <p:cond delay="indefinite"/>
-                        <p:cond evt="onBegin" delay="0">
-                          <p:tn val="2"/>
-                        </p:cond>
-                      </p:stCondLst>
-                      <p:childTnLst>
-                        <p:par>
-                          <p:cTn id="4" fill="hold">
-                            <p:stCondLst>
-                              <p:cond delay="0"/>
-                            </p:stCondLst>
-                            <p:childTnLst>
-                              <p:par>
-                                <p:cTn id="5" presetID="1" presetClass="entr" presetSubtype="0" fill="hold" grpId="0" nodeType="withEffect">
-                                  <p:stCondLst>
-                                    <p:cond delay="0"/>
-                                  </p:stCondLst>
-                                  <p:childTnLst>
-                                    <p:set>
-                                      <p:cBhvr>
-                                        <p:cTn id="6" dur="1" fill="hold">
-                                          <p:stCondLst>
-                                            <p:cond delay="0"/>
-                                          </p:stCondLst>
-                                        </p:cTn>
-                                        <p:tgtEl>
-                                          <p:spTgt spid="3">
-                                            <p:txEl>
-                                              <p:pRg st="0" end="0"/>
-                                            </p:txEl>
-                                          </p:spTgt>
-                                        </p:tgtEl>
-                                        <p:attrNameLst>
-                                          <p:attrName>style.visibility</p:attrName>
-                                        </p:attrNameLst>
-                                      </p:cBhvr>
-                                      <p:to>
-                                        <p:strVal val="visible"/>
-                                      </p:to>
-                                    </p:set>
-                                  </p:childTnLst>
-                                </p:cTn>
-                              </p:par>
-                              <p:par>
-                                <p:cTn id="7" presetID="1" presetClass="entr" presetSubtype="0" fill="hold" grpId="0" nodeType="withEffect">
-                                  <p:stCondLst>
-                                    <p:cond delay="0"/>
-                                  </p:stCondLst>
-                                  <p:childTnLst>
-                                    <p:set>
-                                      <p:cBhvr>
-                                        <p:cTn id="8" dur="1" fill="hold">
-                                          <p:stCondLst>
-                                            <p:cond delay="0"/>
-                                          </p:stCondLst>
-                                        </p:cTn>
-                                        <p:tgtEl>
-                                          <p:spTgt spid="3">
-                                            <p:txEl>
-                                              <p:pRg st="1" end="1"/>
-                                            </p:txEl>
-                                          </p:spTgt>
-                                        </p:tgtEl>
-                                        <p:attrNameLst>
-                                          <p:attrName>style.visibility</p:attrName>
-                                        </p:attrNameLst>
-                                      </p:cBhvr>
-                                      <p:to>
-                                        <p:strVal val="visible"/>
-                                      </p:to>
-                                    </p:set>
-                                  </p:childTnLst>
-                                </p:cTn>
-                              </p:par>
-                              <p:par>
-                                <p:cTn id="9" presetID="1" presetClass="entr" presetSubtype="0" fill="hold" grpId="0" nodeType="withEffect">
-                                  <p:stCondLst>
-                                    <p:cond delay="0"/>
-                                  </p:stCondLst>
-                                  <p:childTnLst>
-                                    <p:set>
-                                      <p:cBhvr>
-                                        <p:cTn id="10" dur="1" fill="hold">
-                                          <p:stCondLst>
-                                            <p:cond delay="0"/>
-                                          </p:stCondLst>
-                                        </p:cTn>
-                                        <p:tgtEl>
-                                          <p:spTgt spid="3">
-                                            <p:txEl>
-                                              <p:pRg st="2" end="2"/>
-                                            </p:txEl>
-                                          </p:spTgt>
-                                        </p:tgtEl>
-                                        <p:attrNameLst>
-                                          <p:attrName>style.visibility</p:attrName>
-                                        </p:attrNameLst>
-                                      </p:cBhvr>
-                                      <p:to>
-                                        <p:strVal val="visible"/>
-                                      </p:to>
-                                    </p:set>
-                                  </p:childTnLst>
-                                </p:cTn>
-                              </p:par>
-                              <p:par>
-                                <p:cTn id="11" presetID="1" presetClass="entr" presetSubtype="0" fill="hold" grpId="0" nodeType="withEffect">
-                                  <p:stCondLst>
-                                    <p:cond delay="0"/>
-                                  </p:stCondLst>
-                                  <p:childTnLst>
-                                    <p:set>
-                                      <p:cBhvr>
-                                        <p:cTn id="12" dur="1" fill="hold">
-                                          <p:stCondLst>
-                                            <p:cond delay="0"/>
-                                          </p:stCondLst>
-                                        </p:cTn>
-                                        <p:tgtEl>
-                                          <p:spTgt spid="3">
-                                            <p:txEl>
-                                              <p:pRg st="3" end="3"/>
-                                            </p:txEl>
-                                          </p:spTgt>
-                                        </p:tgtEl>
-                                        <p:attrNameLst>
-                                          <p:attrName>style.visibility</p:attrName>
-                                        </p:attrNameLst>
-                                      </p:cBhvr>
-                                      <p:to>
-                                        <p:strVal val="visible"/>
-                                      </p:to>
-                                    </p:set>
-                                  </p:childTnLst>
-                                </p:cTn>
-                              </p:par>
-                              <p:par>
-                                <p:cTn id="13" presetID="1" presetClass="entr" presetSubtype="0" fill="hold" grpId="0" nodeType="withEffect">
-                                  <p:stCondLst>
-                                    <p:cond delay="0"/>
-                                  </p:stCondLst>
-                                  <p:childTnLst>
-                                    <p:set>
-                                      <p:cBhvr>
-                                        <p:cTn id="14" dur="1" fill="hold">
-                                          <p:stCondLst>
-                                            <p:cond delay="0"/>
-                                          </p:stCondLst>
-                                        </p:cTn>
-                                        <p:tgtEl>
-                                          <p:spTgt spid="3">
-                                            <p:txEl>
-                                              <p:pRg st="4" end="4"/>
-                                            </p:txEl>
-                                          </p:spTgt>
-                                        </p:tgtEl>
-                                        <p:attrNameLst>
-                                          <p:attrName>style.visibility</p:attrName>
-                                        </p:attrNameLst>
-                                      </p:cBhvr>
-                                      <p:to>
-                                        <p:strVal val="visible"/>
-                                      </p:to>
-                                    </p:set>
-                                  </p:childTnLst>
-                                </p:cTn>
-                              </p:par>
-                              <p:par>
-                                <p:cTn id="15" presetID="1" presetClass="entr" presetSubtype="0" fill="hold" grpId="0" nodeType="withEffect">
-                                  <p:stCondLst>
-                                    <p:cond delay="0"/>
-                                  </p:stCondLst>
-                                  <p:childTnLst>
-                                    <p:set>
-                                      <p:cBhvr>
-                                        <p:cTn id="16" dur="1" fill="hold">
-                                          <p:stCondLst>
-                                            <p:cond delay="0"/>
-                                          </p:stCondLst>
-                                        </p:cTn>
-                                        <p:tgtEl>
-                                          <p:spTgt spid="3">
-                                            <p:txEl>
-                                              <p:pRg st="5" end="5"/>
-                                            </p:txEl>
-                                          </p:spTgt>
-                                        </p:tgtEl>
-                                        <p:attrNameLst>
-                                          <p:attrName>style.visibility</p:attrName>
-                                        </p:attrNameLst>
-                                      </p:cBhvr>
-                                      <p:to>
-                                        <p:strVal val="visible"/>
-                                      </p:to>
-                                    </p:set>
-                                  </p:childTnLst>
-                                </p:cTn>
-                              </p:par>
-                              <p:par>
-                                <p:cTn id="17" presetID="1" presetClass="entr" presetSubtype="0" fill="hold" grpId="0" nodeType="withEffect">
-                                  <p:stCondLst>
-                                    <p:cond delay="0"/>
-                                  </p:stCondLst>
-                                  <p:childTnLst>
-                                    <p:set>
-                                      <p:cBhvr>
-                                        <p:cTn id="18" dur="1" fill="hold">
-                                          <p:stCondLst>
-                                            <p:cond delay="0"/>
-                                          </p:stCondLst>
-                                        </p:cTn>
-                                        <p:tgtEl>
-                                          <p:spTgt spid="3">
-                                            <p:txEl>
-                                              <p:pRg st="6" end="6"/>
-                                            </p:txEl>
-                                          </p:spTgt>
-                                        </p:tgtEl>
-                                        <p:attrNameLst>
-                                          <p:attrName>style.visibility</p:attrName>
-                                        </p:attrNameLst>
-                                      </p:cBhvr>
-                                      <p:to>
-                                        <p:strVal val="visible"/>
-                                      </p:to>
-                                    </p:set>
-                                  </p:childTnLst>
-                                </p:cTn>
-                              </p:par>
-                            </p:childTnLst>
-                          </p:cTn>
-                        </p:par>
-                      </p:childTnLst>
-                    </p:cTn>
-                  </p:par>
-                </p:childTnLst>
-              </p:cTn>
-              <p:prevCondLst>
-                <p:cond evt="onPrev" delay="0">
-                  <p:tgtEl>
-                    <p:sldTgt/>
-                  </p:tgtEl>
-                </p:cond>
-              </p:prevCondLst>
-              <p:nextCondLst>
-                <p:cond evt="onNext" delay="0">
-                  <p:tgtEl>
-                    <p:sldTgt/>
-                  </p:tgtEl>
-                </p:cond>
-              </p:nextCondLst>
-            </p:seq>
-          </p:childTnLst>
-        </p:cTn>
-      </p:par>
-    </p:tnLst>
-    <p:bldLst>
-      <p:bldP spid="3" grpId="0" build="p"/>
-    </p:bldLst>
-  </p:timing>
-</p:sld>
-</file>
-
-<file path=ppt/slides/slide11.xml><?xml version="1.0" encoding="utf-8"?>
-<p:sld xmlns:a="http://schemas.openxmlformats.org/drawingml/2006/main" xmlns:r="http://schemas.openxmlformats.org/officeDocument/2006/relationships" xmlns:p="http://schemas.openxmlformats.org/presentationml/2006/main">
-  <p:cSld>
-    <p:spTree>
-      <p:nvGrpSpPr>
-        <p:cNvPr id="1" name=""/>
-        <p:cNvGrpSpPr/>
-        <p:nvPr/>
-      </p:nvGrpSpPr>
-      <p:grpSpPr>
-        <a:xfrm>
-          <a:off x="0" y="0"/>
-          <a:ext cx="0" cy="0"/>
-          <a:chOff x="0" y="0"/>
-          <a:chExt cx="0" cy="0"/>
-        </a:xfrm>
-      </p:grpSpPr>
-      <p:sp>
-        <p:nvSpPr>
-          <p:cNvPr id="33" name="Title 1"/>
-          <p:cNvSpPr txBox="1">
-            <a:spLocks/>
-          </p:cNvSpPr>
-          <p:nvPr/>
-        </p:nvSpPr>
-        <p:spPr>
-          <a:xfrm>
-            <a:off x="1484904" y="202646"/>
-            <a:ext cx="6173004" cy="857250"/>
-          </a:xfrm>
-          <a:prstGeom prst="rect">
-            <a:avLst/>
-          </a:prstGeom>
-        </p:spPr>
-        <p:txBody>
-          <a:bodyPr vert="horz" lIns="68573" tIns="34286" rIns="68573" bIns="34286" rtlCol="0" anchor="ctr">
-            <a:normAutofit/>
-          </a:bodyPr>
-          <a:lstStyle>
-            <a:lvl1pPr algn="ctr" defTabSz="914400" rtl="0" eaLnBrk="1" latinLnBrk="0" hangingPunct="1">
-              <a:spcBef>
-                <a:spcPct val="0"/>
-              </a:spcBef>
-              <a:buNone/>
-              <a:defRPr sz="4400" kern="1200">
-                <a:solidFill>
-                  <a:schemeClr val="tx1"/>
-                </a:solidFill>
-                <a:latin typeface="+mj-lt"/>
-                <a:ea typeface="+mj-ea"/>
-                <a:cs typeface="+mj-cs"/>
-              </a:defRPr>
-            </a:lvl1pPr>
-          </a:lstStyle>
-          <a:p>
-            <a:r>
-              <a:rPr lang="en-AU" sz="3600" dirty="0" smtClean="0"/>
-              <a:t>Mir-pathways</a:t>
-            </a:r>
-            <a:endParaRPr lang="en-AU" sz="3600" dirty="0"/>
-          </a:p>
-        </p:txBody>
-      </p:sp>
-      <p:grpSp>
-        <p:nvGrpSpPr>
-          <p:cNvPr id="37" name="Group 36"/>
-          <p:cNvGrpSpPr/>
-          <p:nvPr/>
-        </p:nvGrpSpPr>
-        <p:grpSpPr>
-          <a:xfrm>
-            <a:off x="1412596" y="1995812"/>
-            <a:ext cx="1765454" cy="2228850"/>
-            <a:chOff x="4178902" y="838200"/>
-            <a:chExt cx="2907698" cy="3733800"/>
-          </a:xfrm>
-        </p:grpSpPr>
-        <p:sp>
-          <p:nvSpPr>
-            <p:cNvPr id="39" name="Rectangle 38"/>
-            <p:cNvSpPr/>
-            <p:nvPr/>
-          </p:nvSpPr>
-          <p:spPr>
-            <a:xfrm>
-              <a:off x="4800600" y="1524000"/>
-              <a:ext cx="1371600" cy="3048000"/>
-            </a:xfrm>
-            <a:prstGeom prst="rect">
-              <a:avLst/>
-            </a:prstGeom>
-            <a:solidFill>
-              <a:schemeClr val="accent3"/>
-            </a:solidFill>
-          </p:spPr>
-          <p:style>
-            <a:lnRef idx="2">
-              <a:schemeClr val="accent1">
-                <a:shade val="50000"/>
-              </a:schemeClr>
-            </a:lnRef>
-            <a:fillRef idx="1">
-              <a:schemeClr val="accent1"/>
-            </a:fillRef>
-            <a:effectRef idx="0">
-              <a:schemeClr val="accent1"/>
-            </a:effectRef>
-            <a:fontRef idx="minor">
-              <a:schemeClr val="lt1"/>
-            </a:fontRef>
-          </p:style>
-          <p:txBody>
-            <a:bodyPr rtlCol="0" anchor="ctr"/>
-            <a:lstStyle/>
-            <a:p>
-              <a:pPr algn="ctr"/>
-              <a:endParaRPr lang="en-AU" sz="1600"/>
-            </a:p>
-          </p:txBody>
-        </p:sp>
-        <p:sp>
-          <p:nvSpPr>
-            <p:cNvPr id="40" name="TextBox 39"/>
-            <p:cNvSpPr txBox="1"/>
-            <p:nvPr/>
-          </p:nvSpPr>
-          <p:spPr>
-            <a:xfrm rot="16200000">
-              <a:off x="3200401" y="2121501"/>
-              <a:ext cx="2514600" cy="557597"/>
-            </a:xfrm>
-            <a:prstGeom prst="rect">
-              <a:avLst/>
-            </a:prstGeom>
-            <a:noFill/>
-          </p:spPr>
-          <p:txBody>
-            <a:bodyPr wrap="square" rtlCol="0">
-              <a:spAutoFit/>
-            </a:bodyPr>
-            <a:lstStyle/>
-            <a:p>
-              <a:r>
-                <a:rPr lang="en-AU" sz="1600" dirty="0"/>
-                <a:t>#  genes</a:t>
-              </a:r>
-            </a:p>
-          </p:txBody>
-        </p:sp>
-        <p:sp>
-          <p:nvSpPr>
-            <p:cNvPr id="41" name="TextBox 40"/>
-            <p:cNvSpPr txBox="1"/>
-            <p:nvPr/>
-          </p:nvSpPr>
-          <p:spPr>
-            <a:xfrm>
-              <a:off x="4571999" y="838200"/>
-              <a:ext cx="2514601" cy="567150"/>
-            </a:xfrm>
-            <a:prstGeom prst="rect">
-              <a:avLst/>
-            </a:prstGeom>
-            <a:noFill/>
-          </p:spPr>
-          <p:txBody>
-            <a:bodyPr wrap="square" rtlCol="0">
-              <a:spAutoFit/>
-            </a:bodyPr>
-            <a:lstStyle/>
-            <a:p>
-              <a:r>
-                <a:rPr lang="en-AU" sz="1600" dirty="0"/>
-                <a:t># </a:t>
-              </a:r>
-              <a:r>
-                <a:rPr lang="en-AU" sz="1600" dirty="0" err="1"/>
-                <a:t>microRNA</a:t>
-              </a:r>
-              <a:endParaRPr lang="en-AU" sz="1600" dirty="0"/>
-            </a:p>
-          </p:txBody>
-        </p:sp>
-        <p:sp>
-          <p:nvSpPr>
-            <p:cNvPr id="43" name="TextBox 42"/>
-            <p:cNvSpPr txBox="1"/>
-            <p:nvPr/>
-          </p:nvSpPr>
-          <p:spPr>
-            <a:xfrm>
-              <a:off x="4210547" y="2195044"/>
-              <a:ext cx="2514599" cy="1185860"/>
-            </a:xfrm>
-            <a:prstGeom prst="rect">
-              <a:avLst/>
-            </a:prstGeom>
-            <a:noFill/>
-          </p:spPr>
-          <p:txBody>
-            <a:bodyPr wrap="square" rtlCol="0">
-              <a:spAutoFit/>
-            </a:bodyPr>
-            <a:lstStyle/>
-            <a:p>
-              <a:pPr algn="ctr"/>
-              <a:r>
-                <a:rPr lang="en-AU" sz="2000" dirty="0">
-                  <a:solidFill>
-                    <a:schemeClr val="bg1"/>
-                  </a:solidFill>
-                </a:rPr>
-                <a:t>Target</a:t>
-              </a:r>
-              <a:br>
-                <a:rPr lang="en-AU" sz="2000" dirty="0">
-                  <a:solidFill>
-                    <a:schemeClr val="bg1"/>
-                  </a:solidFill>
-                </a:rPr>
-              </a:br>
-              <a:r>
-                <a:rPr lang="en-AU" sz="2000" dirty="0">
-                  <a:solidFill>
-                    <a:schemeClr val="bg1"/>
-                  </a:solidFill>
-                </a:rPr>
-                <a:t>Matrix</a:t>
-              </a:r>
-            </a:p>
-          </p:txBody>
-        </p:sp>
-      </p:grpSp>
-      <p:grpSp>
-        <p:nvGrpSpPr>
-          <p:cNvPr id="44" name="Group 43"/>
-          <p:cNvGrpSpPr/>
-          <p:nvPr/>
-        </p:nvGrpSpPr>
-        <p:grpSpPr>
-          <a:xfrm>
-            <a:off x="3070164" y="1995812"/>
-            <a:ext cx="1857991" cy="2228850"/>
-            <a:chOff x="6464900" y="838200"/>
-            <a:chExt cx="3060100" cy="3733800"/>
-          </a:xfrm>
-        </p:grpSpPr>
-        <p:sp>
-          <p:nvSpPr>
-            <p:cNvPr id="45" name="Rectangle 44"/>
-            <p:cNvSpPr/>
-            <p:nvPr/>
-          </p:nvSpPr>
-          <p:spPr>
-            <a:xfrm>
-              <a:off x="7086600" y="1524000"/>
-              <a:ext cx="1371600" cy="3048000"/>
-            </a:xfrm>
-            <a:prstGeom prst="rect">
-              <a:avLst/>
-            </a:prstGeom>
-            <a:solidFill>
-              <a:schemeClr val="accent4">
-                <a:lumMod val="60000"/>
-                <a:lumOff val="40000"/>
-              </a:schemeClr>
-            </a:solidFill>
-          </p:spPr>
-          <p:style>
-            <a:lnRef idx="2">
-              <a:schemeClr val="accent1">
-                <a:shade val="50000"/>
-              </a:schemeClr>
-            </a:lnRef>
-            <a:fillRef idx="1">
-              <a:schemeClr val="accent1"/>
-            </a:fillRef>
-            <a:effectRef idx="0">
-              <a:schemeClr val="accent1"/>
-            </a:effectRef>
-            <a:fontRef idx="minor">
-              <a:schemeClr val="lt1"/>
-            </a:fontRef>
-          </p:style>
-          <p:txBody>
-            <a:bodyPr rtlCol="0" anchor="ctr"/>
-            <a:lstStyle/>
-            <a:p>
-              <a:pPr algn="ctr"/>
-              <a:endParaRPr lang="en-AU" sz="1600"/>
-            </a:p>
-          </p:txBody>
-        </p:sp>
-        <p:sp>
-          <p:nvSpPr>
-            <p:cNvPr id="46" name="TextBox 45"/>
-            <p:cNvSpPr txBox="1"/>
-            <p:nvPr/>
-          </p:nvSpPr>
-          <p:spPr>
-            <a:xfrm rot="16200000">
-              <a:off x="5486399" y="2121507"/>
-              <a:ext cx="2514600" cy="557597"/>
-            </a:xfrm>
-            <a:prstGeom prst="rect">
-              <a:avLst/>
-            </a:prstGeom>
-            <a:noFill/>
-          </p:spPr>
-          <p:txBody>
-            <a:bodyPr wrap="square" rtlCol="0">
-              <a:spAutoFit/>
-            </a:bodyPr>
-            <a:lstStyle/>
-            <a:p>
-              <a:r>
-                <a:rPr lang="en-AU" sz="1600" dirty="0"/>
-                <a:t># genes</a:t>
-              </a:r>
-            </a:p>
-          </p:txBody>
-        </p:sp>
-        <p:sp>
-          <p:nvSpPr>
-            <p:cNvPr id="47" name="TextBox 46"/>
-            <p:cNvSpPr txBox="1"/>
-            <p:nvPr/>
-          </p:nvSpPr>
-          <p:spPr>
-            <a:xfrm>
-              <a:off x="7010403" y="838200"/>
-              <a:ext cx="2514597" cy="567150"/>
-            </a:xfrm>
-            <a:prstGeom prst="rect">
-              <a:avLst/>
-            </a:prstGeom>
-            <a:noFill/>
-          </p:spPr>
-          <p:txBody>
-            <a:bodyPr wrap="square" rtlCol="0">
-              <a:spAutoFit/>
-            </a:bodyPr>
-            <a:lstStyle/>
-            <a:p>
-              <a:r>
-                <a:rPr lang="en-AU" sz="1600" dirty="0"/>
-                <a:t># pathways</a:t>
-              </a:r>
-            </a:p>
-          </p:txBody>
-        </p:sp>
-        <p:sp>
-          <p:nvSpPr>
-            <p:cNvPr id="48" name="TextBox 47"/>
-            <p:cNvSpPr txBox="1"/>
-            <p:nvPr/>
-          </p:nvSpPr>
-          <p:spPr>
-            <a:xfrm>
-              <a:off x="6515100" y="2209800"/>
-              <a:ext cx="2514597" cy="1185860"/>
-            </a:xfrm>
-            <a:prstGeom prst="rect">
-              <a:avLst/>
-            </a:prstGeom>
-            <a:noFill/>
-          </p:spPr>
-          <p:txBody>
-            <a:bodyPr wrap="square" rtlCol="0">
-              <a:spAutoFit/>
-            </a:bodyPr>
-            <a:lstStyle/>
-            <a:p>
-              <a:pPr algn="ctr"/>
-              <a:r>
-                <a:rPr lang="en-AU" sz="2000" dirty="0" err="1">
-                  <a:solidFill>
-                    <a:schemeClr val="bg1"/>
-                  </a:solidFill>
-                </a:rPr>
-                <a:t>Kegg</a:t>
-              </a:r>
-              <a:r>
-                <a:rPr lang="en-AU" sz="2000" dirty="0">
-                  <a:solidFill>
-                    <a:schemeClr val="bg1"/>
-                  </a:solidFill>
-                </a:rPr>
-                <a:t/>
-              </a:r>
-              <a:br>
-                <a:rPr lang="en-AU" sz="2000" dirty="0">
-                  <a:solidFill>
-                    <a:schemeClr val="bg1"/>
-                  </a:solidFill>
-                </a:rPr>
-              </a:br>
-              <a:r>
-                <a:rPr lang="en-AU" sz="2000" dirty="0">
-                  <a:solidFill>
-                    <a:schemeClr val="bg1"/>
-                  </a:solidFill>
-                </a:rPr>
-                <a:t>Matrix</a:t>
-              </a:r>
-            </a:p>
-          </p:txBody>
-        </p:sp>
-      </p:grpSp>
-      <p:cxnSp>
-        <p:nvCxnSpPr>
-          <p:cNvPr id="50" name="Straight Arrow Connector 49"/>
-          <p:cNvCxnSpPr/>
-          <p:nvPr/>
-        </p:nvCxnSpPr>
-        <p:spPr>
-          <a:xfrm flipV="1">
-            <a:off x="4528048" y="3306853"/>
-            <a:ext cx="400102" cy="1"/>
-          </a:xfrm>
-          <a:prstGeom prst="straightConnector1">
-            <a:avLst/>
-          </a:prstGeom>
-          <a:ln w="38100">
-            <a:solidFill>
-              <a:schemeClr val="accent6">
-                <a:lumMod val="75000"/>
-              </a:schemeClr>
-            </a:solidFill>
-            <a:tailEnd type="arrow"/>
-          </a:ln>
-        </p:spPr>
-        <p:style>
-          <a:lnRef idx="1">
-            <a:schemeClr val="accent1"/>
-          </a:lnRef>
-          <a:fillRef idx="0">
-            <a:schemeClr val="accent1"/>
-          </a:fillRef>
-          <a:effectRef idx="0">
-            <a:schemeClr val="accent1"/>
-          </a:effectRef>
-          <a:fontRef idx="minor">
-            <a:schemeClr val="tx1"/>
-          </a:fontRef>
-        </p:style>
-      </p:cxnSp>
-      <p:grpSp>
-        <p:nvGrpSpPr>
-          <p:cNvPr id="51" name="Group 50"/>
-          <p:cNvGrpSpPr/>
-          <p:nvPr/>
-        </p:nvGrpSpPr>
-        <p:grpSpPr>
-          <a:xfrm>
-            <a:off x="5148422" y="2045082"/>
-            <a:ext cx="2509486" cy="2300863"/>
-            <a:chOff x="4889354" y="3474152"/>
-            <a:chExt cx="3070640" cy="2091929"/>
-          </a:xfrm>
-        </p:grpSpPr>
-        <p:grpSp>
-          <p:nvGrpSpPr>
-            <p:cNvPr id="52" name="Group 51"/>
-            <p:cNvGrpSpPr/>
-            <p:nvPr/>
-          </p:nvGrpSpPr>
-          <p:grpSpPr>
-            <a:xfrm>
-              <a:off x="4906583" y="3474152"/>
-              <a:ext cx="3053411" cy="2091929"/>
-              <a:chOff x="4917469" y="3491585"/>
-              <a:chExt cx="3053411" cy="2091929"/>
-            </a:xfrm>
-          </p:grpSpPr>
-          <p:sp>
-            <p:nvSpPr>
-              <p:cNvPr id="57" name="Cube 56"/>
-              <p:cNvSpPr/>
-              <p:nvPr/>
-            </p:nvSpPr>
-            <p:spPr>
-              <a:xfrm>
-                <a:off x="5885474" y="3612766"/>
-                <a:ext cx="1497897" cy="1355351"/>
-              </a:xfrm>
-              <a:prstGeom prst="cube">
-                <a:avLst/>
-              </a:prstGeom>
-              <a:solidFill>
-                <a:schemeClr val="accent6"/>
-              </a:solidFill>
-              <a:ln>
-                <a:noFill/>
-              </a:ln>
-            </p:spPr>
-            <p:style>
-              <a:lnRef idx="2">
-                <a:schemeClr val="accent1">
-                  <a:shade val="50000"/>
-                </a:schemeClr>
-              </a:lnRef>
-              <a:fillRef idx="1">
-                <a:schemeClr val="accent1"/>
-              </a:fillRef>
-              <a:effectRef idx="0">
-                <a:schemeClr val="accent1"/>
-              </a:effectRef>
-              <a:fontRef idx="minor">
-                <a:schemeClr val="lt1"/>
-              </a:fontRef>
-            </p:style>
-            <p:txBody>
-              <a:bodyPr rtlCol="0" anchor="ctr"/>
-              <a:lstStyle/>
-              <a:p>
-                <a:pPr algn="ctr"/>
-                <a:endParaRPr lang="en-AU" sz="1600"/>
-              </a:p>
-            </p:txBody>
-          </p:sp>
-          <p:grpSp>
-            <p:nvGrpSpPr>
-              <p:cNvPr id="58" name="Group 57"/>
-              <p:cNvGrpSpPr/>
-              <p:nvPr/>
-            </p:nvGrpSpPr>
-            <p:grpSpPr>
-              <a:xfrm>
-                <a:off x="4917469" y="3491585"/>
-                <a:ext cx="3053411" cy="2091929"/>
-                <a:chOff x="5230762" y="4007370"/>
-                <a:chExt cx="2729246" cy="2001416"/>
-              </a:xfrm>
-            </p:grpSpPr>
-            <p:cxnSp>
-              <p:nvCxnSpPr>
-                <p:cNvPr id="59" name="Straight Connector 58"/>
-                <p:cNvCxnSpPr/>
-                <p:nvPr/>
-              </p:nvCxnSpPr>
-              <p:spPr>
-                <a:xfrm>
-                  <a:off x="6378166" y="4123308"/>
-                  <a:ext cx="1072028" cy="8571"/>
-                </a:xfrm>
-                <a:prstGeom prst="line">
-                  <a:avLst/>
-                </a:prstGeom>
-                <a:ln w="76200">
-                  <a:solidFill>
-                    <a:schemeClr val="accent4">
-                      <a:lumMod val="60000"/>
-                      <a:lumOff val="40000"/>
-                    </a:schemeClr>
-                  </a:solidFill>
-                </a:ln>
-              </p:spPr>
-              <p:style>
-                <a:lnRef idx="1">
-                  <a:schemeClr val="accent1"/>
-                </a:lnRef>
-                <a:fillRef idx="0">
-                  <a:schemeClr val="accent1"/>
-                </a:fillRef>
-                <a:effectRef idx="0">
-                  <a:schemeClr val="accent1"/>
-                </a:effectRef>
-                <a:fontRef idx="minor">
-                  <a:schemeClr val="tx1"/>
-                </a:fontRef>
-              </p:style>
-            </p:cxnSp>
-            <p:sp>
-              <p:nvSpPr>
-                <p:cNvPr id="60" name="TextBox 59"/>
-                <p:cNvSpPr txBox="1"/>
-                <p:nvPr/>
-              </p:nvSpPr>
-              <p:spPr>
-                <a:xfrm>
-                  <a:off x="5641077" y="5662425"/>
-                  <a:ext cx="2035441" cy="328602"/>
-                </a:xfrm>
-                <a:prstGeom prst="rect">
-                  <a:avLst/>
-                </a:prstGeom>
-                <a:noFill/>
-              </p:spPr>
-              <p:txBody>
-                <a:bodyPr wrap="square" rtlCol="0">
-                  <a:spAutoFit/>
-                </a:bodyPr>
-                <a:lstStyle/>
-                <a:p>
-                  <a:r>
-                    <a:rPr lang="en-AU" sz="1600" dirty="0"/>
-                    <a:t># pathways</a:t>
-                  </a:r>
-                </a:p>
-              </p:txBody>
-            </p:sp>
-            <p:sp>
-              <p:nvSpPr>
-                <p:cNvPr id="61" name="TextBox 60"/>
-                <p:cNvSpPr txBox="1"/>
-                <p:nvPr/>
-              </p:nvSpPr>
-              <p:spPr>
-                <a:xfrm rot="16200000">
-                  <a:off x="4630851" y="4679458"/>
-                  <a:ext cx="1620344" cy="420521"/>
-                </a:xfrm>
-                <a:prstGeom prst="rect">
-                  <a:avLst/>
-                </a:prstGeom>
-                <a:noFill/>
-              </p:spPr>
-              <p:txBody>
-                <a:bodyPr wrap="square" rtlCol="0">
-                  <a:spAutoFit/>
-                </a:bodyPr>
-                <a:lstStyle/>
-                <a:p>
-                  <a:r>
-                    <a:rPr lang="en-AU" sz="1600" dirty="0"/>
-                    <a:t># </a:t>
-                  </a:r>
-                  <a:r>
-                    <a:rPr lang="en-AU" sz="1600" dirty="0" err="1"/>
-                    <a:t>microRNA</a:t>
-                  </a:r>
-                  <a:endParaRPr lang="en-AU" sz="1600" dirty="0"/>
-                </a:p>
-              </p:txBody>
-            </p:sp>
-            <p:sp>
-              <p:nvSpPr>
-                <p:cNvPr id="62" name="TextBox 61"/>
-                <p:cNvSpPr txBox="1"/>
-                <p:nvPr/>
-              </p:nvSpPr>
-              <p:spPr>
-                <a:xfrm rot="18655032">
-                  <a:off x="6749040" y="4797817"/>
-                  <a:ext cx="2001416" cy="420521"/>
-                </a:xfrm>
-                <a:prstGeom prst="rect">
-                  <a:avLst/>
-                </a:prstGeom>
-                <a:noFill/>
-              </p:spPr>
-              <p:txBody>
-                <a:bodyPr wrap="square" rtlCol="0">
-                  <a:spAutoFit/>
-                </a:bodyPr>
-                <a:lstStyle/>
-                <a:p>
-                  <a:r>
-                    <a:rPr lang="en-AU" sz="1600" dirty="0"/>
-                    <a:t># genes</a:t>
-                  </a:r>
-                </a:p>
-              </p:txBody>
-            </p:sp>
-            <p:sp>
-              <p:nvSpPr>
-                <p:cNvPr id="63" name="Cube 62"/>
-                <p:cNvSpPr/>
-                <p:nvPr/>
-              </p:nvSpPr>
-              <p:spPr>
-                <a:xfrm>
-                  <a:off x="5796011" y="4363931"/>
-                  <a:ext cx="1338873" cy="1272612"/>
-                </a:xfrm>
-                <a:prstGeom prst="cube">
-                  <a:avLst/>
-                </a:prstGeom>
-                <a:solidFill>
-                  <a:schemeClr val="accent6"/>
-                </a:solidFill>
-                <a:ln>
-                  <a:noFill/>
-                </a:ln>
-              </p:spPr>
-              <p:style>
-                <a:lnRef idx="2">
-                  <a:schemeClr val="accent1">
-                    <a:shade val="50000"/>
-                  </a:schemeClr>
-                </a:lnRef>
-                <a:fillRef idx="1">
-                  <a:schemeClr val="accent1"/>
-                </a:fillRef>
-                <a:effectRef idx="0">
-                  <a:schemeClr val="accent1"/>
-                </a:effectRef>
-                <a:fontRef idx="minor">
-                  <a:schemeClr val="lt1"/>
-                </a:fontRef>
-              </p:style>
-              <p:txBody>
-                <a:bodyPr rtlCol="0" anchor="ctr"/>
-                <a:lstStyle/>
-                <a:p>
-                  <a:pPr algn="ctr"/>
-                  <a:endParaRPr lang="en-AU" sz="1600"/>
-                </a:p>
-              </p:txBody>
-            </p:sp>
-            <p:cxnSp>
-              <p:nvCxnSpPr>
-                <p:cNvPr id="64" name="Straight Connector 63"/>
-                <p:cNvCxnSpPr/>
-                <p:nvPr/>
-              </p:nvCxnSpPr>
-              <p:spPr>
-                <a:xfrm>
-                  <a:off x="5796011" y="4642342"/>
-                  <a:ext cx="0" cy="994201"/>
-                </a:xfrm>
-                <a:prstGeom prst="line">
-                  <a:avLst/>
-                </a:prstGeom>
-                <a:ln w="76200">
-                  <a:solidFill>
-                    <a:srgbClr val="92D050"/>
-                  </a:solidFill>
-                </a:ln>
-              </p:spPr>
-              <p:style>
-                <a:lnRef idx="1">
-                  <a:schemeClr val="accent1"/>
-                </a:lnRef>
-                <a:fillRef idx="0">
-                  <a:schemeClr val="accent1"/>
-                </a:fillRef>
-                <a:effectRef idx="0">
-                  <a:schemeClr val="accent1"/>
-                </a:effectRef>
-                <a:fontRef idx="minor">
-                  <a:schemeClr val="tx1"/>
-                </a:fontRef>
-              </p:style>
-            </p:cxnSp>
-            <p:cxnSp>
-              <p:nvCxnSpPr>
-                <p:cNvPr id="65" name="Straight Connector 64"/>
-                <p:cNvCxnSpPr/>
-                <p:nvPr/>
-              </p:nvCxnSpPr>
-              <p:spPr>
-                <a:xfrm>
-                  <a:off x="5796011" y="5624016"/>
-                  <a:ext cx="1017812" cy="12527"/>
-                </a:xfrm>
-                <a:prstGeom prst="line">
-                  <a:avLst/>
-                </a:prstGeom>
-                <a:ln w="76200">
-                  <a:solidFill>
-                    <a:schemeClr val="accent4">
-                      <a:lumMod val="60000"/>
-                      <a:lumOff val="40000"/>
-                    </a:schemeClr>
-                  </a:solidFill>
-                </a:ln>
-              </p:spPr>
-              <p:style>
-                <a:lnRef idx="1">
-                  <a:schemeClr val="accent1"/>
-                </a:lnRef>
-                <a:fillRef idx="0">
-                  <a:schemeClr val="accent1"/>
-                </a:fillRef>
-                <a:effectRef idx="0">
-                  <a:schemeClr val="accent1"/>
-                </a:effectRef>
-                <a:fontRef idx="minor">
-                  <a:schemeClr val="tx1"/>
-                </a:fontRef>
-              </p:style>
-            </p:cxnSp>
-          </p:grpSp>
-        </p:grpSp>
-        <p:sp>
-          <p:nvSpPr>
-            <p:cNvPr id="53" name="TextBox 52"/>
-            <p:cNvSpPr txBox="1"/>
-            <p:nvPr/>
-          </p:nvSpPr>
-          <p:spPr>
-            <a:xfrm>
-              <a:off x="4889354" y="4259529"/>
-              <a:ext cx="2444103" cy="593255"/>
-            </a:xfrm>
-            <a:prstGeom prst="rect">
-              <a:avLst/>
-            </a:prstGeom>
-            <a:noFill/>
-          </p:spPr>
-          <p:txBody>
-            <a:bodyPr wrap="square" rtlCol="0">
-              <a:spAutoFit/>
-            </a:bodyPr>
-            <a:lstStyle/>
-            <a:p>
-              <a:pPr algn="ctr"/>
-              <a:r>
-                <a:rPr lang="en-AU" sz="1600" dirty="0">
-                  <a:solidFill>
-                    <a:schemeClr val="bg1"/>
-                  </a:solidFill>
-                </a:rPr>
-                <a:t> </a:t>
-              </a:r>
-              <a:r>
-                <a:rPr lang="en-AU" sz="1600" dirty="0" smtClean="0">
-                  <a:solidFill>
-                    <a:schemeClr val="bg1"/>
-                  </a:solidFill>
-                </a:rPr>
-                <a:t>Mir-</a:t>
-              </a:r>
-            </a:p>
-            <a:p>
-              <a:pPr algn="ctr"/>
-              <a:r>
-                <a:rPr lang="en-AU" sz="1600" dirty="0" smtClean="0">
-                  <a:solidFill>
-                    <a:schemeClr val="bg1"/>
-                  </a:solidFill>
-                </a:rPr>
-                <a:t>pathways</a:t>
-              </a:r>
-              <a:endParaRPr lang="en-AU" sz="1600" dirty="0">
-                <a:solidFill>
-                  <a:schemeClr val="bg1"/>
-                </a:solidFill>
-              </a:endParaRPr>
-            </a:p>
-          </p:txBody>
-        </p:sp>
-        <p:cxnSp>
-          <p:nvCxnSpPr>
-            <p:cNvPr id="54" name="Straight Connector 53"/>
-            <p:cNvCxnSpPr/>
-            <p:nvPr/>
-          </p:nvCxnSpPr>
-          <p:spPr>
-            <a:xfrm>
-              <a:off x="6623537" y="4137840"/>
-              <a:ext cx="0" cy="1032616"/>
-            </a:xfrm>
-            <a:prstGeom prst="line">
-              <a:avLst/>
-            </a:prstGeom>
-            <a:ln w="76200">
-              <a:solidFill>
-                <a:srgbClr val="92D050"/>
-              </a:solidFill>
-            </a:ln>
-          </p:spPr>
-          <p:style>
-            <a:lnRef idx="1">
-              <a:schemeClr val="accent1"/>
-            </a:lnRef>
-            <a:fillRef idx="0">
-              <a:schemeClr val="accent1"/>
-            </a:fillRef>
-            <a:effectRef idx="0">
-              <a:schemeClr val="accent1"/>
-            </a:effectRef>
-            <a:fontRef idx="minor">
-              <a:schemeClr val="tx1"/>
-            </a:fontRef>
-          </p:style>
-        </p:cxnSp>
-        <p:cxnSp>
-          <p:nvCxnSpPr>
-            <p:cNvPr id="55" name="Straight Connector 54"/>
-            <p:cNvCxnSpPr/>
-            <p:nvPr/>
-          </p:nvCxnSpPr>
-          <p:spPr>
-            <a:xfrm>
-              <a:off x="7341213" y="3604291"/>
-              <a:ext cx="0" cy="1070149"/>
-            </a:xfrm>
-            <a:prstGeom prst="line">
-              <a:avLst/>
-            </a:prstGeom>
-            <a:ln w="76200">
-              <a:solidFill>
-                <a:srgbClr val="92D050"/>
-              </a:solidFill>
-            </a:ln>
-          </p:spPr>
-          <p:style>
-            <a:lnRef idx="1">
-              <a:schemeClr val="accent1"/>
-            </a:lnRef>
-            <a:fillRef idx="0">
-              <a:schemeClr val="accent1"/>
-            </a:fillRef>
-            <a:effectRef idx="0">
-              <a:schemeClr val="accent1"/>
-            </a:effectRef>
-            <a:fontRef idx="minor">
-              <a:schemeClr val="tx1"/>
-            </a:fontRef>
-          </p:style>
-        </p:cxnSp>
-        <p:cxnSp>
-          <p:nvCxnSpPr>
-            <p:cNvPr id="56" name="Straight Connector 55"/>
-            <p:cNvCxnSpPr/>
-            <p:nvPr/>
-          </p:nvCxnSpPr>
-          <p:spPr>
-            <a:xfrm>
-              <a:off x="5484834" y="4124746"/>
-              <a:ext cx="1138702" cy="13094"/>
-            </a:xfrm>
-            <a:prstGeom prst="line">
-              <a:avLst/>
-            </a:prstGeom>
-            <a:ln w="76200">
-              <a:solidFill>
-                <a:schemeClr val="accent4">
-                  <a:lumMod val="60000"/>
-                  <a:lumOff val="40000"/>
-                </a:schemeClr>
-              </a:solidFill>
-            </a:ln>
-          </p:spPr>
-          <p:style>
-            <a:lnRef idx="1">
-              <a:schemeClr val="accent1"/>
-            </a:lnRef>
-            <a:fillRef idx="0">
-              <a:schemeClr val="accent1"/>
-            </a:fillRef>
-            <a:effectRef idx="0">
-              <a:schemeClr val="accent1"/>
-            </a:effectRef>
-            <a:fontRef idx="minor">
-              <a:schemeClr val="tx1"/>
-            </a:fontRef>
-          </p:style>
-        </p:cxnSp>
-      </p:grpSp>
-    </p:spTree>
-    <p:extLst>
-      <p:ext uri="{BB962C8B-B14F-4D97-AF65-F5344CB8AC3E}">
-        <p14:creationId xmlns:p14="http://schemas.microsoft.com/office/powerpoint/2010/main" val="2594033706"/>
-      </p:ext>
-    </p:extLst>
-  </p:cSld>
-  <p:clrMapOvr>
-    <a:masterClrMapping/>
-  </p:clrMapOvr>
-  <p:timing>
-    <p:tnLst>
-      <p:par>
-        <p:cTn id="1" dur="indefinite" restart="never" nodeType="tmRoot"/>
-      </p:par>
-    </p:tnLst>
-  </p:timing>
-</p:sld>
-</file>
-
-<file path=ppt/slides/slide12.xml><?xml version="1.0" encoding="utf-8"?>
 <p:sld xmlns:a="http://schemas.openxmlformats.org/drawingml/2006/main" xmlns:r="http://schemas.openxmlformats.org/officeDocument/2006/relationships" xmlns:p="http://schemas.openxmlformats.org/presentationml/2006/main">
   <p:cSld>
     <p:spTree>
@@ -8583,7 +6348,7 @@
 </p:sld>
 </file>
 
-<file path=ppt/slides/slide13.xml><?xml version="1.0" encoding="utf-8"?>
+<file path=ppt/slides/slide11.xml><?xml version="1.0" encoding="utf-8"?>
 <p:sld xmlns:a="http://schemas.openxmlformats.org/drawingml/2006/main" xmlns:r="http://schemas.openxmlformats.org/officeDocument/2006/relationships" xmlns:p="http://schemas.openxmlformats.org/presentationml/2006/main">
   <p:cSld>
     <p:spTree>
@@ -9293,19 +7058,7 @@
             <a:pPr algn="ctr"/>
             <a:r>
               <a:rPr kumimoji="1" lang="en-AU" altLang="zh-TW" dirty="0" smtClean="0"/>
-              <a:t>Perform </a:t>
-            </a:r>
-            <a:r>
-              <a:rPr kumimoji="1" lang="en-AU" altLang="zh-TW" dirty="0" smtClean="0"/>
-              <a:t>gene </a:t>
-            </a:r>
-            <a:r>
-              <a:rPr kumimoji="1" lang="en-AU" altLang="zh-TW" dirty="0" smtClean="0"/>
-              <a:t>set </a:t>
-            </a:r>
-            <a:r>
-              <a:rPr kumimoji="1" lang="en-AU" altLang="zh-TW" dirty="0" smtClean="0"/>
-              <a:t>tests </a:t>
+              <a:t>Perform gene set tests </a:t>
             </a:r>
             <a:endParaRPr kumimoji="1" lang="zh-TW" altLang="en-US" dirty="0"/>
           </a:p>
@@ -10375,7 +8128,7 @@
 </p:sld>
 </file>
 
-<file path=ppt/slides/slide14.xml><?xml version="1.0" encoding="utf-8"?>
+<file path=ppt/slides/slide12.xml><?xml version="1.0" encoding="utf-8"?>
 <p:sld xmlns:a="http://schemas.openxmlformats.org/drawingml/2006/main" xmlns:r="http://schemas.openxmlformats.org/officeDocument/2006/relationships" xmlns:p="http://schemas.openxmlformats.org/presentationml/2006/main">
   <p:cSld>
     <p:spTree>
@@ -10771,7 +8524,7 @@
 </p:sld>
 </file>
 
-<file path=ppt/slides/slide15.xml><?xml version="1.0" encoding="utf-8"?>
+<file path=ppt/slides/slide13.xml><?xml version="1.0" encoding="utf-8"?>
 <p:sld xmlns:a="http://schemas.openxmlformats.org/drawingml/2006/main" xmlns:r="http://schemas.openxmlformats.org/officeDocument/2006/relationships" xmlns:p="http://schemas.openxmlformats.org/presentationml/2006/main">
   <p:cSld>
     <p:spTree>
@@ -11706,7 +9459,7 @@
 </p:sld>
 </file>
 
-<file path=ppt/slides/slide16.xml><?xml version="1.0" encoding="utf-8"?>
+<file path=ppt/slides/slide14.xml><?xml version="1.0" encoding="utf-8"?>
 <p:sld xmlns:a="http://schemas.openxmlformats.org/drawingml/2006/main" xmlns:r="http://schemas.openxmlformats.org/officeDocument/2006/relationships" xmlns:p="http://schemas.openxmlformats.org/presentationml/2006/main">
   <p:cSld>
     <p:spTree>
@@ -11747,11 +9500,7 @@
           <a:p>
             <a:r>
               <a:rPr lang="en-AU" dirty="0" smtClean="0"/>
-              <a:t>(A) </a:t>
-            </a:r>
-            <a:r>
-              <a:rPr lang="en-AU" dirty="0" smtClean="0"/>
-              <a:t>Evaluation via literature search</a:t>
+              <a:t>(A) Evaluation via literature search</a:t>
             </a:r>
             <a:endParaRPr lang="en-AU" dirty="0"/>
           </a:p>
@@ -11888,7 +9637,7 @@
 </p:sld>
 </file>
 
-<file path=ppt/slides/slide17.xml><?xml version="1.0" encoding="utf-8"?>
+<file path=ppt/slides/slide15.xml><?xml version="1.0" encoding="utf-8"?>
 <p:sld xmlns:a="http://schemas.openxmlformats.org/drawingml/2006/main" xmlns:r="http://schemas.openxmlformats.org/officeDocument/2006/relationships" xmlns:p="http://schemas.openxmlformats.org/presentationml/2006/main">
   <p:cSld>
     <p:spTree>
@@ -12044,7 +9793,7 @@
 </p:sld>
 </file>
 
-<file path=ppt/slides/slide18.xml><?xml version="1.0" encoding="utf-8"?>
+<file path=ppt/slides/slide16.xml><?xml version="1.0" encoding="utf-8"?>
 <p:sld xmlns:a="http://schemas.openxmlformats.org/drawingml/2006/main" xmlns:r="http://schemas.openxmlformats.org/officeDocument/2006/relationships" xmlns:p="http://schemas.openxmlformats.org/presentationml/2006/main">
   <p:cSld>
     <p:spTree>
@@ -12321,7 +10070,7 @@
 </p:sld>
 </file>
 
-<file path=ppt/slides/slide19.xml><?xml version="1.0" encoding="utf-8"?>
+<file path=ppt/slides/slide17.xml><?xml version="1.0" encoding="utf-8"?>
 <p:sld xmlns:a="http://schemas.openxmlformats.org/drawingml/2006/main" xmlns:r="http://schemas.openxmlformats.org/officeDocument/2006/relationships" xmlns:p="http://schemas.openxmlformats.org/presentationml/2006/main">
   <p:cSld>
     <p:spTree>
@@ -12421,15 +10170,7 @@
                 <a:ea typeface="+mj-ea"/>
                 <a:cs typeface="+mj-cs"/>
               </a:rPr>
-              <a:t>the</a:t>
-            </a:r>
-            <a:r>
-              <a:rPr lang="en-AU" sz="3300" dirty="0" smtClean="0">
-                <a:latin typeface="+mj-lt"/>
-                <a:ea typeface="+mj-ea"/>
-                <a:cs typeface="+mj-cs"/>
-              </a:rPr>
-              <a:t> </a:t>
+              <a:t>the </a:t>
             </a:r>
             <a:r>
               <a:rPr lang="en-AU" sz="3300" dirty="0">
@@ -12718,15 +10459,7 @@
                             <a:schemeClr val="tx1"/>
                           </a:solidFill>
                         </a:rPr>
-                        <a:t>Nothing </a:t>
-                      </a:r>
-                      <a:r>
-                        <a:rPr lang="en-AU" sz="1800" dirty="0" smtClean="0">
-                          <a:solidFill>
-                            <a:schemeClr val="tx1"/>
-                          </a:solidFill>
-                        </a:rPr>
-                        <a:t>randomised</a:t>
+                        <a:t>Nothing randomised</a:t>
                       </a:r>
                       <a:endParaRPr lang="en-AU" sz="1800" dirty="0">
                         <a:solidFill>
@@ -12958,15 +10691,7 @@
                             <a:schemeClr val="tx1"/>
                           </a:solidFill>
                         </a:rPr>
-                        <a:t>KEGG </a:t>
-                      </a:r>
-                      <a:r>
-                        <a:rPr lang="en-AU" sz="1800" dirty="0" smtClean="0">
-                          <a:solidFill>
-                            <a:schemeClr val="tx1"/>
-                          </a:solidFill>
-                        </a:rPr>
-                        <a:t>randomised</a:t>
+                        <a:t>KEGG randomised</a:t>
                       </a:r>
                       <a:endParaRPr lang="en-AU" sz="1800" dirty="0">
                         <a:solidFill>
@@ -13676,103 +11401,7 @@
 </p:sld>
 </file>
 
-<file path=ppt/slides/slide2.xml><?xml version="1.0" encoding="utf-8"?>
-<p:sld xmlns:a="http://schemas.openxmlformats.org/drawingml/2006/main" xmlns:r="http://schemas.openxmlformats.org/officeDocument/2006/relationships" xmlns:p="http://schemas.openxmlformats.org/presentationml/2006/main">
-  <p:cSld>
-    <p:spTree>
-      <p:nvGrpSpPr>
-        <p:cNvPr id="1" name=""/>
-        <p:cNvGrpSpPr/>
-        <p:nvPr/>
-      </p:nvGrpSpPr>
-      <p:grpSpPr>
-        <a:xfrm>
-          <a:off x="0" y="0"/>
-          <a:ext cx="0" cy="0"/>
-          <a:chOff x="0" y="0"/>
-          <a:chExt cx="0" cy="0"/>
-        </a:xfrm>
-      </p:grpSpPr>
-      <p:sp>
-        <p:nvSpPr>
-          <p:cNvPr id="2" name="Content Placeholder 1"/>
-          <p:cNvSpPr>
-            <a:spLocks noGrp="1"/>
-          </p:cNvSpPr>
-          <p:nvPr>
-            <p:ph idx="1"/>
-          </p:nvPr>
-        </p:nvSpPr>
-        <p:spPr>
-          <a:xfrm>
-            <a:off x="457200" y="1885951"/>
-            <a:ext cx="8229600" cy="2708673"/>
-          </a:xfrm>
-        </p:spPr>
-        <p:txBody>
-          <a:bodyPr/>
-          <a:lstStyle/>
-          <a:p>
-            <a:pPr marL="0" indent="0" algn="ctr">
-              <a:buNone/>
-            </a:pPr>
-            <a:r>
-              <a:rPr lang="en-AU" sz="3600" dirty="0">
-                <a:hlinkClick r:id="rId2"/>
-              </a:rPr>
-              <a:t>www.ellispatrick.com/presentations</a:t>
-            </a:r>
-            <a:r>
-              <a:rPr lang="en-AU" sz="3600" dirty="0"/>
-              <a:t/>
-            </a:r>
-            <a:br>
-              <a:rPr lang="en-AU" sz="3600" dirty="0"/>
-            </a:br>
-            <a:r>
-              <a:rPr lang="en-AU" sz="3600" dirty="0">
-                <a:hlinkClick r:id="rId3"/>
-              </a:rPr>
-              <a:t>www.ellispatrick.com/r-packages</a:t>
-            </a:r>
-            <a:endParaRPr lang="en-AU" sz="3600" dirty="0"/>
-          </a:p>
-          <a:p>
-            <a:pPr marL="0" indent="0" algn="ctr">
-              <a:buNone/>
-            </a:pPr>
-            <a:r>
-              <a:rPr lang="en-AU" sz="3000" dirty="0"/>
-              <a:t/>
-            </a:r>
-            <a:br>
-              <a:rPr lang="en-AU" sz="3000" dirty="0"/>
-            </a:br>
-            <a:endParaRPr lang="en-AU" sz="3000" dirty="0"/>
-          </a:p>
-        </p:txBody>
-      </p:sp>
-    </p:spTree>
-    <p:extLst>
-      <p:ext uri="{BB962C8B-B14F-4D97-AF65-F5344CB8AC3E}">
-        <p14:creationId xmlns:p14="http://schemas.microsoft.com/office/powerpoint/2010/main" val="73979891"/>
-      </p:ext>
-    </p:extLst>
-  </p:cSld>
-  <p:clrMapOvr>
-    <a:masterClrMapping/>
-  </p:clrMapOvr>
-  <p:timing>
-    <p:tnLst>
-      <p:par>
-        <p:cTn id="1" dur="indefinite" restart="never" nodeType="tmRoot"/>
-      </p:par>
-    </p:tnLst>
-  </p:timing>
-</p:sld>
-</file>
-
-<file path=ppt/slides/slide20.xml><?xml version="1.0" encoding="utf-8"?>
+<file path=ppt/slides/slide18.xml><?xml version="1.0" encoding="utf-8"?>
 <p:sld xmlns:a="http://schemas.openxmlformats.org/drawingml/2006/main" xmlns:r="http://schemas.openxmlformats.org/officeDocument/2006/relationships" xmlns:p="http://schemas.openxmlformats.org/presentationml/2006/main">
   <p:cSld>
     <p:spTree>
@@ -13896,7 +11525,7 @@
 </p:sld>
 </file>
 
-<file path=ppt/slides/slide21.xml><?xml version="1.0" encoding="utf-8"?>
+<file path=ppt/slides/slide19.xml><?xml version="1.0" encoding="utf-8"?>
 <p:sld xmlns:a="http://schemas.openxmlformats.org/drawingml/2006/main" xmlns:r="http://schemas.openxmlformats.org/officeDocument/2006/relationships" xmlns:p="http://schemas.openxmlformats.org/presentationml/2006/main">
   <p:cSld>
     <p:spTree>
@@ -15185,7 +12814,103 @@
 </p:sld>
 </file>
 
-<file path=ppt/slides/slide22.xml><?xml version="1.0" encoding="utf-8"?>
+<file path=ppt/slides/slide2.xml><?xml version="1.0" encoding="utf-8"?>
+<p:sld xmlns:a="http://schemas.openxmlformats.org/drawingml/2006/main" xmlns:r="http://schemas.openxmlformats.org/officeDocument/2006/relationships" xmlns:p="http://schemas.openxmlformats.org/presentationml/2006/main">
+  <p:cSld>
+    <p:spTree>
+      <p:nvGrpSpPr>
+        <p:cNvPr id="1" name=""/>
+        <p:cNvGrpSpPr/>
+        <p:nvPr/>
+      </p:nvGrpSpPr>
+      <p:grpSpPr>
+        <a:xfrm>
+          <a:off x="0" y="0"/>
+          <a:ext cx="0" cy="0"/>
+          <a:chOff x="0" y="0"/>
+          <a:chExt cx="0" cy="0"/>
+        </a:xfrm>
+      </p:grpSpPr>
+      <p:sp>
+        <p:nvSpPr>
+          <p:cNvPr id="2" name="Content Placeholder 1"/>
+          <p:cNvSpPr>
+            <a:spLocks noGrp="1"/>
+          </p:cNvSpPr>
+          <p:nvPr>
+            <p:ph idx="1"/>
+          </p:nvPr>
+        </p:nvSpPr>
+        <p:spPr>
+          <a:xfrm>
+            <a:off x="457200" y="1885951"/>
+            <a:ext cx="8229600" cy="2708673"/>
+          </a:xfrm>
+        </p:spPr>
+        <p:txBody>
+          <a:bodyPr/>
+          <a:lstStyle/>
+          <a:p>
+            <a:pPr marL="0" indent="0" algn="ctr">
+              <a:buNone/>
+            </a:pPr>
+            <a:r>
+              <a:rPr lang="en-AU" sz="3600" dirty="0">
+                <a:hlinkClick r:id="rId2"/>
+              </a:rPr>
+              <a:t>www.ellispatrick.com/presentations</a:t>
+            </a:r>
+            <a:r>
+              <a:rPr lang="en-AU" sz="3600" dirty="0"/>
+              <a:t/>
+            </a:r>
+            <a:br>
+              <a:rPr lang="en-AU" sz="3600" dirty="0"/>
+            </a:br>
+            <a:r>
+              <a:rPr lang="en-AU" sz="3600" dirty="0">
+                <a:hlinkClick r:id="rId3"/>
+              </a:rPr>
+              <a:t>www.ellispatrick.com/r-packages</a:t>
+            </a:r>
+            <a:endParaRPr lang="en-AU" sz="3600" dirty="0"/>
+          </a:p>
+          <a:p>
+            <a:pPr marL="0" indent="0" algn="ctr">
+              <a:buNone/>
+            </a:pPr>
+            <a:r>
+              <a:rPr lang="en-AU" sz="3000" dirty="0"/>
+              <a:t/>
+            </a:r>
+            <a:br>
+              <a:rPr lang="en-AU" sz="3000" dirty="0"/>
+            </a:br>
+            <a:endParaRPr lang="en-AU" sz="3000" dirty="0"/>
+          </a:p>
+        </p:txBody>
+      </p:sp>
+    </p:spTree>
+    <p:extLst>
+      <p:ext uri="{BB962C8B-B14F-4D97-AF65-F5344CB8AC3E}">
+        <p14:creationId xmlns:p14="http://schemas.microsoft.com/office/powerpoint/2010/main" val="73979891"/>
+      </p:ext>
+    </p:extLst>
+  </p:cSld>
+  <p:clrMapOvr>
+    <a:masterClrMapping/>
+  </p:clrMapOvr>
+  <p:timing>
+    <p:tnLst>
+      <p:par>
+        <p:cTn id="1" dur="indefinite" restart="never" nodeType="tmRoot"/>
+      </p:par>
+    </p:tnLst>
+  </p:timing>
+</p:sld>
+</file>
+
+<file path=ppt/slides/slide20.xml><?xml version="1.0" encoding="utf-8"?>
 <p:sld xmlns:a="http://schemas.openxmlformats.org/drawingml/2006/main" xmlns:r="http://schemas.openxmlformats.org/officeDocument/2006/relationships" xmlns:p="http://schemas.openxmlformats.org/presentationml/2006/main">
   <p:cSld>
     <p:spTree>
@@ -15630,7 +13355,7 @@
 </p:sld>
 </file>
 
-<file path=ppt/slides/slide23.xml><?xml version="1.0" encoding="utf-8"?>
+<file path=ppt/slides/slide21.xml><?xml version="1.0" encoding="utf-8"?>
 <p:sld xmlns:a="http://schemas.openxmlformats.org/drawingml/2006/main" xmlns:r="http://schemas.openxmlformats.org/officeDocument/2006/relationships" xmlns:p="http://schemas.openxmlformats.org/presentationml/2006/main">
   <p:cSld>
     <p:spTree>
@@ -15907,7 +13632,7 @@
 </p:sld>
 </file>
 
-<file path=ppt/slides/slide24.xml><?xml version="1.0" encoding="utf-8"?>
+<file path=ppt/slides/slide22.xml><?xml version="1.0" encoding="utf-8"?>
 <p:sld xmlns:a="http://schemas.openxmlformats.org/drawingml/2006/main" xmlns:r="http://schemas.openxmlformats.org/officeDocument/2006/relationships" xmlns:p="http://schemas.openxmlformats.org/presentationml/2006/main">
   <p:cSld>
     <p:spTree>
@@ -16421,7 +14146,7 @@
 </p:sld>
 </file>
 
-<file path=ppt/slides/slide25.xml><?xml version="1.0" encoding="utf-8"?>
+<file path=ppt/slides/slide23.xml><?xml version="1.0" encoding="utf-8"?>
 <p:sld xmlns:a="http://schemas.openxmlformats.org/drawingml/2006/main" xmlns:r="http://schemas.openxmlformats.org/officeDocument/2006/relationships" xmlns:p="http://schemas.openxmlformats.org/presentationml/2006/main">
   <p:cSld>
     <p:spTree>
@@ -16622,7 +14347,7 @@
 </p:sld>
 </file>
 
-<file path=ppt/slides/slide26.xml><?xml version="1.0" encoding="utf-8"?>
+<file path=ppt/slides/slide24.xml><?xml version="1.0" encoding="utf-8"?>
 <p:sld xmlns:a="http://schemas.openxmlformats.org/drawingml/2006/main" xmlns:r="http://schemas.openxmlformats.org/officeDocument/2006/relationships" xmlns:p="http://schemas.openxmlformats.org/presentationml/2006/main">
   <p:cSld>
     <p:spTree>
@@ -17343,7 +15068,7 @@
 </p:sld>
 </file>
 
-<file path=ppt/slides/slide27.xml><?xml version="1.0" encoding="utf-8"?>
+<file path=ppt/slides/slide25.xml><?xml version="1.0" encoding="utf-8"?>
 <p:sld xmlns:a="http://schemas.openxmlformats.org/drawingml/2006/main" xmlns:r="http://schemas.openxmlformats.org/officeDocument/2006/relationships" xmlns:p="http://schemas.openxmlformats.org/presentationml/2006/main">
   <p:cSld>
     <p:spTree>
@@ -19462,1825 +17187,6 @@
           <a:chExt cx="0" cy="0"/>
         </a:xfrm>
       </p:grpSpPr>
-      <p:sp>
-        <p:nvSpPr>
-          <p:cNvPr id="18" name="Title 1"/>
-          <p:cNvSpPr txBox="1">
-            <a:spLocks/>
-          </p:cNvSpPr>
-          <p:nvPr/>
-        </p:nvSpPr>
-        <p:spPr>
-          <a:xfrm>
-            <a:off x="1463818" y="1"/>
-            <a:ext cx="6173004" cy="536972"/>
-          </a:xfrm>
-          <a:prstGeom prst="rect">
-            <a:avLst/>
-          </a:prstGeom>
-        </p:spPr>
-        <p:txBody>
-          <a:bodyPr vert="horz" lIns="68573" tIns="34286" rIns="68573" bIns="34286" rtlCol="0" anchor="ctr">
-            <a:normAutofit fontScale="82500" lnSpcReduction="20000"/>
-          </a:bodyPr>
-          <a:lstStyle>
-            <a:lvl1pPr algn="ctr" defTabSz="914400" rtl="0" eaLnBrk="1" latinLnBrk="0" hangingPunct="1">
-              <a:spcBef>
-                <a:spcPct val="0"/>
-              </a:spcBef>
-              <a:buNone/>
-              <a:defRPr sz="4400" kern="1200">
-                <a:solidFill>
-                  <a:schemeClr val="tx1"/>
-                </a:solidFill>
-                <a:latin typeface="+mj-lt"/>
-                <a:ea typeface="+mj-ea"/>
-                <a:cs typeface="+mj-cs"/>
-              </a:defRPr>
-            </a:lvl1pPr>
-          </a:lstStyle>
-          <a:p>
-            <a:r>
-              <a:rPr lang="en-AU" smtClean="0"/>
-              <a:t>Data Structure</a:t>
-            </a:r>
-            <a:endParaRPr lang="en-AU" dirty="0"/>
-          </a:p>
-        </p:txBody>
-      </p:sp>
-      <p:sp>
-        <p:nvSpPr>
-          <p:cNvPr id="19" name="Rectangle 18"/>
-          <p:cNvSpPr/>
-          <p:nvPr/>
-        </p:nvSpPr>
-        <p:spPr>
-          <a:xfrm>
-            <a:off x="1833761" y="1085850"/>
-            <a:ext cx="1943353" cy="2286000"/>
-          </a:xfrm>
-          <a:prstGeom prst="rect">
-            <a:avLst/>
-          </a:prstGeom>
-        </p:spPr>
-        <p:style>
-          <a:lnRef idx="2">
-            <a:schemeClr val="accent1">
-              <a:shade val="50000"/>
-            </a:schemeClr>
-          </a:lnRef>
-          <a:fillRef idx="1">
-            <a:schemeClr val="accent1"/>
-          </a:fillRef>
-          <a:effectRef idx="0">
-            <a:schemeClr val="accent1"/>
-          </a:effectRef>
-          <a:fontRef idx="minor">
-            <a:schemeClr val="lt1"/>
-          </a:fontRef>
-        </p:style>
-        <p:txBody>
-          <a:bodyPr lIns="68573" tIns="34286" rIns="68573" bIns="34286" rtlCol="0" anchor="ctr"/>
-          <a:lstStyle/>
-          <a:p>
-            <a:pPr algn="ctr"/>
-            <a:endParaRPr lang="en-AU"/>
-          </a:p>
-        </p:txBody>
-      </p:sp>
-      <p:sp>
-        <p:nvSpPr>
-          <p:cNvPr id="22" name="Rectangle 21"/>
-          <p:cNvSpPr/>
-          <p:nvPr/>
-        </p:nvSpPr>
-        <p:spPr>
-          <a:xfrm>
-            <a:off x="1833761" y="3771900"/>
-            <a:ext cx="1943353" cy="1085850"/>
-          </a:xfrm>
-          <a:prstGeom prst="rect">
-            <a:avLst/>
-          </a:prstGeom>
-          <a:solidFill>
-            <a:schemeClr val="accent2"/>
-          </a:solidFill>
-        </p:spPr>
-        <p:style>
-          <a:lnRef idx="2">
-            <a:schemeClr val="accent1">
-              <a:shade val="50000"/>
-            </a:schemeClr>
-          </a:lnRef>
-          <a:fillRef idx="1">
-            <a:schemeClr val="accent1"/>
-          </a:fillRef>
-          <a:effectRef idx="0">
-            <a:schemeClr val="accent1"/>
-          </a:effectRef>
-          <a:fontRef idx="minor">
-            <a:schemeClr val="lt1"/>
-          </a:fontRef>
-        </p:style>
-        <p:txBody>
-          <a:bodyPr lIns="68573" tIns="34286" rIns="68573" bIns="34286" rtlCol="0" anchor="ctr"/>
-          <a:lstStyle/>
-          <a:p>
-            <a:pPr algn="ctr"/>
-            <a:endParaRPr lang="en-AU"/>
-          </a:p>
-        </p:txBody>
-      </p:sp>
-      <p:sp>
-        <p:nvSpPr>
-          <p:cNvPr id="23" name="Rectangle 22"/>
-          <p:cNvSpPr/>
-          <p:nvPr/>
-        </p:nvSpPr>
-        <p:spPr>
-          <a:xfrm>
-            <a:off x="5676510" y="1093733"/>
-            <a:ext cx="1028834" cy="2286000"/>
-          </a:xfrm>
-          <a:prstGeom prst="rect">
-            <a:avLst/>
-          </a:prstGeom>
-          <a:solidFill>
-            <a:srgbClr val="92D050"/>
-          </a:solidFill>
-        </p:spPr>
-        <p:style>
-          <a:lnRef idx="2">
-            <a:schemeClr val="accent1">
-              <a:shade val="50000"/>
-            </a:schemeClr>
-          </a:lnRef>
-          <a:fillRef idx="1">
-            <a:schemeClr val="accent1"/>
-          </a:fillRef>
-          <a:effectRef idx="0">
-            <a:schemeClr val="accent1"/>
-          </a:effectRef>
-          <a:fontRef idx="minor">
-            <a:schemeClr val="lt1"/>
-          </a:fontRef>
-        </p:style>
-        <p:txBody>
-          <a:bodyPr lIns="68573" tIns="34286" rIns="68573" bIns="34286" rtlCol="0" anchor="ctr"/>
-          <a:lstStyle/>
-          <a:p>
-            <a:pPr algn="ctr"/>
-            <a:endParaRPr lang="en-AU"/>
-          </a:p>
-        </p:txBody>
-      </p:sp>
-      <p:sp>
-        <p:nvSpPr>
-          <p:cNvPr id="24" name="TextBox 23"/>
-          <p:cNvSpPr txBox="1"/>
-          <p:nvPr/>
-        </p:nvSpPr>
-        <p:spPr>
-          <a:xfrm>
-            <a:off x="1948075" y="688626"/>
-            <a:ext cx="2338168" cy="315463"/>
-          </a:xfrm>
-          <a:prstGeom prst="rect">
-            <a:avLst/>
-          </a:prstGeom>
-          <a:noFill/>
-        </p:spPr>
-        <p:txBody>
-          <a:bodyPr wrap="square" lIns="68573" tIns="34286" rIns="68573" bIns="34286" rtlCol="0">
-            <a:spAutoFit/>
-          </a:bodyPr>
-          <a:lstStyle/>
-          <a:p>
-            <a:r>
-              <a:rPr lang="en-AU" sz="1600" dirty="0" smtClean="0"/>
-              <a:t>Number of samples</a:t>
-            </a:r>
-            <a:endParaRPr lang="en-AU" sz="1600" dirty="0"/>
-          </a:p>
-        </p:txBody>
-      </p:sp>
-      <p:sp>
-        <p:nvSpPr>
-          <p:cNvPr id="25" name="TextBox 24"/>
-          <p:cNvSpPr txBox="1"/>
-          <p:nvPr/>
-        </p:nvSpPr>
-        <p:spPr>
-          <a:xfrm>
-            <a:off x="1948075" y="3429000"/>
-            <a:ext cx="1886196" cy="315463"/>
-          </a:xfrm>
-          <a:prstGeom prst="rect">
-            <a:avLst/>
-          </a:prstGeom>
-          <a:noFill/>
-        </p:spPr>
-        <p:txBody>
-          <a:bodyPr wrap="square" lIns="68573" tIns="34286" rIns="68573" bIns="34286" rtlCol="0">
-            <a:spAutoFit/>
-          </a:bodyPr>
-          <a:lstStyle/>
-          <a:p>
-            <a:r>
-              <a:rPr lang="en-AU" sz="1600" dirty="0" smtClean="0"/>
-              <a:t>Number of samples</a:t>
-            </a:r>
-            <a:endParaRPr lang="en-AU" sz="1600" dirty="0"/>
-          </a:p>
-        </p:txBody>
-      </p:sp>
-      <p:sp>
-        <p:nvSpPr>
-          <p:cNvPr id="26" name="TextBox 25"/>
-          <p:cNvSpPr txBox="1"/>
-          <p:nvPr/>
-        </p:nvSpPr>
-        <p:spPr>
-          <a:xfrm rot="16200000">
-            <a:off x="633576" y="1642494"/>
-            <a:ext cx="1885950" cy="315463"/>
-          </a:xfrm>
-          <a:prstGeom prst="rect">
-            <a:avLst/>
-          </a:prstGeom>
-          <a:noFill/>
-        </p:spPr>
-        <p:txBody>
-          <a:bodyPr wrap="square" lIns="68573" tIns="34286" rIns="68573" bIns="34286" rtlCol="0">
-            <a:spAutoFit/>
-          </a:bodyPr>
-          <a:lstStyle/>
-          <a:p>
-            <a:r>
-              <a:rPr lang="en-AU" sz="1600" dirty="0" smtClean="0"/>
-              <a:t>~20000 mRNA</a:t>
-            </a:r>
-            <a:endParaRPr lang="en-AU" sz="1600" dirty="0"/>
-          </a:p>
-        </p:txBody>
-      </p:sp>
-      <p:sp>
-        <p:nvSpPr>
-          <p:cNvPr id="27" name="TextBox 26"/>
-          <p:cNvSpPr txBox="1"/>
-          <p:nvPr/>
-        </p:nvSpPr>
-        <p:spPr>
-          <a:xfrm rot="16200000">
-            <a:off x="618187" y="4042793"/>
-            <a:ext cx="1885950" cy="315463"/>
-          </a:xfrm>
-          <a:prstGeom prst="rect">
-            <a:avLst/>
-          </a:prstGeom>
-          <a:noFill/>
-        </p:spPr>
-        <p:txBody>
-          <a:bodyPr wrap="square" lIns="68573" tIns="34286" rIns="68573" bIns="34286" rtlCol="0">
-            <a:spAutoFit/>
-          </a:bodyPr>
-          <a:lstStyle/>
-          <a:p>
-            <a:r>
-              <a:rPr lang="en-AU" sz="1600" dirty="0" smtClean="0"/>
-              <a:t>~1000 microRNA</a:t>
-            </a:r>
-            <a:endParaRPr lang="en-AU" sz="1600" dirty="0"/>
-          </a:p>
-        </p:txBody>
-      </p:sp>
-      <p:sp>
-        <p:nvSpPr>
-          <p:cNvPr id="28" name="TextBox 27"/>
-          <p:cNvSpPr txBox="1"/>
-          <p:nvPr/>
-        </p:nvSpPr>
-        <p:spPr>
-          <a:xfrm rot="16200000">
-            <a:off x="4476327" y="1593227"/>
-            <a:ext cx="1885950" cy="315463"/>
-          </a:xfrm>
-          <a:prstGeom prst="rect">
-            <a:avLst/>
-          </a:prstGeom>
-          <a:noFill/>
-        </p:spPr>
-        <p:txBody>
-          <a:bodyPr wrap="square" lIns="68573" tIns="34286" rIns="68573" bIns="34286" rtlCol="0">
-            <a:spAutoFit/>
-          </a:bodyPr>
-          <a:lstStyle/>
-          <a:p>
-            <a:r>
-              <a:rPr lang="en-AU" sz="1600" dirty="0" smtClean="0"/>
-              <a:t>~20000 mRNA</a:t>
-            </a:r>
-            <a:endParaRPr lang="en-AU" sz="1600" dirty="0"/>
-          </a:p>
-        </p:txBody>
-      </p:sp>
-      <p:sp>
-        <p:nvSpPr>
-          <p:cNvPr id="29" name="TextBox 28"/>
-          <p:cNvSpPr txBox="1"/>
-          <p:nvPr/>
-        </p:nvSpPr>
-        <p:spPr>
-          <a:xfrm>
-            <a:off x="5531063" y="688625"/>
-            <a:ext cx="1886196" cy="315463"/>
-          </a:xfrm>
-          <a:prstGeom prst="rect">
-            <a:avLst/>
-          </a:prstGeom>
-          <a:noFill/>
-        </p:spPr>
-        <p:txBody>
-          <a:bodyPr wrap="square" lIns="68573" tIns="34286" rIns="68573" bIns="34286" rtlCol="0">
-            <a:spAutoFit/>
-          </a:bodyPr>
-          <a:lstStyle/>
-          <a:p>
-            <a:r>
-              <a:rPr lang="en-AU" sz="1600" dirty="0" smtClean="0"/>
-              <a:t>~1000 microRNA</a:t>
-            </a:r>
-            <a:endParaRPr lang="en-AU" sz="1600" dirty="0"/>
-          </a:p>
-        </p:txBody>
-      </p:sp>
-      <p:sp>
-        <p:nvSpPr>
-          <p:cNvPr id="30" name="TextBox 29"/>
-          <p:cNvSpPr txBox="1"/>
-          <p:nvPr/>
-        </p:nvSpPr>
-        <p:spPr>
-          <a:xfrm>
-            <a:off x="1833760" y="1485902"/>
-            <a:ext cx="1886196" cy="992579"/>
-          </a:xfrm>
-          <a:prstGeom prst="rect">
-            <a:avLst/>
-          </a:prstGeom>
-          <a:noFill/>
-        </p:spPr>
-        <p:txBody>
-          <a:bodyPr wrap="square" lIns="68573" tIns="34286" rIns="68573" bIns="34286" rtlCol="0">
-            <a:spAutoFit/>
-          </a:bodyPr>
-          <a:lstStyle/>
-          <a:p>
-            <a:pPr algn="ctr"/>
-            <a:r>
-              <a:rPr lang="en-AU" sz="3000" dirty="0">
-                <a:solidFill>
-                  <a:schemeClr val="bg1"/>
-                </a:solidFill>
-              </a:rPr>
-              <a:t>mRNA-</a:t>
-            </a:r>
-            <a:r>
-              <a:rPr lang="en-AU" sz="3000" dirty="0" err="1">
-                <a:solidFill>
-                  <a:schemeClr val="bg1"/>
-                </a:solidFill>
-              </a:rPr>
-              <a:t>Seq</a:t>
-            </a:r>
-            <a:endParaRPr lang="en-AU" sz="3000" dirty="0">
-              <a:solidFill>
-                <a:schemeClr val="bg1"/>
-              </a:solidFill>
-            </a:endParaRPr>
-          </a:p>
-          <a:p>
-            <a:pPr algn="ctr"/>
-            <a:r>
-              <a:rPr lang="en-AU" sz="3000" dirty="0">
-                <a:solidFill>
-                  <a:schemeClr val="bg1"/>
-                </a:solidFill>
-              </a:rPr>
-              <a:t>Data</a:t>
-            </a:r>
-          </a:p>
-        </p:txBody>
-      </p:sp>
-      <p:sp>
-        <p:nvSpPr>
-          <p:cNvPr id="31" name="TextBox 30"/>
-          <p:cNvSpPr txBox="1"/>
-          <p:nvPr/>
-        </p:nvSpPr>
-        <p:spPr>
-          <a:xfrm>
-            <a:off x="1833760" y="3886202"/>
-            <a:ext cx="1886196" cy="992579"/>
-          </a:xfrm>
-          <a:prstGeom prst="rect">
-            <a:avLst/>
-          </a:prstGeom>
-          <a:noFill/>
-        </p:spPr>
-        <p:txBody>
-          <a:bodyPr wrap="square" lIns="68573" tIns="34286" rIns="68573" bIns="34286" rtlCol="0">
-            <a:spAutoFit/>
-          </a:bodyPr>
-          <a:lstStyle/>
-          <a:p>
-            <a:pPr algn="ctr"/>
-            <a:r>
-              <a:rPr lang="en-AU" sz="3000" dirty="0" err="1">
-                <a:solidFill>
-                  <a:schemeClr val="bg1"/>
-                </a:solidFill>
-              </a:rPr>
-              <a:t>miRNA-Seq</a:t>
-            </a:r>
-            <a:endParaRPr lang="en-AU" sz="3000" dirty="0">
-              <a:solidFill>
-                <a:schemeClr val="bg1"/>
-              </a:solidFill>
-            </a:endParaRPr>
-          </a:p>
-          <a:p>
-            <a:pPr algn="ctr"/>
-            <a:r>
-              <a:rPr lang="en-AU" sz="3000" dirty="0">
-                <a:solidFill>
-                  <a:schemeClr val="bg1"/>
-                </a:solidFill>
-              </a:rPr>
-              <a:t>Data</a:t>
-            </a:r>
-          </a:p>
-        </p:txBody>
-      </p:sp>
-      <p:sp>
-        <p:nvSpPr>
-          <p:cNvPr id="32" name="TextBox 31"/>
-          <p:cNvSpPr txBox="1"/>
-          <p:nvPr/>
-        </p:nvSpPr>
-        <p:spPr>
-          <a:xfrm>
-            <a:off x="5219250" y="1665232"/>
-            <a:ext cx="1886196" cy="807914"/>
-          </a:xfrm>
-          <a:prstGeom prst="rect">
-            <a:avLst/>
-          </a:prstGeom>
-          <a:noFill/>
-        </p:spPr>
-        <p:txBody>
-          <a:bodyPr wrap="square" lIns="68573" tIns="34286" rIns="68573" bIns="34286" rtlCol="0">
-            <a:spAutoFit/>
-          </a:bodyPr>
-          <a:lstStyle/>
-          <a:p>
-            <a:pPr algn="ctr"/>
-            <a:r>
-              <a:rPr lang="en-AU" sz="2400" dirty="0">
-                <a:solidFill>
-                  <a:schemeClr val="bg1"/>
-                </a:solidFill>
-              </a:rPr>
-              <a:t>Target</a:t>
-            </a:r>
-            <a:br>
-              <a:rPr lang="en-AU" sz="2400" dirty="0">
-                <a:solidFill>
-                  <a:schemeClr val="bg1"/>
-                </a:solidFill>
-              </a:rPr>
-            </a:br>
-            <a:r>
-              <a:rPr lang="en-AU" sz="2400" dirty="0">
-                <a:solidFill>
-                  <a:schemeClr val="bg1"/>
-                </a:solidFill>
-              </a:rPr>
-              <a:t>Matrix</a:t>
-            </a:r>
-          </a:p>
-        </p:txBody>
-      </p:sp>
-      <p:cxnSp>
-        <p:nvCxnSpPr>
-          <p:cNvPr id="33" name="Straight Connector 32"/>
-          <p:cNvCxnSpPr/>
-          <p:nvPr/>
-        </p:nvCxnSpPr>
-        <p:spPr>
-          <a:xfrm>
-            <a:off x="2805436" y="1085850"/>
-            <a:ext cx="0" cy="2286000"/>
-          </a:xfrm>
-          <a:prstGeom prst="line">
-            <a:avLst/>
-          </a:prstGeom>
-          <a:ln w="38100">
-            <a:solidFill>
-              <a:schemeClr val="accent1">
-                <a:lumMod val="75000"/>
-              </a:schemeClr>
-            </a:solidFill>
-          </a:ln>
-        </p:spPr>
-        <p:style>
-          <a:lnRef idx="1">
-            <a:schemeClr val="accent1"/>
-          </a:lnRef>
-          <a:fillRef idx="0">
-            <a:schemeClr val="accent1"/>
-          </a:fillRef>
-          <a:effectRef idx="0">
-            <a:schemeClr val="accent1"/>
-          </a:effectRef>
-          <a:fontRef idx="minor">
-            <a:schemeClr val="tx1"/>
-          </a:fontRef>
-        </p:style>
-      </p:cxnSp>
-      <p:cxnSp>
-        <p:nvCxnSpPr>
-          <p:cNvPr id="34" name="Straight Connector 33"/>
-          <p:cNvCxnSpPr/>
-          <p:nvPr/>
-        </p:nvCxnSpPr>
-        <p:spPr>
-          <a:xfrm>
-            <a:off x="2804222" y="3771900"/>
-            <a:ext cx="1216" cy="1085850"/>
-          </a:xfrm>
-          <a:prstGeom prst="line">
-            <a:avLst/>
-          </a:prstGeom>
-          <a:ln w="38100">
-            <a:solidFill>
-              <a:schemeClr val="accent1">
-                <a:lumMod val="75000"/>
-              </a:schemeClr>
-            </a:solidFill>
-          </a:ln>
-        </p:spPr>
-        <p:style>
-          <a:lnRef idx="1">
-            <a:schemeClr val="accent1"/>
-          </a:lnRef>
-          <a:fillRef idx="0">
-            <a:schemeClr val="accent1"/>
-          </a:fillRef>
-          <a:effectRef idx="0">
-            <a:schemeClr val="accent1"/>
-          </a:effectRef>
-          <a:fontRef idx="minor">
-            <a:schemeClr val="tx1"/>
-          </a:fontRef>
-        </p:style>
-      </p:cxnSp>
-    </p:spTree>
-    <p:extLst>
-      <p:ext uri="{BB962C8B-B14F-4D97-AF65-F5344CB8AC3E}">
-        <p14:creationId xmlns:p14="http://schemas.microsoft.com/office/powerpoint/2010/main" val="1363884153"/>
-      </p:ext>
-    </p:extLst>
-  </p:cSld>
-  <p:clrMapOvr>
-    <a:masterClrMapping/>
-  </p:clrMapOvr>
-  <p:timing>
-    <p:tnLst>
-      <p:par>
-        <p:cTn id="1" dur="indefinite" restart="never" nodeType="tmRoot">
-          <p:childTnLst>
-            <p:seq concurrent="1" nextAc="seek">
-              <p:cTn id="2" dur="indefinite" nodeType="mainSeq">
-                <p:childTnLst>
-                  <p:par>
-                    <p:cTn id="3" fill="hold">
-                      <p:stCondLst>
-                        <p:cond delay="indefinite"/>
-                      </p:stCondLst>
-                      <p:childTnLst>
-                        <p:par>
-                          <p:cTn id="4" fill="hold">
-                            <p:stCondLst>
-                              <p:cond delay="0"/>
-                            </p:stCondLst>
-                            <p:childTnLst>
-                              <p:par>
-                                <p:cTn id="5" presetID="1" presetClass="entr" presetSubtype="0" fill="hold" grpId="0" nodeType="clickEffect">
-                                  <p:stCondLst>
-                                    <p:cond delay="0"/>
-                                  </p:stCondLst>
-                                  <p:childTnLst>
-                                    <p:set>
-                                      <p:cBhvr>
-                                        <p:cTn id="6" dur="1" fill="hold">
-                                          <p:stCondLst>
-                                            <p:cond delay="0"/>
-                                          </p:stCondLst>
-                                        </p:cTn>
-                                        <p:tgtEl>
-                                          <p:spTgt spid="22"/>
-                                        </p:tgtEl>
-                                        <p:attrNameLst>
-                                          <p:attrName>style.visibility</p:attrName>
-                                        </p:attrNameLst>
-                                      </p:cBhvr>
-                                      <p:to>
-                                        <p:strVal val="visible"/>
-                                      </p:to>
-                                    </p:set>
-                                  </p:childTnLst>
-                                </p:cTn>
-                              </p:par>
-                              <p:par>
-                                <p:cTn id="7" presetID="1" presetClass="entr" presetSubtype="0" fill="hold" grpId="0" nodeType="withEffect">
-                                  <p:stCondLst>
-                                    <p:cond delay="0"/>
-                                  </p:stCondLst>
-                                  <p:childTnLst>
-                                    <p:set>
-                                      <p:cBhvr>
-                                        <p:cTn id="8" dur="1" fill="hold">
-                                          <p:stCondLst>
-                                            <p:cond delay="0"/>
-                                          </p:stCondLst>
-                                        </p:cTn>
-                                        <p:tgtEl>
-                                          <p:spTgt spid="31"/>
-                                        </p:tgtEl>
-                                        <p:attrNameLst>
-                                          <p:attrName>style.visibility</p:attrName>
-                                        </p:attrNameLst>
-                                      </p:cBhvr>
-                                      <p:to>
-                                        <p:strVal val="visible"/>
-                                      </p:to>
-                                    </p:set>
-                                  </p:childTnLst>
-                                </p:cTn>
-                              </p:par>
-                              <p:par>
-                                <p:cTn id="9" presetID="1" presetClass="entr" presetSubtype="0" fill="hold" grpId="0" nodeType="withEffect">
-                                  <p:stCondLst>
-                                    <p:cond delay="0"/>
-                                  </p:stCondLst>
-                                  <p:childTnLst>
-                                    <p:set>
-                                      <p:cBhvr>
-                                        <p:cTn id="10" dur="1" fill="hold">
-                                          <p:stCondLst>
-                                            <p:cond delay="0"/>
-                                          </p:stCondLst>
-                                        </p:cTn>
-                                        <p:tgtEl>
-                                          <p:spTgt spid="27"/>
-                                        </p:tgtEl>
-                                        <p:attrNameLst>
-                                          <p:attrName>style.visibility</p:attrName>
-                                        </p:attrNameLst>
-                                      </p:cBhvr>
-                                      <p:to>
-                                        <p:strVal val="visible"/>
-                                      </p:to>
-                                    </p:set>
-                                  </p:childTnLst>
-                                </p:cTn>
-                              </p:par>
-                              <p:par>
-                                <p:cTn id="11" presetID="1" presetClass="entr" presetSubtype="0" fill="hold" grpId="0" nodeType="withEffect">
-                                  <p:stCondLst>
-                                    <p:cond delay="0"/>
-                                  </p:stCondLst>
-                                  <p:childTnLst>
-                                    <p:set>
-                                      <p:cBhvr>
-                                        <p:cTn id="12" dur="1" fill="hold">
-                                          <p:stCondLst>
-                                            <p:cond delay="0"/>
-                                          </p:stCondLst>
-                                        </p:cTn>
-                                        <p:tgtEl>
-                                          <p:spTgt spid="25"/>
-                                        </p:tgtEl>
-                                        <p:attrNameLst>
-                                          <p:attrName>style.visibility</p:attrName>
-                                        </p:attrNameLst>
-                                      </p:cBhvr>
-                                      <p:to>
-                                        <p:strVal val="visible"/>
-                                      </p:to>
-                                    </p:set>
-                                  </p:childTnLst>
-                                </p:cTn>
-                              </p:par>
-                            </p:childTnLst>
-                          </p:cTn>
-                        </p:par>
-                      </p:childTnLst>
-                    </p:cTn>
-                  </p:par>
-                  <p:par>
-                    <p:cTn id="13" fill="hold">
-                      <p:stCondLst>
-                        <p:cond delay="indefinite"/>
-                      </p:stCondLst>
-                      <p:childTnLst>
-                        <p:par>
-                          <p:cTn id="14" fill="hold">
-                            <p:stCondLst>
-                              <p:cond delay="0"/>
-                            </p:stCondLst>
-                            <p:childTnLst>
-                              <p:par>
-                                <p:cTn id="15" presetID="1" presetClass="entr" presetSubtype="0" fill="hold" nodeType="clickEffect">
-                                  <p:stCondLst>
-                                    <p:cond delay="0"/>
-                                  </p:stCondLst>
-                                  <p:childTnLst>
-                                    <p:set>
-                                      <p:cBhvr>
-                                        <p:cTn id="16" dur="1" fill="hold">
-                                          <p:stCondLst>
-                                            <p:cond delay="0"/>
-                                          </p:stCondLst>
-                                        </p:cTn>
-                                        <p:tgtEl>
-                                          <p:spTgt spid="33"/>
-                                        </p:tgtEl>
-                                        <p:attrNameLst>
-                                          <p:attrName>style.visibility</p:attrName>
-                                        </p:attrNameLst>
-                                      </p:cBhvr>
-                                      <p:to>
-                                        <p:strVal val="visible"/>
-                                      </p:to>
-                                    </p:set>
-                                  </p:childTnLst>
-                                </p:cTn>
-                              </p:par>
-                              <p:par>
-                                <p:cTn id="17" presetID="1" presetClass="entr" presetSubtype="0" fill="hold" nodeType="withEffect">
-                                  <p:stCondLst>
-                                    <p:cond delay="0"/>
-                                  </p:stCondLst>
-                                  <p:childTnLst>
-                                    <p:set>
-                                      <p:cBhvr>
-                                        <p:cTn id="18" dur="1" fill="hold">
-                                          <p:stCondLst>
-                                            <p:cond delay="0"/>
-                                          </p:stCondLst>
-                                        </p:cTn>
-                                        <p:tgtEl>
-                                          <p:spTgt spid="34"/>
-                                        </p:tgtEl>
-                                        <p:attrNameLst>
-                                          <p:attrName>style.visibility</p:attrName>
-                                        </p:attrNameLst>
-                                      </p:cBhvr>
-                                      <p:to>
-                                        <p:strVal val="visible"/>
-                                      </p:to>
-                                    </p:set>
-                                  </p:childTnLst>
-                                </p:cTn>
-                              </p:par>
-                            </p:childTnLst>
-                          </p:cTn>
-                        </p:par>
-                      </p:childTnLst>
-                    </p:cTn>
-                  </p:par>
-                  <p:par>
-                    <p:cTn id="19" fill="hold">
-                      <p:stCondLst>
-                        <p:cond delay="indefinite"/>
-                      </p:stCondLst>
-                      <p:childTnLst>
-                        <p:par>
-                          <p:cTn id="20" fill="hold">
-                            <p:stCondLst>
-                              <p:cond delay="0"/>
-                            </p:stCondLst>
-                            <p:childTnLst>
-                              <p:par>
-                                <p:cTn id="21" presetID="1" presetClass="entr" presetSubtype="0" fill="hold" grpId="0" nodeType="clickEffect">
-                                  <p:stCondLst>
-                                    <p:cond delay="0"/>
-                                  </p:stCondLst>
-                                  <p:childTnLst>
-                                    <p:set>
-                                      <p:cBhvr>
-                                        <p:cTn id="22" dur="1" fill="hold">
-                                          <p:stCondLst>
-                                            <p:cond delay="0"/>
-                                          </p:stCondLst>
-                                        </p:cTn>
-                                        <p:tgtEl>
-                                          <p:spTgt spid="32"/>
-                                        </p:tgtEl>
-                                        <p:attrNameLst>
-                                          <p:attrName>style.visibility</p:attrName>
-                                        </p:attrNameLst>
-                                      </p:cBhvr>
-                                      <p:to>
-                                        <p:strVal val="visible"/>
-                                      </p:to>
-                                    </p:set>
-                                  </p:childTnLst>
-                                </p:cTn>
-                              </p:par>
-                              <p:par>
-                                <p:cTn id="23" presetID="1" presetClass="entr" presetSubtype="0" fill="hold" grpId="0" nodeType="withEffect">
-                                  <p:stCondLst>
-                                    <p:cond delay="0"/>
-                                  </p:stCondLst>
-                                  <p:childTnLst>
-                                    <p:set>
-                                      <p:cBhvr>
-                                        <p:cTn id="24" dur="1" fill="hold">
-                                          <p:stCondLst>
-                                            <p:cond delay="0"/>
-                                          </p:stCondLst>
-                                        </p:cTn>
-                                        <p:tgtEl>
-                                          <p:spTgt spid="23"/>
-                                        </p:tgtEl>
-                                        <p:attrNameLst>
-                                          <p:attrName>style.visibility</p:attrName>
-                                        </p:attrNameLst>
-                                      </p:cBhvr>
-                                      <p:to>
-                                        <p:strVal val="visible"/>
-                                      </p:to>
-                                    </p:set>
-                                  </p:childTnLst>
-                                </p:cTn>
-                              </p:par>
-                              <p:par>
-                                <p:cTn id="25" presetID="1" presetClass="entr" presetSubtype="0" fill="hold" grpId="0" nodeType="withEffect">
-                                  <p:stCondLst>
-                                    <p:cond delay="0"/>
-                                  </p:stCondLst>
-                                  <p:childTnLst>
-                                    <p:set>
-                                      <p:cBhvr>
-                                        <p:cTn id="26" dur="1" fill="hold">
-                                          <p:stCondLst>
-                                            <p:cond delay="0"/>
-                                          </p:stCondLst>
-                                        </p:cTn>
-                                        <p:tgtEl>
-                                          <p:spTgt spid="29"/>
-                                        </p:tgtEl>
-                                        <p:attrNameLst>
-                                          <p:attrName>style.visibility</p:attrName>
-                                        </p:attrNameLst>
-                                      </p:cBhvr>
-                                      <p:to>
-                                        <p:strVal val="visible"/>
-                                      </p:to>
-                                    </p:set>
-                                  </p:childTnLst>
-                                </p:cTn>
-                              </p:par>
-                              <p:par>
-                                <p:cTn id="27" presetID="1" presetClass="entr" presetSubtype="0" fill="hold" grpId="0" nodeType="withEffect">
-                                  <p:stCondLst>
-                                    <p:cond delay="0"/>
-                                  </p:stCondLst>
-                                  <p:childTnLst>
-                                    <p:set>
-                                      <p:cBhvr>
-                                        <p:cTn id="28" dur="1" fill="hold">
-                                          <p:stCondLst>
-                                            <p:cond delay="0"/>
-                                          </p:stCondLst>
-                                        </p:cTn>
-                                        <p:tgtEl>
-                                          <p:spTgt spid="28"/>
-                                        </p:tgtEl>
-                                        <p:attrNameLst>
-                                          <p:attrName>style.visibility</p:attrName>
-                                        </p:attrNameLst>
-                                      </p:cBhvr>
-                                      <p:to>
-                                        <p:strVal val="visible"/>
-                                      </p:to>
-                                    </p:set>
-                                  </p:childTnLst>
-                                </p:cTn>
-                              </p:par>
-                            </p:childTnLst>
-                          </p:cTn>
-                        </p:par>
-                      </p:childTnLst>
-                    </p:cTn>
-                  </p:par>
-                </p:childTnLst>
-              </p:cTn>
-              <p:prevCondLst>
-                <p:cond evt="onPrev" delay="0">
-                  <p:tgtEl>
-                    <p:sldTgt/>
-                  </p:tgtEl>
-                </p:cond>
-              </p:prevCondLst>
-              <p:nextCondLst>
-                <p:cond evt="onNext" delay="0">
-                  <p:tgtEl>
-                    <p:sldTgt/>
-                  </p:tgtEl>
-                </p:cond>
-              </p:nextCondLst>
-            </p:seq>
-          </p:childTnLst>
-        </p:cTn>
-      </p:par>
-    </p:tnLst>
-    <p:bldLst>
-      <p:bldP spid="22" grpId="0" animBg="1"/>
-      <p:bldP spid="23" grpId="0" animBg="1"/>
-      <p:bldP spid="25" grpId="0"/>
-      <p:bldP spid="27" grpId="0"/>
-      <p:bldP spid="28" grpId="0"/>
-      <p:bldP spid="29" grpId="0"/>
-      <p:bldP spid="31" grpId="0"/>
-      <p:bldP spid="32" grpId="0"/>
-    </p:bldLst>
-  </p:timing>
-</p:sld>
-</file>
-
-<file path=ppt/slides/slide7.xml><?xml version="1.0" encoding="utf-8"?>
-<p:sld xmlns:a="http://schemas.openxmlformats.org/drawingml/2006/main" xmlns:r="http://schemas.openxmlformats.org/officeDocument/2006/relationships" xmlns:p="http://schemas.openxmlformats.org/presentationml/2006/main">
-  <p:cSld>
-    <p:spTree>
-      <p:nvGrpSpPr>
-        <p:cNvPr id="1" name=""/>
-        <p:cNvGrpSpPr/>
-        <p:nvPr/>
-      </p:nvGrpSpPr>
-      <p:grpSpPr>
-        <a:xfrm>
-          <a:off x="0" y="0"/>
-          <a:ext cx="0" cy="0"/>
-          <a:chOff x="0" y="0"/>
-          <a:chExt cx="0" cy="0"/>
-        </a:xfrm>
-      </p:grpSpPr>
-      <p:sp>
-        <p:nvSpPr>
-          <p:cNvPr id="11" name="Rectangle 2"/>
-          <p:cNvSpPr txBox="1">
-            <a:spLocks noChangeArrowheads="1"/>
-          </p:cNvSpPr>
-          <p:nvPr/>
-        </p:nvSpPr>
-        <p:spPr>
-          <a:xfrm>
-            <a:off x="1486093" y="59889"/>
-            <a:ext cx="6173004" cy="475059"/>
-          </a:xfrm>
-          <a:prstGeom prst="rect">
-            <a:avLst/>
-          </a:prstGeom>
-        </p:spPr>
-        <p:txBody>
-          <a:bodyPr vert="horz" lIns="68573" tIns="34286" rIns="68573" bIns="34286" rtlCol="0" anchor="ctr">
-            <a:normAutofit fontScale="97500"/>
-          </a:bodyPr>
-          <a:lstStyle>
-            <a:lvl1pPr algn="ctr" defTabSz="914400" rtl="0" eaLnBrk="1" latinLnBrk="0" hangingPunct="1">
-              <a:spcBef>
-                <a:spcPct val="0"/>
-              </a:spcBef>
-              <a:buNone/>
-              <a:defRPr sz="4400" kern="1200">
-                <a:solidFill>
-                  <a:schemeClr val="tx1"/>
-                </a:solidFill>
-                <a:latin typeface="+mj-lt"/>
-                <a:ea typeface="+mj-ea"/>
-                <a:cs typeface="+mj-cs"/>
-              </a:defRPr>
-            </a:lvl1pPr>
-          </a:lstStyle>
-          <a:p>
-            <a:r>
-              <a:rPr lang="en-AU" altLang="zh-TW" sz="2700" dirty="0">
-                <a:ea typeface="新細明體" charset="0"/>
-              </a:rPr>
-              <a:t>External data : target prediction algorithms</a:t>
-            </a:r>
-            <a:endParaRPr lang="en-US" altLang="zh-TW" sz="2700" dirty="0">
-              <a:ea typeface="新細明體" charset="0"/>
-            </a:endParaRPr>
-          </a:p>
-        </p:txBody>
-      </p:sp>
-      <p:sp>
-        <p:nvSpPr>
-          <p:cNvPr id="12" name="Content Placeholder 2"/>
-          <p:cNvSpPr>
-            <a:spLocks/>
-          </p:cNvSpPr>
-          <p:nvPr/>
-        </p:nvSpPr>
-        <p:spPr bwMode="auto">
-          <a:xfrm>
-            <a:off x="26197" y="862013"/>
-            <a:ext cx="4603556" cy="4086225"/>
-          </a:xfrm>
-          <a:prstGeom prst="rect">
-            <a:avLst/>
-          </a:prstGeom>
-          <a:noFill/>
-          <a:ln>
-            <a:noFill/>
-          </a:ln>
-          <a:extLst>
-            <a:ext uri="{909E8E84-426E-40DD-AFC4-6F175D3DCCD1}">
-              <a14:hiddenFill xmlns:a14="http://schemas.microsoft.com/office/drawing/2010/main">
-                <a:solidFill>
-                  <a:srgbClr val="FFFFFF"/>
-                </a:solidFill>
-              </a14:hiddenFill>
-            </a:ext>
-            <a:ext uri="{91240B29-F687-4F45-9708-019B960494DF}">
-              <a14:hiddenLine xmlns:a14="http://schemas.microsoft.com/office/drawing/2010/main" w="9525">
-                <a:solidFill>
-                  <a:srgbClr val="000000"/>
-                </a:solidFill>
-                <a:miter lim="800000"/>
-                <a:headEnd/>
-                <a:tailEnd/>
-              </a14:hiddenLine>
-            </a:ext>
-          </a:extLst>
-        </p:spPr>
-        <p:txBody>
-          <a:bodyPr lIns="68573" tIns="34286" rIns="68573" bIns="34286"/>
-          <a:lstStyle/>
-          <a:p>
-            <a:pPr marL="271436" indent="-271436">
-              <a:spcBef>
-                <a:spcPct val="20000"/>
-              </a:spcBef>
-              <a:buFont typeface="Calibri" charset="0"/>
-              <a:buChar char="•"/>
-            </a:pPr>
-            <a:r>
-              <a:rPr lang="en-AU" sz="2000" dirty="0" smtClean="0"/>
-              <a:t>Several </a:t>
-            </a:r>
-            <a:r>
-              <a:rPr lang="en-AU" sz="2000" dirty="0"/>
-              <a:t>computational microRNA-target prediction algorithms have been developed e.g. </a:t>
-            </a:r>
-            <a:r>
-              <a:rPr lang="en-AU" sz="2000" dirty="0" err="1"/>
-              <a:t>TargetScan</a:t>
-            </a:r>
-            <a:r>
-              <a:rPr lang="en-AU" sz="2000" dirty="0"/>
-              <a:t>, </a:t>
-            </a:r>
-            <a:r>
-              <a:rPr lang="en-AU" sz="2000" dirty="0" err="1"/>
-              <a:t>PicTar</a:t>
-            </a:r>
-            <a:r>
-              <a:rPr lang="en-AU" sz="2000" dirty="0"/>
-              <a:t>, </a:t>
-            </a:r>
-            <a:r>
-              <a:rPr lang="en-AU" sz="2000" dirty="0" err="1"/>
-              <a:t>microCosm</a:t>
-            </a:r>
-            <a:r>
-              <a:rPr lang="en-AU" sz="2000" dirty="0"/>
-              <a:t> (based on </a:t>
-            </a:r>
-            <a:r>
-              <a:rPr lang="en-AU" sz="2000" dirty="0" err="1"/>
-              <a:t>miRanda</a:t>
-            </a:r>
-            <a:r>
-              <a:rPr lang="en-AU" sz="2000" dirty="0"/>
-              <a:t>), and </a:t>
-            </a:r>
-            <a:r>
-              <a:rPr lang="en-AU" sz="2000" dirty="0" err="1"/>
-              <a:t>TargetMiner</a:t>
-            </a:r>
-            <a:endParaRPr lang="en-AU" sz="2000" dirty="0"/>
-          </a:p>
-          <a:p>
-            <a:pPr marL="271436" indent="-271436">
-              <a:spcBef>
-                <a:spcPct val="20000"/>
-              </a:spcBef>
-              <a:buFontTx/>
-              <a:buChar char="•"/>
-            </a:pPr>
-            <a:endParaRPr lang="en-AU" sz="2000" dirty="0"/>
-          </a:p>
-          <a:p>
-            <a:pPr marL="271436" indent="-271436">
-              <a:spcBef>
-                <a:spcPct val="20000"/>
-              </a:spcBef>
-              <a:buFontTx/>
-              <a:buChar char="•"/>
-            </a:pPr>
-            <a:r>
-              <a:rPr lang="en-AU" sz="2000" dirty="0"/>
-              <a:t>Large variations in results obtained using different algorithms</a:t>
-            </a:r>
-          </a:p>
-          <a:p>
-            <a:pPr marL="271436" indent="-271436">
-              <a:spcBef>
-                <a:spcPct val="20000"/>
-              </a:spcBef>
-              <a:buFontTx/>
-              <a:buChar char="•"/>
-            </a:pPr>
-            <a:endParaRPr lang="en-AU" sz="2000" dirty="0"/>
-          </a:p>
-          <a:p>
-            <a:pPr marL="271436" indent="-271436">
-              <a:spcBef>
-                <a:spcPct val="20000"/>
-              </a:spcBef>
-              <a:buFontTx/>
-              <a:buChar char="•"/>
-            </a:pPr>
-            <a:r>
-              <a:rPr lang="en-AU" sz="2000" dirty="0"/>
-              <a:t>Most widely used approach combines the results from multiple target prediction algorithms</a:t>
-            </a:r>
-            <a:endParaRPr lang="en-AU" sz="2000" dirty="0">
-              <a:cs typeface="Arial" charset="0"/>
-            </a:endParaRPr>
-          </a:p>
-        </p:txBody>
-      </p:sp>
-      <p:pic>
-        <p:nvPicPr>
-          <p:cNvPr id="13" name="Picture 5" descr="MicroCosm"/>
-          <p:cNvPicPr>
-            <a:picLocks noChangeAspect="1" noChangeArrowheads="1"/>
-          </p:cNvPicPr>
-          <p:nvPr/>
-        </p:nvPicPr>
-        <p:blipFill>
-          <a:blip r:embed="rId2" cstate="print">
-            <a:extLst>
-              <a:ext uri="{28A0092B-C50C-407E-A947-70E740481C1C}">
-                <a14:useLocalDpi xmlns:a14="http://schemas.microsoft.com/office/drawing/2010/main" val="0"/>
-              </a:ext>
-            </a:extLst>
-          </a:blip>
-          <a:srcRect/>
-          <a:stretch>
-            <a:fillRect/>
-          </a:stretch>
-        </p:blipFill>
-        <p:spPr bwMode="auto">
-          <a:xfrm>
-            <a:off x="5764027" y="534948"/>
-            <a:ext cx="3113795" cy="2225252"/>
-          </a:xfrm>
-          <a:prstGeom prst="rect">
-            <a:avLst/>
-          </a:prstGeom>
-          <a:noFill/>
-          <a:ln>
-            <a:noFill/>
-          </a:ln>
-          <a:extLst>
-            <a:ext uri="{909E8E84-426E-40DD-AFC4-6F175D3DCCD1}">
-              <a14:hiddenFill xmlns:a14="http://schemas.microsoft.com/office/drawing/2010/main">
-                <a:solidFill>
-                  <a:srgbClr val="FFFFFF"/>
-                </a:solidFill>
-              </a14:hiddenFill>
-            </a:ext>
-            <a:ext uri="{91240B29-F687-4F45-9708-019B960494DF}">
-              <a14:hiddenLine xmlns:a14="http://schemas.microsoft.com/office/drawing/2010/main" w="9525">
-                <a:solidFill>
-                  <a:srgbClr val="000000"/>
-                </a:solidFill>
-                <a:miter lim="800000"/>
-                <a:headEnd/>
-                <a:tailEnd/>
-              </a14:hiddenLine>
-            </a:ext>
-          </a:extLst>
-        </p:spPr>
-      </p:pic>
-      <p:pic>
-        <p:nvPicPr>
-          <p:cNvPr id="14" name="Picture 6" descr="TSS"/>
-          <p:cNvPicPr>
-            <a:picLocks noChangeAspect="1" noChangeArrowheads="1"/>
-          </p:cNvPicPr>
-          <p:nvPr/>
-        </p:nvPicPr>
-        <p:blipFill>
-          <a:blip r:embed="rId3" cstate="print">
-            <a:extLst>
-              <a:ext uri="{28A0092B-C50C-407E-A947-70E740481C1C}">
-                <a14:useLocalDpi xmlns:a14="http://schemas.microsoft.com/office/drawing/2010/main" val="0"/>
-              </a:ext>
-            </a:extLst>
-          </a:blip>
-          <a:srcRect/>
-          <a:stretch>
-            <a:fillRect/>
-          </a:stretch>
-        </p:blipFill>
-        <p:spPr bwMode="auto">
-          <a:xfrm>
-            <a:off x="5764028" y="2606663"/>
-            <a:ext cx="3113794" cy="2225253"/>
-          </a:xfrm>
-          <a:prstGeom prst="rect">
-            <a:avLst/>
-          </a:prstGeom>
-          <a:noFill/>
-          <a:ln>
-            <a:noFill/>
-          </a:ln>
-          <a:extLst>
-            <a:ext uri="{909E8E84-426E-40DD-AFC4-6F175D3DCCD1}">
-              <a14:hiddenFill xmlns:a14="http://schemas.microsoft.com/office/drawing/2010/main">
-                <a:solidFill>
-                  <a:srgbClr val="FFFFFF"/>
-                </a:solidFill>
-              </a14:hiddenFill>
-            </a:ext>
-            <a:ext uri="{91240B29-F687-4F45-9708-019B960494DF}">
-              <a14:hiddenLine xmlns:a14="http://schemas.microsoft.com/office/drawing/2010/main" w="9525">
-                <a:solidFill>
-                  <a:srgbClr val="000000"/>
-                </a:solidFill>
-                <a:miter lim="800000"/>
-                <a:headEnd/>
-                <a:tailEnd/>
-              </a14:hiddenLine>
-            </a:ext>
-          </a:extLst>
-        </p:spPr>
-      </p:pic>
-      <p:sp>
-        <p:nvSpPr>
-          <p:cNvPr id="15" name="TextBox 14"/>
-          <p:cNvSpPr txBox="1"/>
-          <p:nvPr/>
-        </p:nvSpPr>
-        <p:spPr>
-          <a:xfrm>
-            <a:off x="4651320" y="2760200"/>
-            <a:ext cx="1134274" cy="288533"/>
-          </a:xfrm>
-          <a:prstGeom prst="rect">
-            <a:avLst/>
-          </a:prstGeom>
-        </p:spPr>
-        <p:style>
-          <a:lnRef idx="1">
-            <a:schemeClr val="accent5"/>
-          </a:lnRef>
-          <a:fillRef idx="3">
-            <a:schemeClr val="accent5"/>
-          </a:fillRef>
-          <a:effectRef idx="2">
-            <a:schemeClr val="accent5"/>
-          </a:effectRef>
-          <a:fontRef idx="minor">
-            <a:schemeClr val="lt1"/>
-          </a:fontRef>
-        </p:style>
-        <p:txBody>
-          <a:bodyPr wrap="square" lIns="68573" tIns="34286" rIns="68573" bIns="34286" rtlCol="0">
-            <a:spAutoFit/>
-          </a:bodyPr>
-          <a:lstStyle/>
-          <a:p>
-            <a:r>
-              <a:rPr kumimoji="1" lang="en-AU" altLang="zh-TW" dirty="0" err="1" smtClean="0"/>
-              <a:t>TargetScan</a:t>
-            </a:r>
-            <a:endParaRPr kumimoji="1" lang="zh-TW" altLang="en-US" dirty="0"/>
-          </a:p>
-        </p:txBody>
-      </p:sp>
-      <p:sp>
-        <p:nvSpPr>
-          <p:cNvPr id="16" name="TextBox 15"/>
-          <p:cNvSpPr txBox="1"/>
-          <p:nvPr/>
-        </p:nvSpPr>
-        <p:spPr>
-          <a:xfrm>
-            <a:off x="4651320" y="871868"/>
-            <a:ext cx="1134274" cy="288533"/>
-          </a:xfrm>
-          <a:prstGeom prst="rect">
-            <a:avLst/>
-          </a:prstGeom>
-        </p:spPr>
-        <p:style>
-          <a:lnRef idx="1">
-            <a:schemeClr val="accent5"/>
-          </a:lnRef>
-          <a:fillRef idx="3">
-            <a:schemeClr val="accent5"/>
-          </a:fillRef>
-          <a:effectRef idx="2">
-            <a:schemeClr val="accent5"/>
-          </a:effectRef>
-          <a:fontRef idx="minor">
-            <a:schemeClr val="lt1"/>
-          </a:fontRef>
-        </p:style>
-        <p:txBody>
-          <a:bodyPr wrap="square" lIns="68573" tIns="34286" rIns="68573" bIns="34286" rtlCol="0">
-            <a:spAutoFit/>
-          </a:bodyPr>
-          <a:lstStyle/>
-          <a:p>
-            <a:r>
-              <a:rPr lang="en-AU" altLang="zh-TW" dirty="0" err="1" smtClean="0"/>
-              <a:t>microCosm</a:t>
-            </a:r>
-            <a:endParaRPr kumimoji="1" lang="zh-TW" altLang="en-US" dirty="0"/>
-          </a:p>
-        </p:txBody>
-      </p:sp>
-      <p:sp>
-        <p:nvSpPr>
-          <p:cNvPr id="18" name="TextBox 17"/>
-          <p:cNvSpPr txBox="1"/>
-          <p:nvPr/>
-        </p:nvSpPr>
-        <p:spPr>
-          <a:xfrm>
-            <a:off x="6248399" y="4658122"/>
-            <a:ext cx="2400821" cy="284685"/>
-          </a:xfrm>
-          <a:prstGeom prst="rect">
-            <a:avLst/>
-          </a:prstGeom>
-          <a:solidFill>
-            <a:schemeClr val="bg1"/>
-          </a:solidFill>
-        </p:spPr>
-        <p:txBody>
-          <a:bodyPr wrap="square" lIns="68573" tIns="34286" rIns="68573" bIns="34286" rtlCol="0">
-            <a:spAutoFit/>
-          </a:bodyPr>
-          <a:lstStyle/>
-          <a:p>
-            <a:r>
-              <a:rPr lang="en-AU" dirty="0"/>
-              <a:t>Number of Targets per </a:t>
-            </a:r>
-            <a:r>
-              <a:rPr lang="en-AU" dirty="0" err="1"/>
-              <a:t>miRNA</a:t>
-            </a:r>
-            <a:endParaRPr lang="en-AU" dirty="0"/>
-          </a:p>
-        </p:txBody>
-      </p:sp>
-      <p:sp>
-        <p:nvSpPr>
-          <p:cNvPr id="10" name="TextBox 9"/>
-          <p:cNvSpPr txBox="1"/>
-          <p:nvPr/>
-        </p:nvSpPr>
-        <p:spPr>
-          <a:xfrm>
-            <a:off x="6248400" y="2574927"/>
-            <a:ext cx="2400821" cy="284685"/>
-          </a:xfrm>
-          <a:prstGeom prst="rect">
-            <a:avLst/>
-          </a:prstGeom>
-          <a:solidFill>
-            <a:schemeClr val="bg1"/>
-          </a:solidFill>
-        </p:spPr>
-        <p:txBody>
-          <a:bodyPr wrap="square" lIns="68573" tIns="34286" rIns="68573" bIns="34286" rtlCol="0">
-            <a:spAutoFit/>
-          </a:bodyPr>
-          <a:lstStyle/>
-          <a:p>
-            <a:r>
-              <a:rPr lang="en-AU" dirty="0"/>
-              <a:t>Number of Targets per </a:t>
-            </a:r>
-            <a:r>
-              <a:rPr lang="en-AU" dirty="0" err="1"/>
-              <a:t>miRNA</a:t>
-            </a:r>
-            <a:endParaRPr lang="en-AU" dirty="0"/>
-          </a:p>
-        </p:txBody>
-      </p:sp>
-    </p:spTree>
-    <p:extLst>
-      <p:ext uri="{BB962C8B-B14F-4D97-AF65-F5344CB8AC3E}">
-        <p14:creationId xmlns:p14="http://schemas.microsoft.com/office/powerpoint/2010/main" val="1844022216"/>
-      </p:ext>
-    </p:extLst>
-  </p:cSld>
-  <p:clrMapOvr>
-    <a:masterClrMapping/>
-  </p:clrMapOvr>
-  <p:timing>
-    <p:tnLst>
-      <p:par>
-        <p:cTn id="1" dur="indefinite" restart="never" nodeType="tmRoot">
-          <p:childTnLst>
-            <p:seq concurrent="1" nextAc="seek">
-              <p:cTn id="2" dur="indefinite" nodeType="mainSeq">
-                <p:childTnLst>
-                  <p:par>
-                    <p:cTn id="3" fill="hold">
-                      <p:stCondLst>
-                        <p:cond delay="indefinite"/>
-                        <p:cond evt="onBegin" delay="0">
-                          <p:tn val="2"/>
-                        </p:cond>
-                      </p:stCondLst>
-                      <p:childTnLst>
-                        <p:par>
-                          <p:cTn id="4" fill="hold">
-                            <p:stCondLst>
-                              <p:cond delay="0"/>
-                            </p:stCondLst>
-                            <p:childTnLst>
-                              <p:par>
-                                <p:cTn id="5" presetID="1" presetClass="entr" presetSubtype="0" fill="hold" nodeType="withEffect">
-                                  <p:stCondLst>
-                                    <p:cond delay="0"/>
-                                  </p:stCondLst>
-                                  <p:childTnLst>
-                                    <p:set>
-                                      <p:cBhvr>
-                                        <p:cTn id="6" dur="1" fill="hold">
-                                          <p:stCondLst>
-                                            <p:cond delay="0"/>
-                                          </p:stCondLst>
-                                        </p:cTn>
-                                        <p:tgtEl>
-                                          <p:spTgt spid="12">
-                                            <p:txEl>
-                                              <p:pRg st="0" end="0"/>
-                                            </p:txEl>
-                                          </p:spTgt>
-                                        </p:tgtEl>
-                                        <p:attrNameLst>
-                                          <p:attrName>style.visibility</p:attrName>
-                                        </p:attrNameLst>
-                                      </p:cBhvr>
-                                      <p:to>
-                                        <p:strVal val="visible"/>
-                                      </p:to>
-                                    </p:set>
-                                  </p:childTnLst>
-                                </p:cTn>
-                              </p:par>
-                            </p:childTnLst>
-                          </p:cTn>
-                        </p:par>
-                      </p:childTnLst>
-                    </p:cTn>
-                  </p:par>
-                  <p:par>
-                    <p:cTn id="7" fill="hold">
-                      <p:stCondLst>
-                        <p:cond delay="indefinite"/>
-                      </p:stCondLst>
-                      <p:childTnLst>
-                        <p:par>
-                          <p:cTn id="8" fill="hold">
-                            <p:stCondLst>
-                              <p:cond delay="0"/>
-                            </p:stCondLst>
-                            <p:childTnLst>
-                              <p:par>
-                                <p:cTn id="9" presetID="1" presetClass="entr" presetSubtype="0" fill="hold" nodeType="clickEffect">
-                                  <p:stCondLst>
-                                    <p:cond delay="0"/>
-                                  </p:stCondLst>
-                                  <p:childTnLst>
-                                    <p:set>
-                                      <p:cBhvr>
-                                        <p:cTn id="10" dur="1" fill="hold">
-                                          <p:stCondLst>
-                                            <p:cond delay="0"/>
-                                          </p:stCondLst>
-                                        </p:cTn>
-                                        <p:tgtEl>
-                                          <p:spTgt spid="13"/>
-                                        </p:tgtEl>
-                                        <p:attrNameLst>
-                                          <p:attrName>style.visibility</p:attrName>
-                                        </p:attrNameLst>
-                                      </p:cBhvr>
-                                      <p:to>
-                                        <p:strVal val="visible"/>
-                                      </p:to>
-                                    </p:set>
-                                  </p:childTnLst>
-                                </p:cTn>
-                              </p:par>
-                              <p:par>
-                                <p:cTn id="11" presetID="1" presetClass="entr" presetSubtype="0" fill="hold" grpId="0" nodeType="withEffect">
-                                  <p:stCondLst>
-                                    <p:cond delay="0"/>
-                                  </p:stCondLst>
-                                  <p:childTnLst>
-                                    <p:set>
-                                      <p:cBhvr>
-                                        <p:cTn id="12" dur="1" fill="hold">
-                                          <p:stCondLst>
-                                            <p:cond delay="0"/>
-                                          </p:stCondLst>
-                                        </p:cTn>
-                                        <p:tgtEl>
-                                          <p:spTgt spid="16"/>
-                                        </p:tgtEl>
-                                        <p:attrNameLst>
-                                          <p:attrName>style.visibility</p:attrName>
-                                        </p:attrNameLst>
-                                      </p:cBhvr>
-                                      <p:to>
-                                        <p:strVal val="visible"/>
-                                      </p:to>
-                                    </p:set>
-                                  </p:childTnLst>
-                                </p:cTn>
-                              </p:par>
-                              <p:par>
-                                <p:cTn id="13" presetID="1" presetClass="entr" presetSubtype="0" fill="hold" grpId="0" nodeType="withEffect">
-                                  <p:stCondLst>
-                                    <p:cond delay="0"/>
-                                  </p:stCondLst>
-                                  <p:childTnLst>
-                                    <p:set>
-                                      <p:cBhvr>
-                                        <p:cTn id="14" dur="1" fill="hold">
-                                          <p:stCondLst>
-                                            <p:cond delay="0"/>
-                                          </p:stCondLst>
-                                        </p:cTn>
-                                        <p:tgtEl>
-                                          <p:spTgt spid="15"/>
-                                        </p:tgtEl>
-                                        <p:attrNameLst>
-                                          <p:attrName>style.visibility</p:attrName>
-                                        </p:attrNameLst>
-                                      </p:cBhvr>
-                                      <p:to>
-                                        <p:strVal val="visible"/>
-                                      </p:to>
-                                    </p:set>
-                                  </p:childTnLst>
-                                </p:cTn>
-                              </p:par>
-                              <p:par>
-                                <p:cTn id="15" presetID="1" presetClass="entr" presetSubtype="0" fill="hold" nodeType="withEffect">
-                                  <p:stCondLst>
-                                    <p:cond delay="0"/>
-                                  </p:stCondLst>
-                                  <p:childTnLst>
-                                    <p:set>
-                                      <p:cBhvr>
-                                        <p:cTn id="16" dur="1" fill="hold">
-                                          <p:stCondLst>
-                                            <p:cond delay="0"/>
-                                          </p:stCondLst>
-                                        </p:cTn>
-                                        <p:tgtEl>
-                                          <p:spTgt spid="14"/>
-                                        </p:tgtEl>
-                                        <p:attrNameLst>
-                                          <p:attrName>style.visibility</p:attrName>
-                                        </p:attrNameLst>
-                                      </p:cBhvr>
-                                      <p:to>
-                                        <p:strVal val="visible"/>
-                                      </p:to>
-                                    </p:set>
-                                  </p:childTnLst>
-                                </p:cTn>
-                              </p:par>
-                              <p:par>
-                                <p:cTn id="17" presetID="1" presetClass="entr" presetSubtype="0" fill="hold" grpId="0" nodeType="withEffect">
-                                  <p:stCondLst>
-                                    <p:cond delay="0"/>
-                                  </p:stCondLst>
-                                  <p:childTnLst>
-                                    <p:set>
-                                      <p:cBhvr>
-                                        <p:cTn id="18" dur="1" fill="hold">
-                                          <p:stCondLst>
-                                            <p:cond delay="0"/>
-                                          </p:stCondLst>
-                                        </p:cTn>
-                                        <p:tgtEl>
-                                          <p:spTgt spid="18"/>
-                                        </p:tgtEl>
-                                        <p:attrNameLst>
-                                          <p:attrName>style.visibility</p:attrName>
-                                        </p:attrNameLst>
-                                      </p:cBhvr>
-                                      <p:to>
-                                        <p:strVal val="visible"/>
-                                      </p:to>
-                                    </p:set>
-                                  </p:childTnLst>
-                                </p:cTn>
-                              </p:par>
-                              <p:par>
-                                <p:cTn id="19" presetID="1" presetClass="entr" presetSubtype="0" fill="hold" nodeType="withEffect">
-                                  <p:stCondLst>
-                                    <p:cond delay="0"/>
-                                  </p:stCondLst>
-                                  <p:childTnLst>
-                                    <p:set>
-                                      <p:cBhvr>
-                                        <p:cTn id="20" dur="1" fill="hold">
-                                          <p:stCondLst>
-                                            <p:cond delay="0"/>
-                                          </p:stCondLst>
-                                        </p:cTn>
-                                        <p:tgtEl>
-                                          <p:spTgt spid="12">
-                                            <p:txEl>
-                                              <p:pRg st="2" end="2"/>
-                                            </p:txEl>
-                                          </p:spTgt>
-                                        </p:tgtEl>
-                                        <p:attrNameLst>
-                                          <p:attrName>style.visibility</p:attrName>
-                                        </p:attrNameLst>
-                                      </p:cBhvr>
-                                      <p:to>
-                                        <p:strVal val="visible"/>
-                                      </p:to>
-                                    </p:set>
-                                  </p:childTnLst>
-                                </p:cTn>
-                              </p:par>
-                              <p:par>
-                                <p:cTn id="21" presetID="1" presetClass="entr" presetSubtype="0" fill="hold" grpId="0" nodeType="withEffect">
-                                  <p:stCondLst>
-                                    <p:cond delay="0"/>
-                                  </p:stCondLst>
-                                  <p:childTnLst>
-                                    <p:set>
-                                      <p:cBhvr>
-                                        <p:cTn id="22" dur="1" fill="hold">
-                                          <p:stCondLst>
-                                            <p:cond delay="0"/>
-                                          </p:stCondLst>
-                                        </p:cTn>
-                                        <p:tgtEl>
-                                          <p:spTgt spid="10"/>
-                                        </p:tgtEl>
-                                        <p:attrNameLst>
-                                          <p:attrName>style.visibility</p:attrName>
-                                        </p:attrNameLst>
-                                      </p:cBhvr>
-                                      <p:to>
-                                        <p:strVal val="visible"/>
-                                      </p:to>
-                                    </p:set>
-                                  </p:childTnLst>
-                                </p:cTn>
-                              </p:par>
-                            </p:childTnLst>
-                          </p:cTn>
-                        </p:par>
-                      </p:childTnLst>
-                    </p:cTn>
-                  </p:par>
-                  <p:par>
-                    <p:cTn id="23" fill="hold">
-                      <p:stCondLst>
-                        <p:cond delay="indefinite"/>
-                      </p:stCondLst>
-                      <p:childTnLst>
-                        <p:par>
-                          <p:cTn id="24" fill="hold">
-                            <p:stCondLst>
-                              <p:cond delay="0"/>
-                            </p:stCondLst>
-                            <p:childTnLst>
-                              <p:par>
-                                <p:cTn id="25" presetID="1" presetClass="entr" presetSubtype="0" fill="hold" nodeType="clickEffect">
-                                  <p:stCondLst>
-                                    <p:cond delay="0"/>
-                                  </p:stCondLst>
-                                  <p:childTnLst>
-                                    <p:set>
-                                      <p:cBhvr>
-                                        <p:cTn id="26" dur="1" fill="hold">
-                                          <p:stCondLst>
-                                            <p:cond delay="0"/>
-                                          </p:stCondLst>
-                                        </p:cTn>
-                                        <p:tgtEl>
-                                          <p:spTgt spid="12">
-                                            <p:txEl>
-                                              <p:pRg st="4" end="4"/>
-                                            </p:txEl>
-                                          </p:spTgt>
-                                        </p:tgtEl>
-                                        <p:attrNameLst>
-                                          <p:attrName>style.visibility</p:attrName>
-                                        </p:attrNameLst>
-                                      </p:cBhvr>
-                                      <p:to>
-                                        <p:strVal val="visible"/>
-                                      </p:to>
-                                    </p:set>
-                                  </p:childTnLst>
-                                </p:cTn>
-                              </p:par>
-                            </p:childTnLst>
-                          </p:cTn>
-                        </p:par>
-                      </p:childTnLst>
-                    </p:cTn>
-                  </p:par>
-                </p:childTnLst>
-              </p:cTn>
-              <p:prevCondLst>
-                <p:cond evt="onPrev" delay="0">
-                  <p:tgtEl>
-                    <p:sldTgt/>
-                  </p:tgtEl>
-                </p:cond>
-              </p:prevCondLst>
-              <p:nextCondLst>
-                <p:cond evt="onNext" delay="0">
-                  <p:tgtEl>
-                    <p:sldTgt/>
-                  </p:tgtEl>
-                </p:cond>
-              </p:nextCondLst>
-            </p:seq>
-          </p:childTnLst>
-        </p:cTn>
-      </p:par>
-    </p:tnLst>
-    <p:bldLst>
-      <p:bldP spid="15" grpId="0" animBg="1"/>
-      <p:bldP spid="16" grpId="0" animBg="1"/>
-      <p:bldP spid="18" grpId="0" animBg="1"/>
-      <p:bldP spid="10" grpId="0" animBg="1"/>
-    </p:bldLst>
-  </p:timing>
-</p:sld>
-</file>
-
-<file path=ppt/slides/slide8.xml><?xml version="1.0" encoding="utf-8"?>
-<p:sld xmlns:a="http://schemas.openxmlformats.org/drawingml/2006/main" xmlns:r="http://schemas.openxmlformats.org/officeDocument/2006/relationships" xmlns:p="http://schemas.openxmlformats.org/presentationml/2006/main">
-  <p:cSld>
-    <p:spTree>
-      <p:nvGrpSpPr>
-        <p:cNvPr id="1" name=""/>
-        <p:cNvGrpSpPr/>
-        <p:nvPr/>
-      </p:nvGrpSpPr>
-      <p:grpSpPr>
-        <a:xfrm>
-          <a:off x="0" y="0"/>
-          <a:ext cx="0" cy="0"/>
-          <a:chOff x="0" y="0"/>
-          <a:chExt cx="0" cy="0"/>
-        </a:xfrm>
-      </p:grpSpPr>
       <p:grpSp>
         <p:nvGrpSpPr>
           <p:cNvPr id="35" name="Group 34"/>
@@ -22979,7 +18885,7 @@
 </p:sld>
 </file>
 
-<file path=ppt/slides/slide9.xml><?xml version="1.0" encoding="utf-8"?>
+<file path=ppt/slides/slide7.xml><?xml version="1.0" encoding="utf-8"?>
 <p:sld xmlns:a="http://schemas.openxmlformats.org/drawingml/2006/main" xmlns:r="http://schemas.openxmlformats.org/officeDocument/2006/relationships" xmlns:p="http://schemas.openxmlformats.org/presentationml/2006/main">
   <p:cSld>
     <p:spTree>
@@ -23378,6 +19284,2144 @@
     <p:bldLst>
       <p:bldP spid="3" grpId="0" build="p"/>
     </p:bldLst>
+  </p:timing>
+</p:sld>
+</file>
+
+<file path=ppt/slides/slide8.xml><?xml version="1.0" encoding="utf-8"?>
+<p:sld xmlns:a="http://schemas.openxmlformats.org/drawingml/2006/main" xmlns:r="http://schemas.openxmlformats.org/officeDocument/2006/relationships" xmlns:p="http://schemas.openxmlformats.org/presentationml/2006/main">
+  <p:cSld>
+    <p:spTree>
+      <p:nvGrpSpPr>
+        <p:cNvPr id="1" name=""/>
+        <p:cNvGrpSpPr/>
+        <p:nvPr/>
+      </p:nvGrpSpPr>
+      <p:grpSpPr>
+        <a:xfrm>
+          <a:off x="0" y="0"/>
+          <a:ext cx="0" cy="0"/>
+          <a:chOff x="0" y="0"/>
+          <a:chExt cx="0" cy="0"/>
+        </a:xfrm>
+      </p:grpSpPr>
+      <p:cxnSp>
+        <p:nvCxnSpPr>
+          <p:cNvPr id="45" name="Straight Arrow Connector 44"/>
+          <p:cNvCxnSpPr/>
+          <p:nvPr/>
+        </p:nvCxnSpPr>
+        <p:spPr>
+          <a:xfrm flipV="1">
+            <a:off x="3886201" y="3771900"/>
+            <a:ext cx="3276600" cy="514350"/>
+          </a:xfrm>
+          <a:prstGeom prst="straightConnector1">
+            <a:avLst/>
+          </a:prstGeom>
+          <a:ln w="25400">
+            <a:solidFill>
+              <a:srgbClr val="419F31"/>
+            </a:solidFill>
+            <a:tailEnd type="arrow"/>
+          </a:ln>
+        </p:spPr>
+        <p:style>
+          <a:lnRef idx="1">
+            <a:schemeClr val="accent1"/>
+          </a:lnRef>
+          <a:fillRef idx="0">
+            <a:schemeClr val="accent1"/>
+          </a:fillRef>
+          <a:effectRef idx="0">
+            <a:schemeClr val="accent1"/>
+          </a:effectRef>
+          <a:fontRef idx="minor">
+            <a:schemeClr val="tx1"/>
+          </a:fontRef>
+        </p:style>
+      </p:cxnSp>
+      <p:sp>
+        <p:nvSpPr>
+          <p:cNvPr id="3" name="Content Placeholder 2"/>
+          <p:cNvSpPr>
+            <a:spLocks noGrp="1"/>
+          </p:cNvSpPr>
+          <p:nvPr>
+            <p:ph idx="1"/>
+          </p:nvPr>
+        </p:nvSpPr>
+        <p:spPr>
+          <a:xfrm>
+            <a:off x="304206" y="212834"/>
+            <a:ext cx="8534400" cy="3028950"/>
+          </a:xfrm>
+        </p:spPr>
+        <p:txBody>
+          <a:bodyPr>
+            <a:normAutofit lnSpcReduction="10000"/>
+          </a:bodyPr>
+          <a:lstStyle/>
+          <a:p>
+            <a:pPr>
+              <a:buNone/>
+            </a:pPr>
+            <a:r>
+              <a:rPr lang="en-AU" dirty="0" smtClean="0"/>
+              <a:t>We would like to…</a:t>
+            </a:r>
+          </a:p>
+          <a:p>
+            <a:pPr algn="ctr">
+              <a:buNone/>
+            </a:pPr>
+            <a:r>
+              <a:rPr lang="en-AU" dirty="0" smtClean="0"/>
+              <a:t>Identify </a:t>
+            </a:r>
+            <a:r>
+              <a:rPr lang="en-AU" dirty="0" smtClean="0">
+                <a:solidFill>
+                  <a:schemeClr val="accent1">
+                    <a:lumMod val="75000"/>
+                  </a:schemeClr>
+                </a:solidFill>
+              </a:rPr>
+              <a:t>groups of genes </a:t>
+            </a:r>
+          </a:p>
+          <a:p>
+            <a:pPr algn="ctr">
+              <a:buNone/>
+            </a:pPr>
+            <a:r>
+              <a:rPr lang="en-AU" dirty="0" smtClean="0"/>
+              <a:t>that are </a:t>
+            </a:r>
+          </a:p>
+          <a:p>
+            <a:pPr algn="ctr">
+              <a:buNone/>
+            </a:pPr>
+            <a:r>
+              <a:rPr lang="en-AU" dirty="0" smtClean="0"/>
+              <a:t>being </a:t>
+            </a:r>
+            <a:r>
+              <a:rPr lang="en-AU" dirty="0" smtClean="0">
+                <a:solidFill>
+                  <a:schemeClr val="accent2">
+                    <a:lumMod val="75000"/>
+                  </a:schemeClr>
+                </a:solidFill>
+              </a:rPr>
+              <a:t>regulated by a </a:t>
+            </a:r>
+            <a:r>
+              <a:rPr lang="en-AU" dirty="0" err="1" smtClean="0">
+                <a:solidFill>
+                  <a:schemeClr val="accent2">
+                    <a:lumMod val="75000"/>
+                  </a:schemeClr>
+                </a:solidFill>
+              </a:rPr>
+              <a:t>miRNA</a:t>
+            </a:r>
+            <a:r>
+              <a:rPr lang="en-AU" dirty="0" smtClean="0">
+                <a:solidFill>
+                  <a:schemeClr val="accent2">
+                    <a:lumMod val="75000"/>
+                  </a:schemeClr>
+                </a:solidFill>
+              </a:rPr>
+              <a:t> </a:t>
+            </a:r>
+          </a:p>
+          <a:p>
+            <a:pPr algn="ctr">
+              <a:buNone/>
+            </a:pPr>
+            <a:r>
+              <a:rPr lang="en-AU" dirty="0" smtClean="0"/>
+              <a:t>and </a:t>
+            </a:r>
+          </a:p>
+          <a:p>
+            <a:pPr algn="ctr">
+              <a:buNone/>
+            </a:pPr>
+            <a:r>
+              <a:rPr lang="en-AU" dirty="0" smtClean="0"/>
+              <a:t>	share some </a:t>
+            </a:r>
+            <a:r>
+              <a:rPr lang="en-AU" dirty="0" smtClean="0">
+                <a:solidFill>
+                  <a:schemeClr val="accent6">
+                    <a:lumMod val="75000"/>
+                  </a:schemeClr>
+                </a:solidFill>
+              </a:rPr>
+              <a:t>common biological</a:t>
+            </a:r>
+          </a:p>
+          <a:p>
+            <a:pPr algn="ctr">
+              <a:buNone/>
+            </a:pPr>
+            <a:r>
+              <a:rPr lang="en-AU" dirty="0" smtClean="0">
+                <a:solidFill>
+                  <a:schemeClr val="accent6">
+                    <a:lumMod val="75000"/>
+                  </a:schemeClr>
+                </a:solidFill>
+              </a:rPr>
+              <a:t>function</a:t>
+            </a:r>
+            <a:r>
+              <a:rPr lang="en-AU" dirty="0" smtClean="0"/>
+              <a:t>.</a:t>
+            </a:r>
+            <a:endParaRPr lang="en-AU" dirty="0"/>
+          </a:p>
+        </p:txBody>
+      </p:sp>
+      <p:sp>
+        <p:nvSpPr>
+          <p:cNvPr id="13" name="Oval 12"/>
+          <p:cNvSpPr/>
+          <p:nvPr/>
+        </p:nvSpPr>
+        <p:spPr>
+          <a:xfrm>
+            <a:off x="2743200" y="4114800"/>
+            <a:ext cx="1143000" cy="514350"/>
+          </a:xfrm>
+          <a:prstGeom prst="ellipse">
+            <a:avLst/>
+          </a:prstGeom>
+          <a:solidFill>
+            <a:schemeClr val="accent2"/>
+          </a:solidFill>
+          <a:ln>
+            <a:solidFill>
+              <a:schemeClr val="accent2">
+                <a:lumMod val="50000"/>
+              </a:schemeClr>
+            </a:solidFill>
+          </a:ln>
+        </p:spPr>
+        <p:style>
+          <a:lnRef idx="2">
+            <a:schemeClr val="accent1">
+              <a:shade val="50000"/>
+            </a:schemeClr>
+          </a:lnRef>
+          <a:fillRef idx="1">
+            <a:schemeClr val="accent1"/>
+          </a:fillRef>
+          <a:effectRef idx="0">
+            <a:schemeClr val="accent1"/>
+          </a:effectRef>
+          <a:fontRef idx="minor">
+            <a:schemeClr val="lt1"/>
+          </a:fontRef>
+        </p:style>
+        <p:txBody>
+          <a:bodyPr lIns="68573" tIns="34286" rIns="68573" bIns="34286" rtlCol="0" anchor="ctr"/>
+          <a:lstStyle/>
+          <a:p>
+            <a:pPr algn="ctr"/>
+            <a:r>
+              <a:rPr lang="en-AU" dirty="0" err="1"/>
+              <a:t>m</a:t>
+            </a:r>
+            <a:r>
+              <a:rPr lang="en-AU" dirty="0" err="1" smtClean="0"/>
+              <a:t>ir</a:t>
+            </a:r>
+            <a:r>
+              <a:rPr lang="en-AU" dirty="0" smtClean="0"/>
+              <a:t> 1</a:t>
+            </a:r>
+            <a:endParaRPr lang="en-AU" dirty="0"/>
+          </a:p>
+        </p:txBody>
+      </p:sp>
+      <p:cxnSp>
+        <p:nvCxnSpPr>
+          <p:cNvPr id="15" name="Straight Arrow Connector 14"/>
+          <p:cNvCxnSpPr/>
+          <p:nvPr/>
+        </p:nvCxnSpPr>
+        <p:spPr>
+          <a:xfrm flipV="1">
+            <a:off x="3962400" y="4286250"/>
+            <a:ext cx="1447800" cy="114300"/>
+          </a:xfrm>
+          <a:prstGeom prst="straightConnector1">
+            <a:avLst/>
+          </a:prstGeom>
+          <a:ln w="25400">
+            <a:solidFill>
+              <a:srgbClr val="419F31"/>
+            </a:solidFill>
+            <a:tailEnd type="arrow"/>
+          </a:ln>
+        </p:spPr>
+        <p:style>
+          <a:lnRef idx="1">
+            <a:schemeClr val="accent1"/>
+          </a:lnRef>
+          <a:fillRef idx="0">
+            <a:schemeClr val="accent1"/>
+          </a:fillRef>
+          <a:effectRef idx="0">
+            <a:schemeClr val="accent1"/>
+          </a:effectRef>
+          <a:fontRef idx="minor">
+            <a:schemeClr val="tx1"/>
+          </a:fontRef>
+        </p:style>
+      </p:cxnSp>
+      <p:sp>
+        <p:nvSpPr>
+          <p:cNvPr id="18" name="Oval 17"/>
+          <p:cNvSpPr/>
+          <p:nvPr/>
+        </p:nvSpPr>
+        <p:spPr>
+          <a:xfrm>
+            <a:off x="5867400" y="3486150"/>
+            <a:ext cx="762000" cy="400050"/>
+          </a:xfrm>
+          <a:prstGeom prst="ellipse">
+            <a:avLst/>
+          </a:prstGeom>
+          <a:solidFill>
+            <a:schemeClr val="accent1">
+              <a:lumMod val="40000"/>
+              <a:lumOff val="60000"/>
+            </a:schemeClr>
+          </a:solidFill>
+          <a:ln>
+            <a:solidFill>
+              <a:schemeClr val="accent1">
+                <a:lumMod val="60000"/>
+                <a:lumOff val="40000"/>
+              </a:schemeClr>
+            </a:solidFill>
+          </a:ln>
+        </p:spPr>
+        <p:style>
+          <a:lnRef idx="2">
+            <a:schemeClr val="accent1">
+              <a:shade val="50000"/>
+            </a:schemeClr>
+          </a:lnRef>
+          <a:fillRef idx="1">
+            <a:schemeClr val="accent1"/>
+          </a:fillRef>
+          <a:effectRef idx="0">
+            <a:schemeClr val="accent1"/>
+          </a:effectRef>
+          <a:fontRef idx="minor">
+            <a:schemeClr val="lt1"/>
+          </a:fontRef>
+        </p:style>
+        <p:txBody>
+          <a:bodyPr lIns="68573" tIns="34286" rIns="68573" bIns="34286" rtlCol="0" anchor="ctr"/>
+          <a:lstStyle/>
+          <a:p>
+            <a:pPr algn="ctr"/>
+            <a:r>
+              <a:rPr lang="en-AU" sz="900" dirty="0"/>
+              <a:t>gene 2 </a:t>
+            </a:r>
+          </a:p>
+        </p:txBody>
+      </p:sp>
+      <p:sp>
+        <p:nvSpPr>
+          <p:cNvPr id="20" name="Oval 19"/>
+          <p:cNvSpPr/>
+          <p:nvPr/>
+        </p:nvSpPr>
+        <p:spPr>
+          <a:xfrm>
+            <a:off x="5029200" y="3486150"/>
+            <a:ext cx="762000" cy="400050"/>
+          </a:xfrm>
+          <a:prstGeom prst="ellipse">
+            <a:avLst/>
+          </a:prstGeom>
+          <a:solidFill>
+            <a:schemeClr val="accent1">
+              <a:lumMod val="40000"/>
+              <a:lumOff val="60000"/>
+            </a:schemeClr>
+          </a:solidFill>
+          <a:ln>
+            <a:solidFill>
+              <a:schemeClr val="accent1">
+                <a:lumMod val="60000"/>
+                <a:lumOff val="40000"/>
+              </a:schemeClr>
+            </a:solidFill>
+          </a:ln>
+        </p:spPr>
+        <p:style>
+          <a:lnRef idx="2">
+            <a:schemeClr val="accent1">
+              <a:shade val="50000"/>
+            </a:schemeClr>
+          </a:lnRef>
+          <a:fillRef idx="1">
+            <a:schemeClr val="accent1"/>
+          </a:fillRef>
+          <a:effectRef idx="0">
+            <a:schemeClr val="accent1"/>
+          </a:effectRef>
+          <a:fontRef idx="minor">
+            <a:schemeClr val="lt1"/>
+          </a:fontRef>
+        </p:style>
+        <p:txBody>
+          <a:bodyPr lIns="68573" tIns="34286" rIns="68573" bIns="34286" rtlCol="0" anchor="ctr"/>
+          <a:lstStyle/>
+          <a:p>
+            <a:pPr algn="ctr"/>
+            <a:r>
+              <a:rPr lang="en-AU" sz="900" dirty="0"/>
+              <a:t>gene 1 </a:t>
+            </a:r>
+          </a:p>
+        </p:txBody>
+      </p:sp>
+      <p:sp>
+        <p:nvSpPr>
+          <p:cNvPr id="21" name="Oval 20"/>
+          <p:cNvSpPr/>
+          <p:nvPr/>
+        </p:nvSpPr>
+        <p:spPr>
+          <a:xfrm>
+            <a:off x="5486400" y="4057650"/>
+            <a:ext cx="762000" cy="400050"/>
+          </a:xfrm>
+          <a:prstGeom prst="ellipse">
+            <a:avLst/>
+          </a:prstGeom>
+          <a:ln/>
+        </p:spPr>
+        <p:style>
+          <a:lnRef idx="2">
+            <a:schemeClr val="accent1">
+              <a:shade val="50000"/>
+            </a:schemeClr>
+          </a:lnRef>
+          <a:fillRef idx="1">
+            <a:schemeClr val="accent1"/>
+          </a:fillRef>
+          <a:effectRef idx="0">
+            <a:schemeClr val="accent1"/>
+          </a:effectRef>
+          <a:fontRef idx="minor">
+            <a:schemeClr val="lt1"/>
+          </a:fontRef>
+        </p:style>
+        <p:txBody>
+          <a:bodyPr lIns="68573" tIns="34286" rIns="68573" bIns="34286" rtlCol="0" anchor="ctr"/>
+          <a:lstStyle/>
+          <a:p>
+            <a:pPr algn="ctr"/>
+            <a:r>
+              <a:rPr lang="en-AU" sz="900" dirty="0"/>
+              <a:t>gene 3 </a:t>
+            </a:r>
+          </a:p>
+        </p:txBody>
+      </p:sp>
+      <p:sp>
+        <p:nvSpPr>
+          <p:cNvPr id="22" name="Oval 21"/>
+          <p:cNvSpPr/>
+          <p:nvPr/>
+        </p:nvSpPr>
+        <p:spPr>
+          <a:xfrm>
+            <a:off x="7239000" y="2857500"/>
+            <a:ext cx="762000" cy="400050"/>
+          </a:xfrm>
+          <a:prstGeom prst="ellipse">
+            <a:avLst/>
+          </a:prstGeom>
+          <a:solidFill>
+            <a:schemeClr val="accent1">
+              <a:lumMod val="40000"/>
+              <a:lumOff val="60000"/>
+            </a:schemeClr>
+          </a:solidFill>
+          <a:ln>
+            <a:solidFill>
+              <a:schemeClr val="accent1">
+                <a:lumMod val="60000"/>
+                <a:lumOff val="40000"/>
+              </a:schemeClr>
+            </a:solidFill>
+          </a:ln>
+        </p:spPr>
+        <p:style>
+          <a:lnRef idx="2">
+            <a:schemeClr val="accent1">
+              <a:shade val="50000"/>
+            </a:schemeClr>
+          </a:lnRef>
+          <a:fillRef idx="1">
+            <a:schemeClr val="accent1"/>
+          </a:fillRef>
+          <a:effectRef idx="0">
+            <a:schemeClr val="accent1"/>
+          </a:effectRef>
+          <a:fontRef idx="minor">
+            <a:schemeClr val="lt1"/>
+          </a:fontRef>
+        </p:style>
+        <p:txBody>
+          <a:bodyPr lIns="68573" tIns="34286" rIns="68573" bIns="34286" rtlCol="0" anchor="ctr"/>
+          <a:lstStyle/>
+          <a:p>
+            <a:pPr algn="ctr"/>
+            <a:r>
+              <a:rPr lang="en-AU" sz="900" dirty="0"/>
+              <a:t>gene 7 </a:t>
+            </a:r>
+          </a:p>
+        </p:txBody>
+      </p:sp>
+      <p:sp>
+        <p:nvSpPr>
+          <p:cNvPr id="23" name="Oval 22"/>
+          <p:cNvSpPr/>
+          <p:nvPr/>
+        </p:nvSpPr>
+        <p:spPr>
+          <a:xfrm>
+            <a:off x="7239000" y="3486150"/>
+            <a:ext cx="762000" cy="400050"/>
+          </a:xfrm>
+          <a:prstGeom prst="ellipse">
+            <a:avLst/>
+          </a:prstGeom>
+          <a:ln/>
+        </p:spPr>
+        <p:style>
+          <a:lnRef idx="2">
+            <a:schemeClr val="accent1">
+              <a:shade val="50000"/>
+            </a:schemeClr>
+          </a:lnRef>
+          <a:fillRef idx="1">
+            <a:schemeClr val="accent1"/>
+          </a:fillRef>
+          <a:effectRef idx="0">
+            <a:schemeClr val="accent1"/>
+          </a:effectRef>
+          <a:fontRef idx="minor">
+            <a:schemeClr val="lt1"/>
+          </a:fontRef>
+        </p:style>
+        <p:txBody>
+          <a:bodyPr lIns="68573" tIns="34286" rIns="68573" bIns="34286" rtlCol="0" anchor="ctr"/>
+          <a:lstStyle/>
+          <a:p>
+            <a:pPr algn="ctr"/>
+            <a:r>
+              <a:rPr lang="en-AU" sz="900" dirty="0"/>
+              <a:t>gene 6 </a:t>
+            </a:r>
+          </a:p>
+        </p:txBody>
+      </p:sp>
+      <p:sp>
+        <p:nvSpPr>
+          <p:cNvPr id="24" name="Oval 23"/>
+          <p:cNvSpPr/>
+          <p:nvPr/>
+        </p:nvSpPr>
+        <p:spPr>
+          <a:xfrm>
+            <a:off x="7239000" y="4057650"/>
+            <a:ext cx="762000" cy="400050"/>
+          </a:xfrm>
+          <a:prstGeom prst="ellipse">
+            <a:avLst/>
+          </a:prstGeom>
+          <a:solidFill>
+            <a:schemeClr val="accent1">
+              <a:lumMod val="40000"/>
+              <a:lumOff val="60000"/>
+            </a:schemeClr>
+          </a:solidFill>
+          <a:ln>
+            <a:solidFill>
+              <a:schemeClr val="accent1">
+                <a:lumMod val="60000"/>
+                <a:lumOff val="40000"/>
+              </a:schemeClr>
+            </a:solidFill>
+          </a:ln>
+        </p:spPr>
+        <p:style>
+          <a:lnRef idx="2">
+            <a:schemeClr val="accent1">
+              <a:shade val="50000"/>
+            </a:schemeClr>
+          </a:lnRef>
+          <a:fillRef idx="1">
+            <a:schemeClr val="accent1"/>
+          </a:fillRef>
+          <a:effectRef idx="0">
+            <a:schemeClr val="accent1"/>
+          </a:effectRef>
+          <a:fontRef idx="minor">
+            <a:schemeClr val="lt1"/>
+          </a:fontRef>
+        </p:style>
+        <p:txBody>
+          <a:bodyPr lIns="68573" tIns="34286" rIns="68573" bIns="34286" rtlCol="0" anchor="ctr"/>
+          <a:lstStyle/>
+          <a:p>
+            <a:pPr algn="ctr"/>
+            <a:r>
+              <a:rPr lang="en-AU" sz="900" dirty="0"/>
+              <a:t>gene 5 </a:t>
+            </a:r>
+          </a:p>
+        </p:txBody>
+      </p:sp>
+      <p:sp>
+        <p:nvSpPr>
+          <p:cNvPr id="25" name="Oval 24"/>
+          <p:cNvSpPr/>
+          <p:nvPr/>
+        </p:nvSpPr>
+        <p:spPr>
+          <a:xfrm>
+            <a:off x="6477000" y="4629150"/>
+            <a:ext cx="762000" cy="400050"/>
+          </a:xfrm>
+          <a:prstGeom prst="ellipse">
+            <a:avLst/>
+          </a:prstGeom>
+          <a:solidFill>
+            <a:schemeClr val="accent1">
+              <a:lumMod val="40000"/>
+              <a:lumOff val="60000"/>
+            </a:schemeClr>
+          </a:solidFill>
+          <a:ln>
+            <a:solidFill>
+              <a:schemeClr val="accent1">
+                <a:lumMod val="60000"/>
+                <a:lumOff val="40000"/>
+              </a:schemeClr>
+            </a:solidFill>
+          </a:ln>
+        </p:spPr>
+        <p:style>
+          <a:lnRef idx="2">
+            <a:schemeClr val="accent1">
+              <a:shade val="50000"/>
+            </a:schemeClr>
+          </a:lnRef>
+          <a:fillRef idx="1">
+            <a:schemeClr val="accent1"/>
+          </a:fillRef>
+          <a:effectRef idx="0">
+            <a:schemeClr val="accent1"/>
+          </a:effectRef>
+          <a:fontRef idx="minor">
+            <a:schemeClr val="lt1"/>
+          </a:fontRef>
+        </p:style>
+        <p:txBody>
+          <a:bodyPr lIns="68573" tIns="34286" rIns="68573" bIns="34286" rtlCol="0" anchor="ctr"/>
+          <a:lstStyle/>
+          <a:p>
+            <a:pPr algn="ctr"/>
+            <a:r>
+              <a:rPr lang="en-AU" sz="900" dirty="0"/>
+              <a:t>gene 4 </a:t>
+            </a:r>
+          </a:p>
+        </p:txBody>
+      </p:sp>
+      <p:cxnSp>
+        <p:nvCxnSpPr>
+          <p:cNvPr id="27" name="Straight Arrow Connector 26"/>
+          <p:cNvCxnSpPr>
+            <a:stCxn id="20" idx="4"/>
+          </p:cNvCxnSpPr>
+          <p:nvPr/>
+        </p:nvCxnSpPr>
+        <p:spPr>
+          <a:xfrm>
+            <a:off x="5410200" y="3886200"/>
+            <a:ext cx="228600" cy="171450"/>
+          </a:xfrm>
+          <a:prstGeom prst="straightConnector1">
+            <a:avLst/>
+          </a:prstGeom>
+          <a:ln>
+            <a:tailEnd type="arrow"/>
+          </a:ln>
+        </p:spPr>
+        <p:style>
+          <a:lnRef idx="1">
+            <a:schemeClr val="accent6"/>
+          </a:lnRef>
+          <a:fillRef idx="0">
+            <a:schemeClr val="accent6"/>
+          </a:fillRef>
+          <a:effectRef idx="0">
+            <a:schemeClr val="accent6"/>
+          </a:effectRef>
+          <a:fontRef idx="minor">
+            <a:schemeClr val="tx1"/>
+          </a:fontRef>
+        </p:style>
+      </p:cxnSp>
+      <p:cxnSp>
+        <p:nvCxnSpPr>
+          <p:cNvPr id="31" name="Straight Arrow Connector 30"/>
+          <p:cNvCxnSpPr>
+            <a:stCxn id="18" idx="4"/>
+          </p:cNvCxnSpPr>
+          <p:nvPr/>
+        </p:nvCxnSpPr>
+        <p:spPr>
+          <a:xfrm flipH="1">
+            <a:off x="6096000" y="3886200"/>
+            <a:ext cx="152400" cy="171450"/>
+          </a:xfrm>
+          <a:prstGeom prst="straightConnector1">
+            <a:avLst/>
+          </a:prstGeom>
+          <a:ln>
+            <a:tailEnd type="arrow"/>
+          </a:ln>
+        </p:spPr>
+        <p:style>
+          <a:lnRef idx="1">
+            <a:schemeClr val="accent6"/>
+          </a:lnRef>
+          <a:fillRef idx="0">
+            <a:schemeClr val="accent6"/>
+          </a:fillRef>
+          <a:effectRef idx="0">
+            <a:schemeClr val="accent6"/>
+          </a:effectRef>
+          <a:fontRef idx="minor">
+            <a:schemeClr val="tx1"/>
+          </a:fontRef>
+        </p:style>
+      </p:cxnSp>
+      <p:cxnSp>
+        <p:nvCxnSpPr>
+          <p:cNvPr id="33" name="Straight Arrow Connector 32"/>
+          <p:cNvCxnSpPr>
+            <a:stCxn id="22" idx="4"/>
+          </p:cNvCxnSpPr>
+          <p:nvPr/>
+        </p:nvCxnSpPr>
+        <p:spPr>
+          <a:xfrm>
+            <a:off x="7620000" y="3257550"/>
+            <a:ext cx="0" cy="171450"/>
+          </a:xfrm>
+          <a:prstGeom prst="straightConnector1">
+            <a:avLst/>
+          </a:prstGeom>
+          <a:ln>
+            <a:tailEnd type="arrow"/>
+          </a:ln>
+        </p:spPr>
+        <p:style>
+          <a:lnRef idx="1">
+            <a:schemeClr val="accent6"/>
+          </a:lnRef>
+          <a:fillRef idx="0">
+            <a:schemeClr val="accent6"/>
+          </a:fillRef>
+          <a:effectRef idx="0">
+            <a:schemeClr val="accent6"/>
+          </a:effectRef>
+          <a:fontRef idx="minor">
+            <a:schemeClr val="tx1"/>
+          </a:fontRef>
+        </p:style>
+      </p:cxnSp>
+      <p:cxnSp>
+        <p:nvCxnSpPr>
+          <p:cNvPr id="35" name="Straight Arrow Connector 34"/>
+          <p:cNvCxnSpPr>
+            <a:stCxn id="23" idx="4"/>
+          </p:cNvCxnSpPr>
+          <p:nvPr/>
+        </p:nvCxnSpPr>
+        <p:spPr>
+          <a:xfrm>
+            <a:off x="7620000" y="3886200"/>
+            <a:ext cx="0" cy="114300"/>
+          </a:xfrm>
+          <a:prstGeom prst="straightConnector1">
+            <a:avLst/>
+          </a:prstGeom>
+          <a:ln>
+            <a:tailEnd type="arrow"/>
+          </a:ln>
+        </p:spPr>
+        <p:style>
+          <a:lnRef idx="1">
+            <a:schemeClr val="accent6"/>
+          </a:lnRef>
+          <a:fillRef idx="0">
+            <a:schemeClr val="accent6"/>
+          </a:fillRef>
+          <a:effectRef idx="0">
+            <a:schemeClr val="accent6"/>
+          </a:effectRef>
+          <a:fontRef idx="minor">
+            <a:schemeClr val="tx1"/>
+          </a:fontRef>
+        </p:style>
+      </p:cxnSp>
+      <p:cxnSp>
+        <p:nvCxnSpPr>
+          <p:cNvPr id="37" name="Straight Arrow Connector 36"/>
+          <p:cNvCxnSpPr>
+            <a:stCxn id="24" idx="4"/>
+          </p:cNvCxnSpPr>
+          <p:nvPr/>
+        </p:nvCxnSpPr>
+        <p:spPr>
+          <a:xfrm flipH="1">
+            <a:off x="7162801" y="4457700"/>
+            <a:ext cx="457200" cy="171450"/>
+          </a:xfrm>
+          <a:prstGeom prst="straightConnector1">
+            <a:avLst/>
+          </a:prstGeom>
+          <a:ln>
+            <a:tailEnd type="arrow"/>
+          </a:ln>
+        </p:spPr>
+        <p:style>
+          <a:lnRef idx="1">
+            <a:schemeClr val="accent6"/>
+          </a:lnRef>
+          <a:fillRef idx="0">
+            <a:schemeClr val="accent6"/>
+          </a:fillRef>
+          <a:effectRef idx="0">
+            <a:schemeClr val="accent6"/>
+          </a:effectRef>
+          <a:fontRef idx="minor">
+            <a:schemeClr val="tx1"/>
+          </a:fontRef>
+        </p:style>
+      </p:cxnSp>
+      <p:cxnSp>
+        <p:nvCxnSpPr>
+          <p:cNvPr id="39" name="Straight Arrow Connector 38"/>
+          <p:cNvCxnSpPr>
+            <a:stCxn id="21" idx="4"/>
+          </p:cNvCxnSpPr>
+          <p:nvPr/>
+        </p:nvCxnSpPr>
+        <p:spPr>
+          <a:xfrm>
+            <a:off x="5867400" y="4457700"/>
+            <a:ext cx="609600" cy="228600"/>
+          </a:xfrm>
+          <a:prstGeom prst="straightConnector1">
+            <a:avLst/>
+          </a:prstGeom>
+          <a:ln>
+            <a:tailEnd type="arrow"/>
+          </a:ln>
+        </p:spPr>
+        <p:style>
+          <a:lnRef idx="1">
+            <a:schemeClr val="accent6"/>
+          </a:lnRef>
+          <a:fillRef idx="0">
+            <a:schemeClr val="accent6"/>
+          </a:fillRef>
+          <a:effectRef idx="0">
+            <a:schemeClr val="accent6"/>
+          </a:effectRef>
+          <a:fontRef idx="minor">
+            <a:schemeClr val="tx1"/>
+          </a:fontRef>
+        </p:style>
+      </p:cxnSp>
+    </p:spTree>
+    <p:extLst>
+      <p:ext uri="{BB962C8B-B14F-4D97-AF65-F5344CB8AC3E}">
+        <p14:creationId xmlns:p14="http://schemas.microsoft.com/office/powerpoint/2010/main" val="2959701513"/>
+      </p:ext>
+    </p:extLst>
+  </p:cSld>
+  <p:clrMapOvr>
+    <a:masterClrMapping/>
+  </p:clrMapOvr>
+  <p:timing>
+    <p:tnLst>
+      <p:par>
+        <p:cTn id="1" dur="indefinite" restart="never" nodeType="tmRoot">
+          <p:childTnLst>
+            <p:seq concurrent="1" nextAc="seek">
+              <p:cTn id="2" dur="indefinite" nodeType="mainSeq">
+                <p:childTnLst>
+                  <p:par>
+                    <p:cTn id="3" fill="hold">
+                      <p:stCondLst>
+                        <p:cond delay="indefinite"/>
+                        <p:cond evt="onBegin" delay="0">
+                          <p:tn val="2"/>
+                        </p:cond>
+                      </p:stCondLst>
+                      <p:childTnLst>
+                        <p:par>
+                          <p:cTn id="4" fill="hold">
+                            <p:stCondLst>
+                              <p:cond delay="0"/>
+                            </p:stCondLst>
+                            <p:childTnLst>
+                              <p:par>
+                                <p:cTn id="5" presetID="1" presetClass="entr" presetSubtype="0" fill="hold" grpId="0" nodeType="withEffect">
+                                  <p:stCondLst>
+                                    <p:cond delay="0"/>
+                                  </p:stCondLst>
+                                  <p:childTnLst>
+                                    <p:set>
+                                      <p:cBhvr>
+                                        <p:cTn id="6" dur="1" fill="hold">
+                                          <p:stCondLst>
+                                            <p:cond delay="0"/>
+                                          </p:stCondLst>
+                                        </p:cTn>
+                                        <p:tgtEl>
+                                          <p:spTgt spid="3">
+                                            <p:txEl>
+                                              <p:pRg st="0" end="0"/>
+                                            </p:txEl>
+                                          </p:spTgt>
+                                        </p:tgtEl>
+                                        <p:attrNameLst>
+                                          <p:attrName>style.visibility</p:attrName>
+                                        </p:attrNameLst>
+                                      </p:cBhvr>
+                                      <p:to>
+                                        <p:strVal val="visible"/>
+                                      </p:to>
+                                    </p:set>
+                                  </p:childTnLst>
+                                </p:cTn>
+                              </p:par>
+                              <p:par>
+                                <p:cTn id="7" presetID="1" presetClass="entr" presetSubtype="0" fill="hold" grpId="0" nodeType="withEffect">
+                                  <p:stCondLst>
+                                    <p:cond delay="0"/>
+                                  </p:stCondLst>
+                                  <p:childTnLst>
+                                    <p:set>
+                                      <p:cBhvr>
+                                        <p:cTn id="8" dur="1" fill="hold">
+                                          <p:stCondLst>
+                                            <p:cond delay="0"/>
+                                          </p:stCondLst>
+                                        </p:cTn>
+                                        <p:tgtEl>
+                                          <p:spTgt spid="3">
+                                            <p:txEl>
+                                              <p:pRg st="1" end="1"/>
+                                            </p:txEl>
+                                          </p:spTgt>
+                                        </p:tgtEl>
+                                        <p:attrNameLst>
+                                          <p:attrName>style.visibility</p:attrName>
+                                        </p:attrNameLst>
+                                      </p:cBhvr>
+                                      <p:to>
+                                        <p:strVal val="visible"/>
+                                      </p:to>
+                                    </p:set>
+                                  </p:childTnLst>
+                                </p:cTn>
+                              </p:par>
+                              <p:par>
+                                <p:cTn id="9" presetID="1" presetClass="entr" presetSubtype="0" fill="hold" grpId="0" nodeType="withEffect">
+                                  <p:stCondLst>
+                                    <p:cond delay="0"/>
+                                  </p:stCondLst>
+                                  <p:childTnLst>
+                                    <p:set>
+                                      <p:cBhvr>
+                                        <p:cTn id="10" dur="1" fill="hold">
+                                          <p:stCondLst>
+                                            <p:cond delay="0"/>
+                                          </p:stCondLst>
+                                        </p:cTn>
+                                        <p:tgtEl>
+                                          <p:spTgt spid="3">
+                                            <p:txEl>
+                                              <p:pRg st="2" end="2"/>
+                                            </p:txEl>
+                                          </p:spTgt>
+                                        </p:tgtEl>
+                                        <p:attrNameLst>
+                                          <p:attrName>style.visibility</p:attrName>
+                                        </p:attrNameLst>
+                                      </p:cBhvr>
+                                      <p:to>
+                                        <p:strVal val="visible"/>
+                                      </p:to>
+                                    </p:set>
+                                  </p:childTnLst>
+                                </p:cTn>
+                              </p:par>
+                              <p:par>
+                                <p:cTn id="11" presetID="1" presetClass="entr" presetSubtype="0" fill="hold" grpId="0" nodeType="withEffect">
+                                  <p:stCondLst>
+                                    <p:cond delay="0"/>
+                                  </p:stCondLst>
+                                  <p:childTnLst>
+                                    <p:set>
+                                      <p:cBhvr>
+                                        <p:cTn id="12" dur="1" fill="hold">
+                                          <p:stCondLst>
+                                            <p:cond delay="0"/>
+                                          </p:stCondLst>
+                                        </p:cTn>
+                                        <p:tgtEl>
+                                          <p:spTgt spid="3">
+                                            <p:txEl>
+                                              <p:pRg st="3" end="3"/>
+                                            </p:txEl>
+                                          </p:spTgt>
+                                        </p:tgtEl>
+                                        <p:attrNameLst>
+                                          <p:attrName>style.visibility</p:attrName>
+                                        </p:attrNameLst>
+                                      </p:cBhvr>
+                                      <p:to>
+                                        <p:strVal val="visible"/>
+                                      </p:to>
+                                    </p:set>
+                                  </p:childTnLst>
+                                </p:cTn>
+                              </p:par>
+                              <p:par>
+                                <p:cTn id="13" presetID="1" presetClass="entr" presetSubtype="0" fill="hold" grpId="0" nodeType="withEffect">
+                                  <p:stCondLst>
+                                    <p:cond delay="0"/>
+                                  </p:stCondLst>
+                                  <p:childTnLst>
+                                    <p:set>
+                                      <p:cBhvr>
+                                        <p:cTn id="14" dur="1" fill="hold">
+                                          <p:stCondLst>
+                                            <p:cond delay="0"/>
+                                          </p:stCondLst>
+                                        </p:cTn>
+                                        <p:tgtEl>
+                                          <p:spTgt spid="3">
+                                            <p:txEl>
+                                              <p:pRg st="4" end="4"/>
+                                            </p:txEl>
+                                          </p:spTgt>
+                                        </p:tgtEl>
+                                        <p:attrNameLst>
+                                          <p:attrName>style.visibility</p:attrName>
+                                        </p:attrNameLst>
+                                      </p:cBhvr>
+                                      <p:to>
+                                        <p:strVal val="visible"/>
+                                      </p:to>
+                                    </p:set>
+                                  </p:childTnLst>
+                                </p:cTn>
+                              </p:par>
+                              <p:par>
+                                <p:cTn id="15" presetID="1" presetClass="entr" presetSubtype="0" fill="hold" grpId="0" nodeType="withEffect">
+                                  <p:stCondLst>
+                                    <p:cond delay="0"/>
+                                  </p:stCondLst>
+                                  <p:childTnLst>
+                                    <p:set>
+                                      <p:cBhvr>
+                                        <p:cTn id="16" dur="1" fill="hold">
+                                          <p:stCondLst>
+                                            <p:cond delay="0"/>
+                                          </p:stCondLst>
+                                        </p:cTn>
+                                        <p:tgtEl>
+                                          <p:spTgt spid="3">
+                                            <p:txEl>
+                                              <p:pRg st="5" end="5"/>
+                                            </p:txEl>
+                                          </p:spTgt>
+                                        </p:tgtEl>
+                                        <p:attrNameLst>
+                                          <p:attrName>style.visibility</p:attrName>
+                                        </p:attrNameLst>
+                                      </p:cBhvr>
+                                      <p:to>
+                                        <p:strVal val="visible"/>
+                                      </p:to>
+                                    </p:set>
+                                  </p:childTnLst>
+                                </p:cTn>
+                              </p:par>
+                              <p:par>
+                                <p:cTn id="17" presetID="1" presetClass="entr" presetSubtype="0" fill="hold" grpId="0" nodeType="withEffect">
+                                  <p:stCondLst>
+                                    <p:cond delay="0"/>
+                                  </p:stCondLst>
+                                  <p:childTnLst>
+                                    <p:set>
+                                      <p:cBhvr>
+                                        <p:cTn id="18" dur="1" fill="hold">
+                                          <p:stCondLst>
+                                            <p:cond delay="0"/>
+                                          </p:stCondLst>
+                                        </p:cTn>
+                                        <p:tgtEl>
+                                          <p:spTgt spid="3">
+                                            <p:txEl>
+                                              <p:pRg st="6" end="6"/>
+                                            </p:txEl>
+                                          </p:spTgt>
+                                        </p:tgtEl>
+                                        <p:attrNameLst>
+                                          <p:attrName>style.visibility</p:attrName>
+                                        </p:attrNameLst>
+                                      </p:cBhvr>
+                                      <p:to>
+                                        <p:strVal val="visible"/>
+                                      </p:to>
+                                    </p:set>
+                                  </p:childTnLst>
+                                </p:cTn>
+                              </p:par>
+                            </p:childTnLst>
+                          </p:cTn>
+                        </p:par>
+                      </p:childTnLst>
+                    </p:cTn>
+                  </p:par>
+                </p:childTnLst>
+              </p:cTn>
+              <p:prevCondLst>
+                <p:cond evt="onPrev" delay="0">
+                  <p:tgtEl>
+                    <p:sldTgt/>
+                  </p:tgtEl>
+                </p:cond>
+              </p:prevCondLst>
+              <p:nextCondLst>
+                <p:cond evt="onNext" delay="0">
+                  <p:tgtEl>
+                    <p:sldTgt/>
+                  </p:tgtEl>
+                </p:cond>
+              </p:nextCondLst>
+            </p:seq>
+          </p:childTnLst>
+        </p:cTn>
+      </p:par>
+    </p:tnLst>
+    <p:bldLst>
+      <p:bldP spid="3" grpId="0" build="p"/>
+    </p:bldLst>
+  </p:timing>
+</p:sld>
+</file>
+
+<file path=ppt/slides/slide9.xml><?xml version="1.0" encoding="utf-8"?>
+<p:sld xmlns:a="http://schemas.openxmlformats.org/drawingml/2006/main" xmlns:r="http://schemas.openxmlformats.org/officeDocument/2006/relationships" xmlns:p="http://schemas.openxmlformats.org/presentationml/2006/main">
+  <p:cSld>
+    <p:spTree>
+      <p:nvGrpSpPr>
+        <p:cNvPr id="1" name=""/>
+        <p:cNvGrpSpPr/>
+        <p:nvPr/>
+      </p:nvGrpSpPr>
+      <p:grpSpPr>
+        <a:xfrm>
+          <a:off x="0" y="0"/>
+          <a:ext cx="0" cy="0"/>
+          <a:chOff x="0" y="0"/>
+          <a:chExt cx="0" cy="0"/>
+        </a:xfrm>
+      </p:grpSpPr>
+      <p:sp>
+        <p:nvSpPr>
+          <p:cNvPr id="33" name="Title 1"/>
+          <p:cNvSpPr txBox="1">
+            <a:spLocks/>
+          </p:cNvSpPr>
+          <p:nvPr/>
+        </p:nvSpPr>
+        <p:spPr>
+          <a:xfrm>
+            <a:off x="1484904" y="202646"/>
+            <a:ext cx="6173004" cy="857250"/>
+          </a:xfrm>
+          <a:prstGeom prst="rect">
+            <a:avLst/>
+          </a:prstGeom>
+        </p:spPr>
+        <p:txBody>
+          <a:bodyPr vert="horz" lIns="68573" tIns="34286" rIns="68573" bIns="34286" rtlCol="0" anchor="ctr">
+            <a:normAutofit/>
+          </a:bodyPr>
+          <a:lstStyle>
+            <a:lvl1pPr algn="ctr" defTabSz="914400" rtl="0" eaLnBrk="1" latinLnBrk="0" hangingPunct="1">
+              <a:spcBef>
+                <a:spcPct val="0"/>
+              </a:spcBef>
+              <a:buNone/>
+              <a:defRPr sz="4400" kern="1200">
+                <a:solidFill>
+                  <a:schemeClr val="tx1"/>
+                </a:solidFill>
+                <a:latin typeface="+mj-lt"/>
+                <a:ea typeface="+mj-ea"/>
+                <a:cs typeface="+mj-cs"/>
+              </a:defRPr>
+            </a:lvl1pPr>
+          </a:lstStyle>
+          <a:p>
+            <a:r>
+              <a:rPr lang="en-AU" sz="3600" dirty="0" smtClean="0"/>
+              <a:t>Mir-pathways</a:t>
+            </a:r>
+            <a:endParaRPr lang="en-AU" sz="3600" dirty="0"/>
+          </a:p>
+        </p:txBody>
+      </p:sp>
+      <p:grpSp>
+        <p:nvGrpSpPr>
+          <p:cNvPr id="37" name="Group 36"/>
+          <p:cNvGrpSpPr/>
+          <p:nvPr/>
+        </p:nvGrpSpPr>
+        <p:grpSpPr>
+          <a:xfrm>
+            <a:off x="1412596" y="1995812"/>
+            <a:ext cx="1765454" cy="2228850"/>
+            <a:chOff x="4178902" y="838200"/>
+            <a:chExt cx="2907698" cy="3733800"/>
+          </a:xfrm>
+        </p:grpSpPr>
+        <p:sp>
+          <p:nvSpPr>
+            <p:cNvPr id="39" name="Rectangle 38"/>
+            <p:cNvSpPr/>
+            <p:nvPr/>
+          </p:nvSpPr>
+          <p:spPr>
+            <a:xfrm>
+              <a:off x="4800600" y="1524000"/>
+              <a:ext cx="1371600" cy="3048000"/>
+            </a:xfrm>
+            <a:prstGeom prst="rect">
+              <a:avLst/>
+            </a:prstGeom>
+            <a:solidFill>
+              <a:schemeClr val="accent3"/>
+            </a:solidFill>
+          </p:spPr>
+          <p:style>
+            <a:lnRef idx="2">
+              <a:schemeClr val="accent1">
+                <a:shade val="50000"/>
+              </a:schemeClr>
+            </a:lnRef>
+            <a:fillRef idx="1">
+              <a:schemeClr val="accent1"/>
+            </a:fillRef>
+            <a:effectRef idx="0">
+              <a:schemeClr val="accent1"/>
+            </a:effectRef>
+            <a:fontRef idx="minor">
+              <a:schemeClr val="lt1"/>
+            </a:fontRef>
+          </p:style>
+          <p:txBody>
+            <a:bodyPr rtlCol="0" anchor="ctr"/>
+            <a:lstStyle/>
+            <a:p>
+              <a:pPr algn="ctr"/>
+              <a:endParaRPr lang="en-AU" sz="1600"/>
+            </a:p>
+          </p:txBody>
+        </p:sp>
+        <p:sp>
+          <p:nvSpPr>
+            <p:cNvPr id="40" name="TextBox 39"/>
+            <p:cNvSpPr txBox="1"/>
+            <p:nvPr/>
+          </p:nvSpPr>
+          <p:spPr>
+            <a:xfrm rot="16200000">
+              <a:off x="3200401" y="2121501"/>
+              <a:ext cx="2514600" cy="557597"/>
+            </a:xfrm>
+            <a:prstGeom prst="rect">
+              <a:avLst/>
+            </a:prstGeom>
+            <a:noFill/>
+          </p:spPr>
+          <p:txBody>
+            <a:bodyPr wrap="square" rtlCol="0">
+              <a:spAutoFit/>
+            </a:bodyPr>
+            <a:lstStyle/>
+            <a:p>
+              <a:r>
+                <a:rPr lang="en-AU" sz="1600" dirty="0"/>
+                <a:t>#  genes</a:t>
+              </a:r>
+            </a:p>
+          </p:txBody>
+        </p:sp>
+        <p:sp>
+          <p:nvSpPr>
+            <p:cNvPr id="41" name="TextBox 40"/>
+            <p:cNvSpPr txBox="1"/>
+            <p:nvPr/>
+          </p:nvSpPr>
+          <p:spPr>
+            <a:xfrm>
+              <a:off x="4571999" y="838200"/>
+              <a:ext cx="2514601" cy="567150"/>
+            </a:xfrm>
+            <a:prstGeom prst="rect">
+              <a:avLst/>
+            </a:prstGeom>
+            <a:noFill/>
+          </p:spPr>
+          <p:txBody>
+            <a:bodyPr wrap="square" rtlCol="0">
+              <a:spAutoFit/>
+            </a:bodyPr>
+            <a:lstStyle/>
+            <a:p>
+              <a:r>
+                <a:rPr lang="en-AU" sz="1600" dirty="0"/>
+                <a:t># </a:t>
+              </a:r>
+              <a:r>
+                <a:rPr lang="en-AU" sz="1600" dirty="0" err="1"/>
+                <a:t>microRNA</a:t>
+              </a:r>
+              <a:endParaRPr lang="en-AU" sz="1600" dirty="0"/>
+            </a:p>
+          </p:txBody>
+        </p:sp>
+        <p:sp>
+          <p:nvSpPr>
+            <p:cNvPr id="43" name="TextBox 42"/>
+            <p:cNvSpPr txBox="1"/>
+            <p:nvPr/>
+          </p:nvSpPr>
+          <p:spPr>
+            <a:xfrm>
+              <a:off x="4210547" y="2195044"/>
+              <a:ext cx="2514599" cy="1185860"/>
+            </a:xfrm>
+            <a:prstGeom prst="rect">
+              <a:avLst/>
+            </a:prstGeom>
+            <a:noFill/>
+          </p:spPr>
+          <p:txBody>
+            <a:bodyPr wrap="square" rtlCol="0">
+              <a:spAutoFit/>
+            </a:bodyPr>
+            <a:lstStyle/>
+            <a:p>
+              <a:pPr algn="ctr"/>
+              <a:r>
+                <a:rPr lang="en-AU" sz="2000" dirty="0">
+                  <a:solidFill>
+                    <a:schemeClr val="bg1"/>
+                  </a:solidFill>
+                </a:rPr>
+                <a:t>Target</a:t>
+              </a:r>
+              <a:br>
+                <a:rPr lang="en-AU" sz="2000" dirty="0">
+                  <a:solidFill>
+                    <a:schemeClr val="bg1"/>
+                  </a:solidFill>
+                </a:rPr>
+              </a:br>
+              <a:r>
+                <a:rPr lang="en-AU" sz="2000" dirty="0">
+                  <a:solidFill>
+                    <a:schemeClr val="bg1"/>
+                  </a:solidFill>
+                </a:rPr>
+                <a:t>Matrix</a:t>
+              </a:r>
+            </a:p>
+          </p:txBody>
+        </p:sp>
+      </p:grpSp>
+      <p:grpSp>
+        <p:nvGrpSpPr>
+          <p:cNvPr id="44" name="Group 43"/>
+          <p:cNvGrpSpPr/>
+          <p:nvPr/>
+        </p:nvGrpSpPr>
+        <p:grpSpPr>
+          <a:xfrm>
+            <a:off x="3070164" y="1995812"/>
+            <a:ext cx="1857991" cy="2228850"/>
+            <a:chOff x="6464900" y="838200"/>
+            <a:chExt cx="3060100" cy="3733800"/>
+          </a:xfrm>
+        </p:grpSpPr>
+        <p:sp>
+          <p:nvSpPr>
+            <p:cNvPr id="45" name="Rectangle 44"/>
+            <p:cNvSpPr/>
+            <p:nvPr/>
+          </p:nvSpPr>
+          <p:spPr>
+            <a:xfrm>
+              <a:off x="7086600" y="1524000"/>
+              <a:ext cx="1371600" cy="3048000"/>
+            </a:xfrm>
+            <a:prstGeom prst="rect">
+              <a:avLst/>
+            </a:prstGeom>
+            <a:solidFill>
+              <a:schemeClr val="accent4">
+                <a:lumMod val="60000"/>
+                <a:lumOff val="40000"/>
+              </a:schemeClr>
+            </a:solidFill>
+          </p:spPr>
+          <p:style>
+            <a:lnRef idx="2">
+              <a:schemeClr val="accent1">
+                <a:shade val="50000"/>
+              </a:schemeClr>
+            </a:lnRef>
+            <a:fillRef idx="1">
+              <a:schemeClr val="accent1"/>
+            </a:fillRef>
+            <a:effectRef idx="0">
+              <a:schemeClr val="accent1"/>
+            </a:effectRef>
+            <a:fontRef idx="minor">
+              <a:schemeClr val="lt1"/>
+            </a:fontRef>
+          </p:style>
+          <p:txBody>
+            <a:bodyPr rtlCol="0" anchor="ctr"/>
+            <a:lstStyle/>
+            <a:p>
+              <a:pPr algn="ctr"/>
+              <a:endParaRPr lang="en-AU" sz="1600"/>
+            </a:p>
+          </p:txBody>
+        </p:sp>
+        <p:sp>
+          <p:nvSpPr>
+            <p:cNvPr id="46" name="TextBox 45"/>
+            <p:cNvSpPr txBox="1"/>
+            <p:nvPr/>
+          </p:nvSpPr>
+          <p:spPr>
+            <a:xfrm rot="16200000">
+              <a:off x="5486399" y="2121507"/>
+              <a:ext cx="2514600" cy="557597"/>
+            </a:xfrm>
+            <a:prstGeom prst="rect">
+              <a:avLst/>
+            </a:prstGeom>
+            <a:noFill/>
+          </p:spPr>
+          <p:txBody>
+            <a:bodyPr wrap="square" rtlCol="0">
+              <a:spAutoFit/>
+            </a:bodyPr>
+            <a:lstStyle/>
+            <a:p>
+              <a:r>
+                <a:rPr lang="en-AU" sz="1600" dirty="0"/>
+                <a:t># genes</a:t>
+              </a:r>
+            </a:p>
+          </p:txBody>
+        </p:sp>
+        <p:sp>
+          <p:nvSpPr>
+            <p:cNvPr id="47" name="TextBox 46"/>
+            <p:cNvSpPr txBox="1"/>
+            <p:nvPr/>
+          </p:nvSpPr>
+          <p:spPr>
+            <a:xfrm>
+              <a:off x="7010403" y="838200"/>
+              <a:ext cx="2514597" cy="567150"/>
+            </a:xfrm>
+            <a:prstGeom prst="rect">
+              <a:avLst/>
+            </a:prstGeom>
+            <a:noFill/>
+          </p:spPr>
+          <p:txBody>
+            <a:bodyPr wrap="square" rtlCol="0">
+              <a:spAutoFit/>
+            </a:bodyPr>
+            <a:lstStyle/>
+            <a:p>
+              <a:r>
+                <a:rPr lang="en-AU" sz="1600" dirty="0"/>
+                <a:t># pathways</a:t>
+              </a:r>
+            </a:p>
+          </p:txBody>
+        </p:sp>
+        <p:sp>
+          <p:nvSpPr>
+            <p:cNvPr id="48" name="TextBox 47"/>
+            <p:cNvSpPr txBox="1"/>
+            <p:nvPr/>
+          </p:nvSpPr>
+          <p:spPr>
+            <a:xfrm>
+              <a:off x="6515100" y="2209800"/>
+              <a:ext cx="2514597" cy="1185860"/>
+            </a:xfrm>
+            <a:prstGeom prst="rect">
+              <a:avLst/>
+            </a:prstGeom>
+            <a:noFill/>
+          </p:spPr>
+          <p:txBody>
+            <a:bodyPr wrap="square" rtlCol="0">
+              <a:spAutoFit/>
+            </a:bodyPr>
+            <a:lstStyle/>
+            <a:p>
+              <a:pPr algn="ctr"/>
+              <a:r>
+                <a:rPr lang="en-AU" sz="2000" dirty="0" err="1">
+                  <a:solidFill>
+                    <a:schemeClr val="bg1"/>
+                  </a:solidFill>
+                </a:rPr>
+                <a:t>Kegg</a:t>
+              </a:r>
+              <a:r>
+                <a:rPr lang="en-AU" sz="2000" dirty="0">
+                  <a:solidFill>
+                    <a:schemeClr val="bg1"/>
+                  </a:solidFill>
+                </a:rPr>
+                <a:t/>
+              </a:r>
+              <a:br>
+                <a:rPr lang="en-AU" sz="2000" dirty="0">
+                  <a:solidFill>
+                    <a:schemeClr val="bg1"/>
+                  </a:solidFill>
+                </a:rPr>
+              </a:br>
+              <a:r>
+                <a:rPr lang="en-AU" sz="2000" dirty="0">
+                  <a:solidFill>
+                    <a:schemeClr val="bg1"/>
+                  </a:solidFill>
+                </a:rPr>
+                <a:t>Matrix</a:t>
+              </a:r>
+            </a:p>
+          </p:txBody>
+        </p:sp>
+      </p:grpSp>
+      <p:cxnSp>
+        <p:nvCxnSpPr>
+          <p:cNvPr id="50" name="Straight Arrow Connector 49"/>
+          <p:cNvCxnSpPr/>
+          <p:nvPr/>
+        </p:nvCxnSpPr>
+        <p:spPr>
+          <a:xfrm flipV="1">
+            <a:off x="4528048" y="3306853"/>
+            <a:ext cx="400102" cy="1"/>
+          </a:xfrm>
+          <a:prstGeom prst="straightConnector1">
+            <a:avLst/>
+          </a:prstGeom>
+          <a:ln w="38100">
+            <a:solidFill>
+              <a:schemeClr val="accent6">
+                <a:lumMod val="75000"/>
+              </a:schemeClr>
+            </a:solidFill>
+            <a:tailEnd type="arrow"/>
+          </a:ln>
+        </p:spPr>
+        <p:style>
+          <a:lnRef idx="1">
+            <a:schemeClr val="accent1"/>
+          </a:lnRef>
+          <a:fillRef idx="0">
+            <a:schemeClr val="accent1"/>
+          </a:fillRef>
+          <a:effectRef idx="0">
+            <a:schemeClr val="accent1"/>
+          </a:effectRef>
+          <a:fontRef idx="minor">
+            <a:schemeClr val="tx1"/>
+          </a:fontRef>
+        </p:style>
+      </p:cxnSp>
+      <p:grpSp>
+        <p:nvGrpSpPr>
+          <p:cNvPr id="51" name="Group 50"/>
+          <p:cNvGrpSpPr/>
+          <p:nvPr/>
+        </p:nvGrpSpPr>
+        <p:grpSpPr>
+          <a:xfrm>
+            <a:off x="5148422" y="2045082"/>
+            <a:ext cx="2509486" cy="2300863"/>
+            <a:chOff x="4889354" y="3474152"/>
+            <a:chExt cx="3070640" cy="2091929"/>
+          </a:xfrm>
+        </p:grpSpPr>
+        <p:grpSp>
+          <p:nvGrpSpPr>
+            <p:cNvPr id="52" name="Group 51"/>
+            <p:cNvGrpSpPr/>
+            <p:nvPr/>
+          </p:nvGrpSpPr>
+          <p:grpSpPr>
+            <a:xfrm>
+              <a:off x="4906583" y="3474152"/>
+              <a:ext cx="3053411" cy="2091929"/>
+              <a:chOff x="4917469" y="3491585"/>
+              <a:chExt cx="3053411" cy="2091929"/>
+            </a:xfrm>
+          </p:grpSpPr>
+          <p:sp>
+            <p:nvSpPr>
+              <p:cNvPr id="57" name="Cube 56"/>
+              <p:cNvSpPr/>
+              <p:nvPr/>
+            </p:nvSpPr>
+            <p:spPr>
+              <a:xfrm>
+                <a:off x="5885474" y="3612766"/>
+                <a:ext cx="1497897" cy="1355351"/>
+              </a:xfrm>
+              <a:prstGeom prst="cube">
+                <a:avLst/>
+              </a:prstGeom>
+              <a:solidFill>
+                <a:schemeClr val="accent6"/>
+              </a:solidFill>
+              <a:ln>
+                <a:noFill/>
+              </a:ln>
+            </p:spPr>
+            <p:style>
+              <a:lnRef idx="2">
+                <a:schemeClr val="accent1">
+                  <a:shade val="50000"/>
+                </a:schemeClr>
+              </a:lnRef>
+              <a:fillRef idx="1">
+                <a:schemeClr val="accent1"/>
+              </a:fillRef>
+              <a:effectRef idx="0">
+                <a:schemeClr val="accent1"/>
+              </a:effectRef>
+              <a:fontRef idx="minor">
+                <a:schemeClr val="lt1"/>
+              </a:fontRef>
+            </p:style>
+            <p:txBody>
+              <a:bodyPr rtlCol="0" anchor="ctr"/>
+              <a:lstStyle/>
+              <a:p>
+                <a:pPr algn="ctr"/>
+                <a:endParaRPr lang="en-AU" sz="1600"/>
+              </a:p>
+            </p:txBody>
+          </p:sp>
+          <p:grpSp>
+            <p:nvGrpSpPr>
+              <p:cNvPr id="58" name="Group 57"/>
+              <p:cNvGrpSpPr/>
+              <p:nvPr/>
+            </p:nvGrpSpPr>
+            <p:grpSpPr>
+              <a:xfrm>
+                <a:off x="4917469" y="3491585"/>
+                <a:ext cx="3053411" cy="2091929"/>
+                <a:chOff x="5230762" y="4007370"/>
+                <a:chExt cx="2729246" cy="2001416"/>
+              </a:xfrm>
+            </p:grpSpPr>
+            <p:cxnSp>
+              <p:nvCxnSpPr>
+                <p:cNvPr id="59" name="Straight Connector 58"/>
+                <p:cNvCxnSpPr/>
+                <p:nvPr/>
+              </p:nvCxnSpPr>
+              <p:spPr>
+                <a:xfrm>
+                  <a:off x="6378166" y="4123308"/>
+                  <a:ext cx="1072028" cy="8571"/>
+                </a:xfrm>
+                <a:prstGeom prst="line">
+                  <a:avLst/>
+                </a:prstGeom>
+                <a:ln w="76200">
+                  <a:solidFill>
+                    <a:schemeClr val="accent4">
+                      <a:lumMod val="60000"/>
+                      <a:lumOff val="40000"/>
+                    </a:schemeClr>
+                  </a:solidFill>
+                </a:ln>
+              </p:spPr>
+              <p:style>
+                <a:lnRef idx="1">
+                  <a:schemeClr val="accent1"/>
+                </a:lnRef>
+                <a:fillRef idx="0">
+                  <a:schemeClr val="accent1"/>
+                </a:fillRef>
+                <a:effectRef idx="0">
+                  <a:schemeClr val="accent1"/>
+                </a:effectRef>
+                <a:fontRef idx="minor">
+                  <a:schemeClr val="tx1"/>
+                </a:fontRef>
+              </p:style>
+            </p:cxnSp>
+            <p:sp>
+              <p:nvSpPr>
+                <p:cNvPr id="60" name="TextBox 59"/>
+                <p:cNvSpPr txBox="1"/>
+                <p:nvPr/>
+              </p:nvSpPr>
+              <p:spPr>
+                <a:xfrm>
+                  <a:off x="5641077" y="5662425"/>
+                  <a:ext cx="2035441" cy="328602"/>
+                </a:xfrm>
+                <a:prstGeom prst="rect">
+                  <a:avLst/>
+                </a:prstGeom>
+                <a:noFill/>
+              </p:spPr>
+              <p:txBody>
+                <a:bodyPr wrap="square" rtlCol="0">
+                  <a:spAutoFit/>
+                </a:bodyPr>
+                <a:lstStyle/>
+                <a:p>
+                  <a:r>
+                    <a:rPr lang="en-AU" sz="1600" dirty="0"/>
+                    <a:t># pathways</a:t>
+                  </a:r>
+                </a:p>
+              </p:txBody>
+            </p:sp>
+            <p:sp>
+              <p:nvSpPr>
+                <p:cNvPr id="61" name="TextBox 60"/>
+                <p:cNvSpPr txBox="1"/>
+                <p:nvPr/>
+              </p:nvSpPr>
+              <p:spPr>
+                <a:xfrm rot="16200000">
+                  <a:off x="4630851" y="4679458"/>
+                  <a:ext cx="1620344" cy="420521"/>
+                </a:xfrm>
+                <a:prstGeom prst="rect">
+                  <a:avLst/>
+                </a:prstGeom>
+                <a:noFill/>
+              </p:spPr>
+              <p:txBody>
+                <a:bodyPr wrap="square" rtlCol="0">
+                  <a:spAutoFit/>
+                </a:bodyPr>
+                <a:lstStyle/>
+                <a:p>
+                  <a:r>
+                    <a:rPr lang="en-AU" sz="1600" dirty="0"/>
+                    <a:t># </a:t>
+                  </a:r>
+                  <a:r>
+                    <a:rPr lang="en-AU" sz="1600" dirty="0" err="1"/>
+                    <a:t>microRNA</a:t>
+                  </a:r>
+                  <a:endParaRPr lang="en-AU" sz="1600" dirty="0"/>
+                </a:p>
+              </p:txBody>
+            </p:sp>
+            <p:sp>
+              <p:nvSpPr>
+                <p:cNvPr id="62" name="TextBox 61"/>
+                <p:cNvSpPr txBox="1"/>
+                <p:nvPr/>
+              </p:nvSpPr>
+              <p:spPr>
+                <a:xfrm rot="18655032">
+                  <a:off x="6749040" y="4797817"/>
+                  <a:ext cx="2001416" cy="420521"/>
+                </a:xfrm>
+                <a:prstGeom prst="rect">
+                  <a:avLst/>
+                </a:prstGeom>
+                <a:noFill/>
+              </p:spPr>
+              <p:txBody>
+                <a:bodyPr wrap="square" rtlCol="0">
+                  <a:spAutoFit/>
+                </a:bodyPr>
+                <a:lstStyle/>
+                <a:p>
+                  <a:r>
+                    <a:rPr lang="en-AU" sz="1600" dirty="0"/>
+                    <a:t># genes</a:t>
+                  </a:r>
+                </a:p>
+              </p:txBody>
+            </p:sp>
+            <p:sp>
+              <p:nvSpPr>
+                <p:cNvPr id="63" name="Cube 62"/>
+                <p:cNvSpPr/>
+                <p:nvPr/>
+              </p:nvSpPr>
+              <p:spPr>
+                <a:xfrm>
+                  <a:off x="5796011" y="4363931"/>
+                  <a:ext cx="1338873" cy="1272612"/>
+                </a:xfrm>
+                <a:prstGeom prst="cube">
+                  <a:avLst/>
+                </a:prstGeom>
+                <a:solidFill>
+                  <a:schemeClr val="accent6"/>
+                </a:solidFill>
+                <a:ln>
+                  <a:noFill/>
+                </a:ln>
+              </p:spPr>
+              <p:style>
+                <a:lnRef idx="2">
+                  <a:schemeClr val="accent1">
+                    <a:shade val="50000"/>
+                  </a:schemeClr>
+                </a:lnRef>
+                <a:fillRef idx="1">
+                  <a:schemeClr val="accent1"/>
+                </a:fillRef>
+                <a:effectRef idx="0">
+                  <a:schemeClr val="accent1"/>
+                </a:effectRef>
+                <a:fontRef idx="minor">
+                  <a:schemeClr val="lt1"/>
+                </a:fontRef>
+              </p:style>
+              <p:txBody>
+                <a:bodyPr rtlCol="0" anchor="ctr"/>
+                <a:lstStyle/>
+                <a:p>
+                  <a:pPr algn="ctr"/>
+                  <a:endParaRPr lang="en-AU" sz="1600"/>
+                </a:p>
+              </p:txBody>
+            </p:sp>
+            <p:cxnSp>
+              <p:nvCxnSpPr>
+                <p:cNvPr id="64" name="Straight Connector 63"/>
+                <p:cNvCxnSpPr/>
+                <p:nvPr/>
+              </p:nvCxnSpPr>
+              <p:spPr>
+                <a:xfrm>
+                  <a:off x="5796011" y="4642342"/>
+                  <a:ext cx="0" cy="994201"/>
+                </a:xfrm>
+                <a:prstGeom prst="line">
+                  <a:avLst/>
+                </a:prstGeom>
+                <a:ln w="76200">
+                  <a:solidFill>
+                    <a:srgbClr val="92D050"/>
+                  </a:solidFill>
+                </a:ln>
+              </p:spPr>
+              <p:style>
+                <a:lnRef idx="1">
+                  <a:schemeClr val="accent1"/>
+                </a:lnRef>
+                <a:fillRef idx="0">
+                  <a:schemeClr val="accent1"/>
+                </a:fillRef>
+                <a:effectRef idx="0">
+                  <a:schemeClr val="accent1"/>
+                </a:effectRef>
+                <a:fontRef idx="minor">
+                  <a:schemeClr val="tx1"/>
+                </a:fontRef>
+              </p:style>
+            </p:cxnSp>
+            <p:cxnSp>
+              <p:nvCxnSpPr>
+                <p:cNvPr id="65" name="Straight Connector 64"/>
+                <p:cNvCxnSpPr/>
+                <p:nvPr/>
+              </p:nvCxnSpPr>
+              <p:spPr>
+                <a:xfrm>
+                  <a:off x="5796011" y="5624016"/>
+                  <a:ext cx="1017812" cy="12527"/>
+                </a:xfrm>
+                <a:prstGeom prst="line">
+                  <a:avLst/>
+                </a:prstGeom>
+                <a:ln w="76200">
+                  <a:solidFill>
+                    <a:schemeClr val="accent4">
+                      <a:lumMod val="60000"/>
+                      <a:lumOff val="40000"/>
+                    </a:schemeClr>
+                  </a:solidFill>
+                </a:ln>
+              </p:spPr>
+              <p:style>
+                <a:lnRef idx="1">
+                  <a:schemeClr val="accent1"/>
+                </a:lnRef>
+                <a:fillRef idx="0">
+                  <a:schemeClr val="accent1"/>
+                </a:fillRef>
+                <a:effectRef idx="0">
+                  <a:schemeClr val="accent1"/>
+                </a:effectRef>
+                <a:fontRef idx="minor">
+                  <a:schemeClr val="tx1"/>
+                </a:fontRef>
+              </p:style>
+            </p:cxnSp>
+          </p:grpSp>
+        </p:grpSp>
+        <p:sp>
+          <p:nvSpPr>
+            <p:cNvPr id="53" name="TextBox 52"/>
+            <p:cNvSpPr txBox="1"/>
+            <p:nvPr/>
+          </p:nvSpPr>
+          <p:spPr>
+            <a:xfrm>
+              <a:off x="4889354" y="4259529"/>
+              <a:ext cx="2444103" cy="593255"/>
+            </a:xfrm>
+            <a:prstGeom prst="rect">
+              <a:avLst/>
+            </a:prstGeom>
+            <a:noFill/>
+          </p:spPr>
+          <p:txBody>
+            <a:bodyPr wrap="square" rtlCol="0">
+              <a:spAutoFit/>
+            </a:bodyPr>
+            <a:lstStyle/>
+            <a:p>
+              <a:pPr algn="ctr"/>
+              <a:r>
+                <a:rPr lang="en-AU" sz="1600" dirty="0">
+                  <a:solidFill>
+                    <a:schemeClr val="bg1"/>
+                  </a:solidFill>
+                </a:rPr>
+                <a:t> </a:t>
+              </a:r>
+              <a:r>
+                <a:rPr lang="en-AU" sz="1600" dirty="0" smtClean="0">
+                  <a:solidFill>
+                    <a:schemeClr val="bg1"/>
+                  </a:solidFill>
+                </a:rPr>
+                <a:t>Mir-</a:t>
+              </a:r>
+            </a:p>
+            <a:p>
+              <a:pPr algn="ctr"/>
+              <a:r>
+                <a:rPr lang="en-AU" sz="1600" dirty="0" smtClean="0">
+                  <a:solidFill>
+                    <a:schemeClr val="bg1"/>
+                  </a:solidFill>
+                </a:rPr>
+                <a:t>pathways</a:t>
+              </a:r>
+              <a:endParaRPr lang="en-AU" sz="1600" dirty="0">
+                <a:solidFill>
+                  <a:schemeClr val="bg1"/>
+                </a:solidFill>
+              </a:endParaRPr>
+            </a:p>
+          </p:txBody>
+        </p:sp>
+        <p:cxnSp>
+          <p:nvCxnSpPr>
+            <p:cNvPr id="54" name="Straight Connector 53"/>
+            <p:cNvCxnSpPr/>
+            <p:nvPr/>
+          </p:nvCxnSpPr>
+          <p:spPr>
+            <a:xfrm>
+              <a:off x="6623537" y="4137840"/>
+              <a:ext cx="0" cy="1032616"/>
+            </a:xfrm>
+            <a:prstGeom prst="line">
+              <a:avLst/>
+            </a:prstGeom>
+            <a:ln w="76200">
+              <a:solidFill>
+                <a:srgbClr val="92D050"/>
+              </a:solidFill>
+            </a:ln>
+          </p:spPr>
+          <p:style>
+            <a:lnRef idx="1">
+              <a:schemeClr val="accent1"/>
+            </a:lnRef>
+            <a:fillRef idx="0">
+              <a:schemeClr val="accent1"/>
+            </a:fillRef>
+            <a:effectRef idx="0">
+              <a:schemeClr val="accent1"/>
+            </a:effectRef>
+            <a:fontRef idx="minor">
+              <a:schemeClr val="tx1"/>
+            </a:fontRef>
+          </p:style>
+        </p:cxnSp>
+        <p:cxnSp>
+          <p:nvCxnSpPr>
+            <p:cNvPr id="55" name="Straight Connector 54"/>
+            <p:cNvCxnSpPr/>
+            <p:nvPr/>
+          </p:nvCxnSpPr>
+          <p:spPr>
+            <a:xfrm>
+              <a:off x="7341213" y="3604291"/>
+              <a:ext cx="0" cy="1070149"/>
+            </a:xfrm>
+            <a:prstGeom prst="line">
+              <a:avLst/>
+            </a:prstGeom>
+            <a:ln w="76200">
+              <a:solidFill>
+                <a:srgbClr val="92D050"/>
+              </a:solidFill>
+            </a:ln>
+          </p:spPr>
+          <p:style>
+            <a:lnRef idx="1">
+              <a:schemeClr val="accent1"/>
+            </a:lnRef>
+            <a:fillRef idx="0">
+              <a:schemeClr val="accent1"/>
+            </a:fillRef>
+            <a:effectRef idx="0">
+              <a:schemeClr val="accent1"/>
+            </a:effectRef>
+            <a:fontRef idx="minor">
+              <a:schemeClr val="tx1"/>
+            </a:fontRef>
+          </p:style>
+        </p:cxnSp>
+        <p:cxnSp>
+          <p:nvCxnSpPr>
+            <p:cNvPr id="56" name="Straight Connector 55"/>
+            <p:cNvCxnSpPr/>
+            <p:nvPr/>
+          </p:nvCxnSpPr>
+          <p:spPr>
+            <a:xfrm>
+              <a:off x="5484834" y="4124746"/>
+              <a:ext cx="1138702" cy="13094"/>
+            </a:xfrm>
+            <a:prstGeom prst="line">
+              <a:avLst/>
+            </a:prstGeom>
+            <a:ln w="76200">
+              <a:solidFill>
+                <a:schemeClr val="accent4">
+                  <a:lumMod val="60000"/>
+                  <a:lumOff val="40000"/>
+                </a:schemeClr>
+              </a:solidFill>
+            </a:ln>
+          </p:spPr>
+          <p:style>
+            <a:lnRef idx="1">
+              <a:schemeClr val="accent1"/>
+            </a:lnRef>
+            <a:fillRef idx="0">
+              <a:schemeClr val="accent1"/>
+            </a:fillRef>
+            <a:effectRef idx="0">
+              <a:schemeClr val="accent1"/>
+            </a:effectRef>
+            <a:fontRef idx="minor">
+              <a:schemeClr val="tx1"/>
+            </a:fontRef>
+          </p:style>
+        </p:cxnSp>
+      </p:grpSp>
+    </p:spTree>
+    <p:extLst>
+      <p:ext uri="{BB962C8B-B14F-4D97-AF65-F5344CB8AC3E}">
+        <p14:creationId xmlns:p14="http://schemas.microsoft.com/office/powerpoint/2010/main" val="2594033706"/>
+      </p:ext>
+    </p:extLst>
+  </p:cSld>
+  <p:clrMapOvr>
+    <a:masterClrMapping/>
+  </p:clrMapOvr>
+  <p:timing>
+    <p:tnLst>
+      <p:par>
+        <p:cTn id="1" dur="indefinite" restart="never" nodeType="tmRoot"/>
+      </p:par>
+    </p:tnLst>
   </p:timing>
 </p:sld>
 </file>
